--- a/lectures/lecture-2-3-4-5/Lecture_5_SQL.pptx
+++ b/lectures/lecture-2-3-4-5/Lecture_5_SQL.pptx
@@ -5,7 +5,7 @@
     <p:sldMasterId id="2147483648" r:id="rId1"/>
   </p:sldMasterIdLst>
   <p:notesMasterIdLst>
-    <p:notesMasterId r:id="rId40"/>
+    <p:notesMasterId r:id="rId44"/>
   </p:notesMasterIdLst>
   <p:sldIdLst>
     <p:sldId id="388" r:id="rId2"/>
@@ -33,19 +33,23 @@
     <p:sldId id="404" r:id="rId24"/>
     <p:sldId id="341" r:id="rId25"/>
     <p:sldId id="436" r:id="rId26"/>
-    <p:sldId id="354" r:id="rId27"/>
-    <p:sldId id="356" r:id="rId28"/>
-    <p:sldId id="357" r:id="rId29"/>
-    <p:sldId id="358" r:id="rId30"/>
-    <p:sldId id="359" r:id="rId31"/>
-    <p:sldId id="361" r:id="rId32"/>
-    <p:sldId id="438" r:id="rId33"/>
-    <p:sldId id="362" r:id="rId34"/>
-    <p:sldId id="363" r:id="rId35"/>
-    <p:sldId id="440" r:id="rId36"/>
-    <p:sldId id="366" r:id="rId37"/>
-    <p:sldId id="437" r:id="rId38"/>
-    <p:sldId id="367" r:id="rId39"/>
+    <p:sldId id="460" r:id="rId27"/>
+    <p:sldId id="461" r:id="rId28"/>
+    <p:sldId id="462" r:id="rId29"/>
+    <p:sldId id="463" r:id="rId30"/>
+    <p:sldId id="354" r:id="rId31"/>
+    <p:sldId id="356" r:id="rId32"/>
+    <p:sldId id="357" r:id="rId33"/>
+    <p:sldId id="358" r:id="rId34"/>
+    <p:sldId id="359" r:id="rId35"/>
+    <p:sldId id="361" r:id="rId36"/>
+    <p:sldId id="438" r:id="rId37"/>
+    <p:sldId id="362" r:id="rId38"/>
+    <p:sldId id="363" r:id="rId39"/>
+    <p:sldId id="440" r:id="rId40"/>
+    <p:sldId id="366" r:id="rId41"/>
+    <p:sldId id="437" r:id="rId42"/>
+    <p:sldId id="367" r:id="rId43"/>
   </p:sldIdLst>
   <p:sldSz cx="12192000" cy="6858000"/>
   <p:notesSz cx="6858000" cy="9144000"/>
@@ -1756,6 +1760,14 @@
 <file path=ppt/notesSlides/notesSlide22.xml><?xml version="1.0" encoding="utf-8"?>
 <p:notes xmlns:a="http://schemas.openxmlformats.org/drawingml/2006/main" xmlns:r="http://schemas.openxmlformats.org/officeDocument/2006/relationships" xmlns:p="http://schemas.openxmlformats.org/presentationml/2006/main">
   <p:cSld>
+    <p:bg>
+      <p:bgPr>
+        <a:solidFill>
+          <a:srgbClr val="FFFFFF"/>
+        </a:solidFill>
+        <a:effectLst/>
+      </p:bgPr>
+    </p:bg>
     <p:spTree>
       <p:nvGrpSpPr>
         <p:cNvPr id="1" name=""/>
@@ -1772,69 +1784,95 @@
       </p:grpSpPr>
       <p:sp>
         <p:nvSpPr>
-          <p:cNvPr id="7" name="Rectangle 7"/>
+          <p:cNvPr id="17410" name="Rectangle 1"/>
           <p:cNvSpPr>
-            <a:spLocks noGrp="1" noChangeArrowheads="1"/>
-          </p:cNvSpPr>
-          <p:nvPr>
-            <p:ph type="sldNum" sz="quarter" idx="5"/>
-          </p:nvPr>
-        </p:nvSpPr>
-        <p:spPr>
-          <a:ln/>
-        </p:spPr>
-        <p:txBody>
-          <a:bodyPr/>
-          <a:lstStyle/>
-          <a:p>
-            <a:fld id="{619CCDD6-DCF9-4647-ACD1-A06B9FB769C1}" type="slidenum">
-              <a:rPr lang="en-US"/>
-              <a:pPr/>
-              <a:t>26</a:t>
-            </a:fld>
-            <a:endParaRPr lang="en-US"/>
-          </a:p>
-        </p:txBody>
-      </p:sp>
-      <p:sp>
-        <p:nvSpPr>
-          <p:cNvPr id="275458" name="Rectangle 2"/>
-          <p:cNvSpPr>
-            <a:spLocks noGrp="1" noRot="1" noChangeAspect="1" noChangeArrowheads="1" noTextEdit="1"/>
+            <a:spLocks noChangeArrowheads="1" noTextEdit="1"/>
           </p:cNvSpPr>
           <p:nvPr>
             <p:ph type="sldImg"/>
           </p:nvPr>
         </p:nvSpPr>
         <p:spPr>
-          <a:ln/>
+          <a:xfrm>
+            <a:off x="1178719" y="693965"/>
+            <a:ext cx="4500563" cy="3429000"/>
+          </a:xfrm>
+          <a:solidFill>
+            <a:srgbClr val="FFFFFF"/>
+          </a:solidFill>
+          <a:ln>
+            <a:solidFill>
+              <a:srgbClr val="000000"/>
+            </a:solidFill>
+            <a:miter lim="800000"/>
+            <a:headEnd/>
+            <a:tailEnd/>
+          </a:ln>
+          <a:extLst>
+            <a:ext uri="{AF507438-7753-43e0-B8FC-AC1667EBCBE1}">
+              <a14:hiddenEffects xmlns:a14="http://schemas.microsoft.com/office/drawing/2010/main">
+                <a:effectLst>
+                  <a:outerShdw dist="35921" dir="2700000" algn="ctr" rotWithShape="0">
+                    <a:srgbClr val="808080"/>
+                  </a:outerShdw>
+                </a:effectLst>
+              </a14:hiddenEffects>
+            </a:ext>
+          </a:extLst>
         </p:spPr>
       </p:sp>
       <p:sp>
         <p:nvSpPr>
-          <p:cNvPr id="275459" name="Rectangle 3"/>
+          <p:cNvPr id="17411" name="Rectangle 2"/>
           <p:cNvSpPr>
-            <a:spLocks noGrp="1" noChangeArrowheads="1"/>
+            <a:spLocks noChangeArrowheads="1"/>
           </p:cNvSpPr>
           <p:nvPr>
             <p:ph type="body" idx="1"/>
           </p:nvPr>
         </p:nvSpPr>
-        <p:spPr/>
+        <p:spPr>
+          <a:xfrm>
+            <a:off x="686098" y="4343704"/>
+            <a:ext cx="5485805" cy="4113892"/>
+          </a:xfrm>
+          <a:noFill/>
+          <a:extLst>
+            <a:ext uri="{91240B29-F687-4f45-9708-019B960494DF}">
+              <a14:hiddenLine xmlns:a14="http://schemas.microsoft.com/office/drawing/2010/main" w="9525">
+                <a:solidFill>
+                  <a:srgbClr val="808080"/>
+                </a:solidFill>
+                <a:miter lim="800000"/>
+                <a:headEnd/>
+                <a:tailEnd/>
+              </a14:hiddenLine>
+            </a:ext>
+            <a:ext uri="{AF507438-7753-43e0-B8FC-AC1667EBCBE1}">
+              <a14:hiddenEffects xmlns:a14="http://schemas.microsoft.com/office/drawing/2010/main">
+                <a:effectLst>
+                  <a:outerShdw dist="35921" dir="2700000" algn="ctr" rotWithShape="0">
+                    <a:srgbClr val="808080"/>
+                  </a:outerShdw>
+                </a:effectLst>
+              </a14:hiddenEffects>
+            </a:ext>
+            <a:ext uri="{FAA26D3D-D897-4be2-8F04-BA451C77F1D7}">
+              <ma14:placeholderFlag xmlns:ma14="http://schemas.microsoft.com/office/mac/drawingml/2011/main" val="1"/>
+            </a:ext>
+          </a:extLst>
+        </p:spPr>
         <p:txBody>
-          <a:bodyPr/>
+          <a:bodyPr wrap="none" anchor="ctr"/>
           <a:lstStyle/>
           <a:p>
-            <a:endParaRPr lang="en-US"/>
+            <a:endParaRPr lang="en-US">
+              <a:latin typeface="Times New Roman" charset="0"/>
+            </a:endParaRPr>
           </a:p>
         </p:txBody>
       </p:sp>
     </p:spTree>
-    <p:extLst>
-      <p:ext uri="{BB962C8B-B14F-4D97-AF65-F5344CB8AC3E}">
-        <p14:creationId xmlns:p14="http://schemas.microsoft.com/office/powerpoint/2010/main" val="1784644873"/>
-      </p:ext>
-    </p:extLst>
   </p:cSld>
   <p:clrMapOvr>
     <a:masterClrMapping/>
@@ -1845,6 +1883,14 @@
 <file path=ppt/notesSlides/notesSlide23.xml><?xml version="1.0" encoding="utf-8"?>
 <p:notes xmlns:a="http://schemas.openxmlformats.org/drawingml/2006/main" xmlns:r="http://schemas.openxmlformats.org/officeDocument/2006/relationships" xmlns:p="http://schemas.openxmlformats.org/presentationml/2006/main">
   <p:cSld>
+    <p:bg>
+      <p:bgPr>
+        <a:solidFill>
+          <a:srgbClr val="FFFFFF"/>
+        </a:solidFill>
+        <a:effectLst/>
+      </p:bgPr>
+    </p:bg>
     <p:spTree>
       <p:nvGrpSpPr>
         <p:cNvPr id="1" name=""/>
@@ -1861,69 +1907,95 @@
       </p:grpSpPr>
       <p:sp>
         <p:nvSpPr>
-          <p:cNvPr id="7" name="Rectangle 7"/>
+          <p:cNvPr id="19458" name="Rectangle 1"/>
           <p:cNvSpPr>
-            <a:spLocks noGrp="1" noChangeArrowheads="1"/>
-          </p:cNvSpPr>
-          <p:nvPr>
-            <p:ph type="sldNum" sz="quarter" idx="5"/>
-          </p:nvPr>
-        </p:nvSpPr>
-        <p:spPr>
-          <a:ln/>
-        </p:spPr>
-        <p:txBody>
-          <a:bodyPr/>
-          <a:lstStyle/>
-          <a:p>
-            <a:fld id="{F6ECF976-0675-4E93-82D8-8266C63D9B50}" type="slidenum">
-              <a:rPr lang="en-US"/>
-              <a:pPr/>
-              <a:t>27</a:t>
-            </a:fld>
-            <a:endParaRPr lang="en-US"/>
-          </a:p>
-        </p:txBody>
-      </p:sp>
-      <p:sp>
-        <p:nvSpPr>
-          <p:cNvPr id="276482" name="Rectangle 2"/>
-          <p:cNvSpPr>
-            <a:spLocks noGrp="1" noRot="1" noChangeAspect="1" noChangeArrowheads="1" noTextEdit="1"/>
+            <a:spLocks noChangeArrowheads="1" noTextEdit="1"/>
           </p:cNvSpPr>
           <p:nvPr>
             <p:ph type="sldImg"/>
           </p:nvPr>
         </p:nvSpPr>
         <p:spPr>
-          <a:ln/>
+          <a:xfrm>
+            <a:off x="1178719" y="693965"/>
+            <a:ext cx="4500563" cy="3429000"/>
+          </a:xfrm>
+          <a:solidFill>
+            <a:srgbClr val="FFFFFF"/>
+          </a:solidFill>
+          <a:ln>
+            <a:solidFill>
+              <a:srgbClr val="000000"/>
+            </a:solidFill>
+            <a:miter lim="800000"/>
+            <a:headEnd/>
+            <a:tailEnd/>
+          </a:ln>
+          <a:extLst>
+            <a:ext uri="{AF507438-7753-43e0-B8FC-AC1667EBCBE1}">
+              <a14:hiddenEffects xmlns:a14="http://schemas.microsoft.com/office/drawing/2010/main">
+                <a:effectLst>
+                  <a:outerShdw dist="35921" dir="2700000" algn="ctr" rotWithShape="0">
+                    <a:srgbClr val="808080"/>
+                  </a:outerShdw>
+                </a:effectLst>
+              </a14:hiddenEffects>
+            </a:ext>
+          </a:extLst>
         </p:spPr>
       </p:sp>
       <p:sp>
         <p:nvSpPr>
-          <p:cNvPr id="276483" name="Rectangle 3"/>
+          <p:cNvPr id="19459" name="Rectangle 2"/>
           <p:cNvSpPr>
-            <a:spLocks noGrp="1" noChangeArrowheads="1"/>
+            <a:spLocks noChangeArrowheads="1"/>
           </p:cNvSpPr>
           <p:nvPr>
             <p:ph type="body" idx="1"/>
           </p:nvPr>
         </p:nvSpPr>
-        <p:spPr/>
+        <p:spPr>
+          <a:xfrm>
+            <a:off x="686098" y="4343704"/>
+            <a:ext cx="5485805" cy="4113892"/>
+          </a:xfrm>
+          <a:noFill/>
+          <a:extLst>
+            <a:ext uri="{91240B29-F687-4f45-9708-019B960494DF}">
+              <a14:hiddenLine xmlns:a14="http://schemas.microsoft.com/office/drawing/2010/main" w="9525">
+                <a:solidFill>
+                  <a:srgbClr val="808080"/>
+                </a:solidFill>
+                <a:miter lim="800000"/>
+                <a:headEnd/>
+                <a:tailEnd/>
+              </a14:hiddenLine>
+            </a:ext>
+            <a:ext uri="{AF507438-7753-43e0-B8FC-AC1667EBCBE1}">
+              <a14:hiddenEffects xmlns:a14="http://schemas.microsoft.com/office/drawing/2010/main">
+                <a:effectLst>
+                  <a:outerShdw dist="35921" dir="2700000" algn="ctr" rotWithShape="0">
+                    <a:srgbClr val="808080"/>
+                  </a:outerShdw>
+                </a:effectLst>
+              </a14:hiddenEffects>
+            </a:ext>
+            <a:ext uri="{FAA26D3D-D897-4be2-8F04-BA451C77F1D7}">
+              <ma14:placeholderFlag xmlns:ma14="http://schemas.microsoft.com/office/mac/drawingml/2011/main" val="1"/>
+            </a:ext>
+          </a:extLst>
+        </p:spPr>
         <p:txBody>
-          <a:bodyPr/>
+          <a:bodyPr wrap="none" anchor="ctr"/>
           <a:lstStyle/>
           <a:p>
-            <a:endParaRPr lang="en-US"/>
+            <a:endParaRPr lang="en-US">
+              <a:latin typeface="Times New Roman" charset="0"/>
+            </a:endParaRPr>
           </a:p>
         </p:txBody>
       </p:sp>
     </p:spTree>
-    <p:extLst>
-      <p:ext uri="{BB962C8B-B14F-4D97-AF65-F5344CB8AC3E}">
-        <p14:creationId xmlns:p14="http://schemas.microsoft.com/office/powerpoint/2010/main" val="404761385"/>
-      </p:ext>
-    </p:extLst>
   </p:cSld>
   <p:clrMapOvr>
     <a:masterClrMapping/>
@@ -1934,6 +2006,14 @@
 <file path=ppt/notesSlides/notesSlide24.xml><?xml version="1.0" encoding="utf-8"?>
 <p:notes xmlns:a="http://schemas.openxmlformats.org/drawingml/2006/main" xmlns:r="http://schemas.openxmlformats.org/officeDocument/2006/relationships" xmlns:p="http://schemas.openxmlformats.org/presentationml/2006/main">
   <p:cSld>
+    <p:bg>
+      <p:bgPr>
+        <a:solidFill>
+          <a:srgbClr val="FFFFFF"/>
+        </a:solidFill>
+        <a:effectLst/>
+      </p:bgPr>
+    </p:bg>
     <p:spTree>
       <p:nvGrpSpPr>
         <p:cNvPr id="1" name=""/>
@@ -1950,69 +2030,95 @@
       </p:grpSpPr>
       <p:sp>
         <p:nvSpPr>
-          <p:cNvPr id="7" name="Rectangle 7"/>
+          <p:cNvPr id="21506" name="Rectangle 1"/>
           <p:cNvSpPr>
-            <a:spLocks noGrp="1" noChangeArrowheads="1"/>
-          </p:cNvSpPr>
-          <p:nvPr>
-            <p:ph type="sldNum" sz="quarter" idx="5"/>
-          </p:nvPr>
-        </p:nvSpPr>
-        <p:spPr>
-          <a:ln/>
-        </p:spPr>
-        <p:txBody>
-          <a:bodyPr/>
-          <a:lstStyle/>
-          <a:p>
-            <a:fld id="{39BAA930-C99C-46CF-B550-963ADE7193B2}" type="slidenum">
-              <a:rPr lang="en-US"/>
-              <a:pPr/>
-              <a:t>28</a:t>
-            </a:fld>
-            <a:endParaRPr lang="en-US"/>
-          </a:p>
-        </p:txBody>
-      </p:sp>
-      <p:sp>
-        <p:nvSpPr>
-          <p:cNvPr id="277506" name="Rectangle 2"/>
-          <p:cNvSpPr>
-            <a:spLocks noGrp="1" noRot="1" noChangeAspect="1" noChangeArrowheads="1" noTextEdit="1"/>
+            <a:spLocks noChangeArrowheads="1" noTextEdit="1"/>
           </p:cNvSpPr>
           <p:nvPr>
             <p:ph type="sldImg"/>
           </p:nvPr>
         </p:nvSpPr>
         <p:spPr>
-          <a:ln/>
+          <a:xfrm>
+            <a:off x="1178719" y="693965"/>
+            <a:ext cx="4500563" cy="3429000"/>
+          </a:xfrm>
+          <a:solidFill>
+            <a:srgbClr val="FFFFFF"/>
+          </a:solidFill>
+          <a:ln>
+            <a:solidFill>
+              <a:srgbClr val="000000"/>
+            </a:solidFill>
+            <a:miter lim="800000"/>
+            <a:headEnd/>
+            <a:tailEnd/>
+          </a:ln>
+          <a:extLst>
+            <a:ext uri="{AF507438-7753-43e0-B8FC-AC1667EBCBE1}">
+              <a14:hiddenEffects xmlns:a14="http://schemas.microsoft.com/office/drawing/2010/main">
+                <a:effectLst>
+                  <a:outerShdw dist="35921" dir="2700000" algn="ctr" rotWithShape="0">
+                    <a:srgbClr val="808080"/>
+                  </a:outerShdw>
+                </a:effectLst>
+              </a14:hiddenEffects>
+            </a:ext>
+          </a:extLst>
         </p:spPr>
       </p:sp>
       <p:sp>
         <p:nvSpPr>
-          <p:cNvPr id="277507" name="Rectangle 3"/>
+          <p:cNvPr id="21507" name="Rectangle 2"/>
           <p:cNvSpPr>
-            <a:spLocks noGrp="1" noChangeArrowheads="1"/>
+            <a:spLocks noChangeArrowheads="1"/>
           </p:cNvSpPr>
           <p:nvPr>
             <p:ph type="body" idx="1"/>
           </p:nvPr>
         </p:nvSpPr>
-        <p:spPr/>
+        <p:spPr>
+          <a:xfrm>
+            <a:off x="686098" y="4343704"/>
+            <a:ext cx="5485805" cy="4113892"/>
+          </a:xfrm>
+          <a:noFill/>
+          <a:extLst>
+            <a:ext uri="{91240B29-F687-4f45-9708-019B960494DF}">
+              <a14:hiddenLine xmlns:a14="http://schemas.microsoft.com/office/drawing/2010/main" w="9525">
+                <a:solidFill>
+                  <a:srgbClr val="808080"/>
+                </a:solidFill>
+                <a:miter lim="800000"/>
+                <a:headEnd/>
+                <a:tailEnd/>
+              </a14:hiddenLine>
+            </a:ext>
+            <a:ext uri="{AF507438-7753-43e0-B8FC-AC1667EBCBE1}">
+              <a14:hiddenEffects xmlns:a14="http://schemas.microsoft.com/office/drawing/2010/main">
+                <a:effectLst>
+                  <a:outerShdw dist="35921" dir="2700000" algn="ctr" rotWithShape="0">
+                    <a:srgbClr val="808080"/>
+                  </a:outerShdw>
+                </a:effectLst>
+              </a14:hiddenEffects>
+            </a:ext>
+            <a:ext uri="{FAA26D3D-D897-4be2-8F04-BA451C77F1D7}">
+              <ma14:placeholderFlag xmlns:ma14="http://schemas.microsoft.com/office/mac/drawingml/2011/main" val="1"/>
+            </a:ext>
+          </a:extLst>
+        </p:spPr>
         <p:txBody>
-          <a:bodyPr/>
+          <a:bodyPr wrap="none" anchor="ctr"/>
           <a:lstStyle/>
           <a:p>
-            <a:endParaRPr lang="en-US"/>
+            <a:endParaRPr lang="en-US">
+              <a:latin typeface="Times New Roman" charset="0"/>
+            </a:endParaRPr>
           </a:p>
         </p:txBody>
       </p:sp>
     </p:spTree>
-    <p:extLst>
-      <p:ext uri="{BB962C8B-B14F-4D97-AF65-F5344CB8AC3E}">
-        <p14:creationId xmlns:p14="http://schemas.microsoft.com/office/powerpoint/2010/main" val="462700744"/>
-      </p:ext>
-    </p:extLst>
   </p:cSld>
   <p:clrMapOvr>
     <a:masterClrMapping/>
@@ -2023,6 +2129,14 @@
 <file path=ppt/notesSlides/notesSlide25.xml><?xml version="1.0" encoding="utf-8"?>
 <p:notes xmlns:a="http://schemas.openxmlformats.org/drawingml/2006/main" xmlns:r="http://schemas.openxmlformats.org/officeDocument/2006/relationships" xmlns:p="http://schemas.openxmlformats.org/presentationml/2006/main">
   <p:cSld>
+    <p:bg>
+      <p:bgPr>
+        <a:solidFill>
+          <a:srgbClr val="FFFFFF"/>
+        </a:solidFill>
+        <a:effectLst/>
+      </p:bgPr>
+    </p:bg>
     <p:spTree>
       <p:nvGrpSpPr>
         <p:cNvPr id="1" name=""/>
@@ -2039,69 +2153,95 @@
       </p:grpSpPr>
       <p:sp>
         <p:nvSpPr>
-          <p:cNvPr id="7" name="Rectangle 7"/>
+          <p:cNvPr id="23554" name="Rectangle 1"/>
           <p:cNvSpPr>
-            <a:spLocks noGrp="1" noChangeArrowheads="1"/>
-          </p:cNvSpPr>
-          <p:nvPr>
-            <p:ph type="sldNum" sz="quarter" idx="5"/>
-          </p:nvPr>
-        </p:nvSpPr>
-        <p:spPr>
-          <a:ln/>
-        </p:spPr>
-        <p:txBody>
-          <a:bodyPr/>
-          <a:lstStyle/>
-          <a:p>
-            <a:fld id="{192E86E1-9278-48F6-96C9-0626624145BD}" type="slidenum">
-              <a:rPr lang="en-US"/>
-              <a:pPr/>
-              <a:t>29</a:t>
-            </a:fld>
-            <a:endParaRPr lang="en-US"/>
-          </a:p>
-        </p:txBody>
-      </p:sp>
-      <p:sp>
-        <p:nvSpPr>
-          <p:cNvPr id="278530" name="Rectangle 2"/>
-          <p:cNvSpPr>
-            <a:spLocks noGrp="1" noRot="1" noChangeAspect="1" noChangeArrowheads="1" noTextEdit="1"/>
+            <a:spLocks noChangeArrowheads="1" noTextEdit="1"/>
           </p:cNvSpPr>
           <p:nvPr>
             <p:ph type="sldImg"/>
           </p:nvPr>
         </p:nvSpPr>
         <p:spPr>
-          <a:ln/>
+          <a:xfrm>
+            <a:off x="1178719" y="693965"/>
+            <a:ext cx="4500563" cy="3429000"/>
+          </a:xfrm>
+          <a:solidFill>
+            <a:srgbClr val="FFFFFF"/>
+          </a:solidFill>
+          <a:ln>
+            <a:solidFill>
+              <a:srgbClr val="000000"/>
+            </a:solidFill>
+            <a:miter lim="800000"/>
+            <a:headEnd/>
+            <a:tailEnd/>
+          </a:ln>
+          <a:extLst>
+            <a:ext uri="{AF507438-7753-43e0-B8FC-AC1667EBCBE1}">
+              <a14:hiddenEffects xmlns:a14="http://schemas.microsoft.com/office/drawing/2010/main">
+                <a:effectLst>
+                  <a:outerShdw dist="35921" dir="2700000" algn="ctr" rotWithShape="0">
+                    <a:srgbClr val="808080"/>
+                  </a:outerShdw>
+                </a:effectLst>
+              </a14:hiddenEffects>
+            </a:ext>
+          </a:extLst>
         </p:spPr>
       </p:sp>
       <p:sp>
         <p:nvSpPr>
-          <p:cNvPr id="278531" name="Rectangle 3"/>
+          <p:cNvPr id="23555" name="Rectangle 2"/>
           <p:cNvSpPr>
-            <a:spLocks noGrp="1" noChangeArrowheads="1"/>
+            <a:spLocks noChangeArrowheads="1"/>
           </p:cNvSpPr>
           <p:nvPr>
             <p:ph type="body" idx="1"/>
           </p:nvPr>
         </p:nvSpPr>
-        <p:spPr/>
+        <p:spPr>
+          <a:xfrm>
+            <a:off x="686098" y="4343704"/>
+            <a:ext cx="5485805" cy="4113892"/>
+          </a:xfrm>
+          <a:noFill/>
+          <a:extLst>
+            <a:ext uri="{91240B29-F687-4f45-9708-019B960494DF}">
+              <a14:hiddenLine xmlns:a14="http://schemas.microsoft.com/office/drawing/2010/main" w="9525">
+                <a:solidFill>
+                  <a:srgbClr val="808080"/>
+                </a:solidFill>
+                <a:miter lim="800000"/>
+                <a:headEnd/>
+                <a:tailEnd/>
+              </a14:hiddenLine>
+            </a:ext>
+            <a:ext uri="{AF507438-7753-43e0-B8FC-AC1667EBCBE1}">
+              <a14:hiddenEffects xmlns:a14="http://schemas.microsoft.com/office/drawing/2010/main">
+                <a:effectLst>
+                  <a:outerShdw dist="35921" dir="2700000" algn="ctr" rotWithShape="0">
+                    <a:srgbClr val="808080"/>
+                  </a:outerShdw>
+                </a:effectLst>
+              </a14:hiddenEffects>
+            </a:ext>
+            <a:ext uri="{FAA26D3D-D897-4be2-8F04-BA451C77F1D7}">
+              <ma14:placeholderFlag xmlns:ma14="http://schemas.microsoft.com/office/mac/drawingml/2011/main" val="1"/>
+            </a:ext>
+          </a:extLst>
+        </p:spPr>
         <p:txBody>
-          <a:bodyPr/>
+          <a:bodyPr wrap="none" anchor="ctr"/>
           <a:lstStyle/>
           <a:p>
-            <a:endParaRPr lang="en-US"/>
+            <a:endParaRPr lang="en-US">
+              <a:latin typeface="Times New Roman" charset="0"/>
+            </a:endParaRPr>
           </a:p>
         </p:txBody>
       </p:sp>
     </p:spTree>
-    <p:extLst>
-      <p:ext uri="{BB962C8B-B14F-4D97-AF65-F5344CB8AC3E}">
-        <p14:creationId xmlns:p14="http://schemas.microsoft.com/office/powerpoint/2010/main" val="573118621"/>
-      </p:ext>
-    </p:extLst>
   </p:cSld>
   <p:clrMapOvr>
     <a:masterClrMapping/>
@@ -2143,7 +2283,7 @@
           <a:bodyPr/>
           <a:lstStyle/>
           <a:p>
-            <a:fld id="{486D348A-7BFC-4920-8A9D-54488F67B281}" type="slidenum">
+            <a:fld id="{619CCDD6-DCF9-4647-ACD1-A06B9FB769C1}" type="slidenum">
               <a:rPr lang="en-US"/>
               <a:pPr/>
               <a:t>30</a:t>
@@ -2154,7 +2294,7 @@
       </p:sp>
       <p:sp>
         <p:nvSpPr>
-          <p:cNvPr id="279554" name="Rectangle 2"/>
+          <p:cNvPr id="275458" name="Rectangle 2"/>
           <p:cNvSpPr>
             <a:spLocks noGrp="1" noRot="1" noChangeAspect="1" noChangeArrowheads="1" noTextEdit="1"/>
           </p:cNvSpPr>
@@ -2168,7 +2308,7 @@
       </p:sp>
       <p:sp>
         <p:nvSpPr>
-          <p:cNvPr id="279555" name="Rectangle 3"/>
+          <p:cNvPr id="275459" name="Rectangle 3"/>
           <p:cNvSpPr>
             <a:spLocks noGrp="1" noChangeArrowheads="1"/>
           </p:cNvSpPr>
@@ -2188,7 +2328,7 @@
     </p:spTree>
     <p:extLst>
       <p:ext uri="{BB962C8B-B14F-4D97-AF65-F5344CB8AC3E}">
-        <p14:creationId xmlns:p14="http://schemas.microsoft.com/office/powerpoint/2010/main" val="940506352"/>
+        <p14:creationId xmlns:p14="http://schemas.microsoft.com/office/powerpoint/2010/main" val="1784644873"/>
       </p:ext>
     </p:extLst>
   </p:cSld>
@@ -2232,7 +2372,7 @@
           <a:bodyPr/>
           <a:lstStyle/>
           <a:p>
-            <a:fld id="{657C69EB-C3EE-4167-9D19-2D3B25BCB404}" type="slidenum">
+            <a:fld id="{F6ECF976-0675-4E93-82D8-8266C63D9B50}" type="slidenum">
               <a:rPr lang="en-US"/>
               <a:pPr/>
               <a:t>31</a:t>
@@ -2243,7 +2383,7 @@
       </p:sp>
       <p:sp>
         <p:nvSpPr>
-          <p:cNvPr id="280578" name="Rectangle 2"/>
+          <p:cNvPr id="276482" name="Rectangle 2"/>
           <p:cNvSpPr>
             <a:spLocks noGrp="1" noRot="1" noChangeAspect="1" noChangeArrowheads="1" noTextEdit="1"/>
           </p:cNvSpPr>
@@ -2257,7 +2397,7 @@
       </p:sp>
       <p:sp>
         <p:nvSpPr>
-          <p:cNvPr id="280579" name="Rectangle 3"/>
+          <p:cNvPr id="276483" name="Rectangle 3"/>
           <p:cNvSpPr>
             <a:spLocks noGrp="1" noChangeArrowheads="1"/>
           </p:cNvSpPr>
@@ -2277,7 +2417,7 @@
     </p:spTree>
     <p:extLst>
       <p:ext uri="{BB962C8B-B14F-4D97-AF65-F5344CB8AC3E}">
-        <p14:creationId xmlns:p14="http://schemas.microsoft.com/office/powerpoint/2010/main" val="1088094117"/>
+        <p14:creationId xmlns:p14="http://schemas.microsoft.com/office/powerpoint/2010/main" val="404761385"/>
       </p:ext>
     </p:extLst>
   </p:cSld>
@@ -2321,7 +2461,7 @@
           <a:bodyPr/>
           <a:lstStyle/>
           <a:p>
-            <a:fld id="{657C69EB-C3EE-4167-9D19-2D3B25BCB404}" type="slidenum">
+            <a:fld id="{39BAA930-C99C-46CF-B550-963ADE7193B2}" type="slidenum">
               <a:rPr lang="en-US"/>
               <a:pPr/>
               <a:t>32</a:t>
@@ -2332,7 +2472,7 @@
       </p:sp>
       <p:sp>
         <p:nvSpPr>
-          <p:cNvPr id="280578" name="Rectangle 2"/>
+          <p:cNvPr id="277506" name="Rectangle 2"/>
           <p:cNvSpPr>
             <a:spLocks noGrp="1" noRot="1" noChangeAspect="1" noChangeArrowheads="1" noTextEdit="1"/>
           </p:cNvSpPr>
@@ -2346,7 +2486,7 @@
       </p:sp>
       <p:sp>
         <p:nvSpPr>
-          <p:cNvPr id="280579" name="Rectangle 3"/>
+          <p:cNvPr id="277507" name="Rectangle 3"/>
           <p:cNvSpPr>
             <a:spLocks noGrp="1" noChangeArrowheads="1"/>
           </p:cNvSpPr>
@@ -2366,7 +2506,7 @@
     </p:spTree>
     <p:extLst>
       <p:ext uri="{BB962C8B-B14F-4D97-AF65-F5344CB8AC3E}">
-        <p14:creationId xmlns:p14="http://schemas.microsoft.com/office/powerpoint/2010/main" val="411502720"/>
+        <p14:creationId xmlns:p14="http://schemas.microsoft.com/office/powerpoint/2010/main" val="462700744"/>
       </p:ext>
     </p:extLst>
   </p:cSld>
@@ -2410,7 +2550,7 @@
           <a:bodyPr/>
           <a:lstStyle/>
           <a:p>
-            <a:fld id="{ED0A1A98-B9CB-4B22-9355-B7137C3D055D}" type="slidenum">
+            <a:fld id="{192E86E1-9278-48F6-96C9-0626624145BD}" type="slidenum">
               <a:rPr lang="en-US"/>
               <a:pPr/>
               <a:t>33</a:t>
@@ -2421,7 +2561,7 @@
       </p:sp>
       <p:sp>
         <p:nvSpPr>
-          <p:cNvPr id="281602" name="Rectangle 2"/>
+          <p:cNvPr id="278530" name="Rectangle 2"/>
           <p:cNvSpPr>
             <a:spLocks noGrp="1" noRot="1" noChangeAspect="1" noChangeArrowheads="1" noTextEdit="1"/>
           </p:cNvSpPr>
@@ -2435,7 +2575,7 @@
       </p:sp>
       <p:sp>
         <p:nvSpPr>
-          <p:cNvPr id="281603" name="Rectangle 3"/>
+          <p:cNvPr id="278531" name="Rectangle 3"/>
           <p:cNvSpPr>
             <a:spLocks noGrp="1" noChangeArrowheads="1"/>
           </p:cNvSpPr>
@@ -2455,7 +2595,7 @@
     </p:spTree>
     <p:extLst>
       <p:ext uri="{BB962C8B-B14F-4D97-AF65-F5344CB8AC3E}">
-        <p14:creationId xmlns:p14="http://schemas.microsoft.com/office/powerpoint/2010/main" val="594161773"/>
+        <p14:creationId xmlns:p14="http://schemas.microsoft.com/office/powerpoint/2010/main" val="573118621"/>
       </p:ext>
     </p:extLst>
   </p:cSld>
@@ -2586,7 +2726,7 @@
           <a:bodyPr/>
           <a:lstStyle/>
           <a:p>
-            <a:fld id="{BBBDD09C-D1BD-4088-978B-E55F385BC749}" type="slidenum">
+            <a:fld id="{486D348A-7BFC-4920-8A9D-54488F67B281}" type="slidenum">
               <a:rPr lang="en-US"/>
               <a:pPr/>
               <a:t>34</a:t>
@@ -2597,7 +2737,7 @@
       </p:sp>
       <p:sp>
         <p:nvSpPr>
-          <p:cNvPr id="282626" name="Rectangle 2"/>
+          <p:cNvPr id="279554" name="Rectangle 2"/>
           <p:cNvSpPr>
             <a:spLocks noGrp="1" noRot="1" noChangeAspect="1" noChangeArrowheads="1" noTextEdit="1"/>
           </p:cNvSpPr>
@@ -2611,7 +2751,7 @@
       </p:sp>
       <p:sp>
         <p:nvSpPr>
-          <p:cNvPr id="282627" name="Rectangle 3"/>
+          <p:cNvPr id="279555" name="Rectangle 3"/>
           <p:cNvSpPr>
             <a:spLocks noGrp="1" noChangeArrowheads="1"/>
           </p:cNvSpPr>
@@ -2631,7 +2771,7 @@
     </p:spTree>
     <p:extLst>
       <p:ext uri="{BB962C8B-B14F-4D97-AF65-F5344CB8AC3E}">
-        <p14:creationId xmlns:p14="http://schemas.microsoft.com/office/powerpoint/2010/main" val="277960261"/>
+        <p14:creationId xmlns:p14="http://schemas.microsoft.com/office/powerpoint/2010/main" val="940506352"/>
       </p:ext>
     </p:extLst>
   </p:cSld>
@@ -2675,7 +2815,7 @@
           <a:bodyPr/>
           <a:lstStyle/>
           <a:p>
-            <a:fld id="{BBBDD09C-D1BD-4088-978B-E55F385BC749}" type="slidenum">
+            <a:fld id="{657C69EB-C3EE-4167-9D19-2D3B25BCB404}" type="slidenum">
               <a:rPr lang="en-US"/>
               <a:pPr/>
               <a:t>35</a:t>
@@ -2686,7 +2826,7 @@
       </p:sp>
       <p:sp>
         <p:nvSpPr>
-          <p:cNvPr id="282626" name="Rectangle 2"/>
+          <p:cNvPr id="280578" name="Rectangle 2"/>
           <p:cNvSpPr>
             <a:spLocks noGrp="1" noRot="1" noChangeAspect="1" noChangeArrowheads="1" noTextEdit="1"/>
           </p:cNvSpPr>
@@ -2700,7 +2840,7 @@
       </p:sp>
       <p:sp>
         <p:nvSpPr>
-          <p:cNvPr id="282627" name="Rectangle 3"/>
+          <p:cNvPr id="280579" name="Rectangle 3"/>
           <p:cNvSpPr>
             <a:spLocks noGrp="1" noChangeArrowheads="1"/>
           </p:cNvSpPr>
@@ -2720,7 +2860,7 @@
     </p:spTree>
     <p:extLst>
       <p:ext uri="{BB962C8B-B14F-4D97-AF65-F5344CB8AC3E}">
-        <p14:creationId xmlns:p14="http://schemas.microsoft.com/office/powerpoint/2010/main" val="1593533371"/>
+        <p14:creationId xmlns:p14="http://schemas.microsoft.com/office/powerpoint/2010/main" val="1088094117"/>
       </p:ext>
     </p:extLst>
   </p:cSld>
@@ -2764,10 +2904,366 @@
           <a:bodyPr/>
           <a:lstStyle/>
           <a:p>
+            <a:fld id="{657C69EB-C3EE-4167-9D19-2D3B25BCB404}" type="slidenum">
+              <a:rPr lang="en-US"/>
+              <a:pPr/>
+              <a:t>36</a:t>
+            </a:fld>
+            <a:endParaRPr lang="en-US"/>
+          </a:p>
+        </p:txBody>
+      </p:sp>
+      <p:sp>
+        <p:nvSpPr>
+          <p:cNvPr id="280578" name="Rectangle 2"/>
+          <p:cNvSpPr>
+            <a:spLocks noGrp="1" noRot="1" noChangeAspect="1" noChangeArrowheads="1" noTextEdit="1"/>
+          </p:cNvSpPr>
+          <p:nvPr>
+            <p:ph type="sldImg"/>
+          </p:nvPr>
+        </p:nvSpPr>
+        <p:spPr>
+          <a:ln/>
+        </p:spPr>
+      </p:sp>
+      <p:sp>
+        <p:nvSpPr>
+          <p:cNvPr id="280579" name="Rectangle 3"/>
+          <p:cNvSpPr>
+            <a:spLocks noGrp="1" noChangeArrowheads="1"/>
+          </p:cNvSpPr>
+          <p:nvPr>
+            <p:ph type="body" idx="1"/>
+          </p:nvPr>
+        </p:nvSpPr>
+        <p:spPr/>
+        <p:txBody>
+          <a:bodyPr/>
+          <a:lstStyle/>
+          <a:p>
+            <a:endParaRPr lang="en-US"/>
+          </a:p>
+        </p:txBody>
+      </p:sp>
+    </p:spTree>
+    <p:extLst>
+      <p:ext uri="{BB962C8B-B14F-4D97-AF65-F5344CB8AC3E}">
+        <p14:creationId xmlns:p14="http://schemas.microsoft.com/office/powerpoint/2010/main" val="411502720"/>
+      </p:ext>
+    </p:extLst>
+  </p:cSld>
+  <p:clrMapOvr>
+    <a:masterClrMapping/>
+  </p:clrMapOvr>
+</p:notes>
+</file>
+
+<file path=ppt/notesSlides/notesSlide33.xml><?xml version="1.0" encoding="utf-8"?>
+<p:notes xmlns:a="http://schemas.openxmlformats.org/drawingml/2006/main" xmlns:r="http://schemas.openxmlformats.org/officeDocument/2006/relationships" xmlns:p="http://schemas.openxmlformats.org/presentationml/2006/main">
+  <p:cSld>
+    <p:spTree>
+      <p:nvGrpSpPr>
+        <p:cNvPr id="1" name=""/>
+        <p:cNvGrpSpPr/>
+        <p:nvPr/>
+      </p:nvGrpSpPr>
+      <p:grpSpPr>
+        <a:xfrm>
+          <a:off x="0" y="0"/>
+          <a:ext cx="0" cy="0"/>
+          <a:chOff x="0" y="0"/>
+          <a:chExt cx="0" cy="0"/>
+        </a:xfrm>
+      </p:grpSpPr>
+      <p:sp>
+        <p:nvSpPr>
+          <p:cNvPr id="7" name="Rectangle 7"/>
+          <p:cNvSpPr>
+            <a:spLocks noGrp="1" noChangeArrowheads="1"/>
+          </p:cNvSpPr>
+          <p:nvPr>
+            <p:ph type="sldNum" sz="quarter" idx="5"/>
+          </p:nvPr>
+        </p:nvSpPr>
+        <p:spPr>
+          <a:ln/>
+        </p:spPr>
+        <p:txBody>
+          <a:bodyPr/>
+          <a:lstStyle/>
+          <a:p>
+            <a:fld id="{ED0A1A98-B9CB-4B22-9355-B7137C3D055D}" type="slidenum">
+              <a:rPr lang="en-US"/>
+              <a:pPr/>
+              <a:t>37</a:t>
+            </a:fld>
+            <a:endParaRPr lang="en-US"/>
+          </a:p>
+        </p:txBody>
+      </p:sp>
+      <p:sp>
+        <p:nvSpPr>
+          <p:cNvPr id="281602" name="Rectangle 2"/>
+          <p:cNvSpPr>
+            <a:spLocks noGrp="1" noRot="1" noChangeAspect="1" noChangeArrowheads="1" noTextEdit="1"/>
+          </p:cNvSpPr>
+          <p:nvPr>
+            <p:ph type="sldImg"/>
+          </p:nvPr>
+        </p:nvSpPr>
+        <p:spPr>
+          <a:ln/>
+        </p:spPr>
+      </p:sp>
+      <p:sp>
+        <p:nvSpPr>
+          <p:cNvPr id="281603" name="Rectangle 3"/>
+          <p:cNvSpPr>
+            <a:spLocks noGrp="1" noChangeArrowheads="1"/>
+          </p:cNvSpPr>
+          <p:nvPr>
+            <p:ph type="body" idx="1"/>
+          </p:nvPr>
+        </p:nvSpPr>
+        <p:spPr/>
+        <p:txBody>
+          <a:bodyPr/>
+          <a:lstStyle/>
+          <a:p>
+            <a:endParaRPr lang="en-US"/>
+          </a:p>
+        </p:txBody>
+      </p:sp>
+    </p:spTree>
+    <p:extLst>
+      <p:ext uri="{BB962C8B-B14F-4D97-AF65-F5344CB8AC3E}">
+        <p14:creationId xmlns:p14="http://schemas.microsoft.com/office/powerpoint/2010/main" val="594161773"/>
+      </p:ext>
+    </p:extLst>
+  </p:cSld>
+  <p:clrMapOvr>
+    <a:masterClrMapping/>
+  </p:clrMapOvr>
+</p:notes>
+</file>
+
+<file path=ppt/notesSlides/notesSlide34.xml><?xml version="1.0" encoding="utf-8"?>
+<p:notes xmlns:a="http://schemas.openxmlformats.org/drawingml/2006/main" xmlns:r="http://schemas.openxmlformats.org/officeDocument/2006/relationships" xmlns:p="http://schemas.openxmlformats.org/presentationml/2006/main">
+  <p:cSld>
+    <p:spTree>
+      <p:nvGrpSpPr>
+        <p:cNvPr id="1" name=""/>
+        <p:cNvGrpSpPr/>
+        <p:nvPr/>
+      </p:nvGrpSpPr>
+      <p:grpSpPr>
+        <a:xfrm>
+          <a:off x="0" y="0"/>
+          <a:ext cx="0" cy="0"/>
+          <a:chOff x="0" y="0"/>
+          <a:chExt cx="0" cy="0"/>
+        </a:xfrm>
+      </p:grpSpPr>
+      <p:sp>
+        <p:nvSpPr>
+          <p:cNvPr id="7" name="Rectangle 7"/>
+          <p:cNvSpPr>
+            <a:spLocks noGrp="1" noChangeArrowheads="1"/>
+          </p:cNvSpPr>
+          <p:nvPr>
+            <p:ph type="sldNum" sz="quarter" idx="5"/>
+          </p:nvPr>
+        </p:nvSpPr>
+        <p:spPr>
+          <a:ln/>
+        </p:spPr>
+        <p:txBody>
+          <a:bodyPr/>
+          <a:lstStyle/>
+          <a:p>
+            <a:fld id="{BBBDD09C-D1BD-4088-978B-E55F385BC749}" type="slidenum">
+              <a:rPr lang="en-US"/>
+              <a:pPr/>
+              <a:t>38</a:t>
+            </a:fld>
+            <a:endParaRPr lang="en-US"/>
+          </a:p>
+        </p:txBody>
+      </p:sp>
+      <p:sp>
+        <p:nvSpPr>
+          <p:cNvPr id="282626" name="Rectangle 2"/>
+          <p:cNvSpPr>
+            <a:spLocks noGrp="1" noRot="1" noChangeAspect="1" noChangeArrowheads="1" noTextEdit="1"/>
+          </p:cNvSpPr>
+          <p:nvPr>
+            <p:ph type="sldImg"/>
+          </p:nvPr>
+        </p:nvSpPr>
+        <p:spPr>
+          <a:ln/>
+        </p:spPr>
+      </p:sp>
+      <p:sp>
+        <p:nvSpPr>
+          <p:cNvPr id="282627" name="Rectangle 3"/>
+          <p:cNvSpPr>
+            <a:spLocks noGrp="1" noChangeArrowheads="1"/>
+          </p:cNvSpPr>
+          <p:nvPr>
+            <p:ph type="body" idx="1"/>
+          </p:nvPr>
+        </p:nvSpPr>
+        <p:spPr/>
+        <p:txBody>
+          <a:bodyPr/>
+          <a:lstStyle/>
+          <a:p>
+            <a:endParaRPr lang="en-US"/>
+          </a:p>
+        </p:txBody>
+      </p:sp>
+    </p:spTree>
+    <p:extLst>
+      <p:ext uri="{BB962C8B-B14F-4D97-AF65-F5344CB8AC3E}">
+        <p14:creationId xmlns:p14="http://schemas.microsoft.com/office/powerpoint/2010/main" val="277960261"/>
+      </p:ext>
+    </p:extLst>
+  </p:cSld>
+  <p:clrMapOvr>
+    <a:masterClrMapping/>
+  </p:clrMapOvr>
+</p:notes>
+</file>
+
+<file path=ppt/notesSlides/notesSlide35.xml><?xml version="1.0" encoding="utf-8"?>
+<p:notes xmlns:a="http://schemas.openxmlformats.org/drawingml/2006/main" xmlns:r="http://schemas.openxmlformats.org/officeDocument/2006/relationships" xmlns:p="http://schemas.openxmlformats.org/presentationml/2006/main">
+  <p:cSld>
+    <p:spTree>
+      <p:nvGrpSpPr>
+        <p:cNvPr id="1" name=""/>
+        <p:cNvGrpSpPr/>
+        <p:nvPr/>
+      </p:nvGrpSpPr>
+      <p:grpSpPr>
+        <a:xfrm>
+          <a:off x="0" y="0"/>
+          <a:ext cx="0" cy="0"/>
+          <a:chOff x="0" y="0"/>
+          <a:chExt cx="0" cy="0"/>
+        </a:xfrm>
+      </p:grpSpPr>
+      <p:sp>
+        <p:nvSpPr>
+          <p:cNvPr id="7" name="Rectangle 7"/>
+          <p:cNvSpPr>
+            <a:spLocks noGrp="1" noChangeArrowheads="1"/>
+          </p:cNvSpPr>
+          <p:nvPr>
+            <p:ph type="sldNum" sz="quarter" idx="5"/>
+          </p:nvPr>
+        </p:nvSpPr>
+        <p:spPr>
+          <a:ln/>
+        </p:spPr>
+        <p:txBody>
+          <a:bodyPr/>
+          <a:lstStyle/>
+          <a:p>
+            <a:fld id="{BBBDD09C-D1BD-4088-978B-E55F385BC749}" type="slidenum">
+              <a:rPr lang="en-US"/>
+              <a:pPr/>
+              <a:t>39</a:t>
+            </a:fld>
+            <a:endParaRPr lang="en-US"/>
+          </a:p>
+        </p:txBody>
+      </p:sp>
+      <p:sp>
+        <p:nvSpPr>
+          <p:cNvPr id="282626" name="Rectangle 2"/>
+          <p:cNvSpPr>
+            <a:spLocks noGrp="1" noRot="1" noChangeAspect="1" noChangeArrowheads="1" noTextEdit="1"/>
+          </p:cNvSpPr>
+          <p:nvPr>
+            <p:ph type="sldImg"/>
+          </p:nvPr>
+        </p:nvSpPr>
+        <p:spPr>
+          <a:ln/>
+        </p:spPr>
+      </p:sp>
+      <p:sp>
+        <p:nvSpPr>
+          <p:cNvPr id="282627" name="Rectangle 3"/>
+          <p:cNvSpPr>
+            <a:spLocks noGrp="1" noChangeArrowheads="1"/>
+          </p:cNvSpPr>
+          <p:nvPr>
+            <p:ph type="body" idx="1"/>
+          </p:nvPr>
+        </p:nvSpPr>
+        <p:spPr/>
+        <p:txBody>
+          <a:bodyPr/>
+          <a:lstStyle/>
+          <a:p>
+            <a:endParaRPr lang="en-US"/>
+          </a:p>
+        </p:txBody>
+      </p:sp>
+    </p:spTree>
+    <p:extLst>
+      <p:ext uri="{BB962C8B-B14F-4D97-AF65-F5344CB8AC3E}">
+        <p14:creationId xmlns:p14="http://schemas.microsoft.com/office/powerpoint/2010/main" val="1593533371"/>
+      </p:ext>
+    </p:extLst>
+  </p:cSld>
+  <p:clrMapOvr>
+    <a:masterClrMapping/>
+  </p:clrMapOvr>
+</p:notes>
+</file>
+
+<file path=ppt/notesSlides/notesSlide36.xml><?xml version="1.0" encoding="utf-8"?>
+<p:notes xmlns:a="http://schemas.openxmlformats.org/drawingml/2006/main" xmlns:r="http://schemas.openxmlformats.org/officeDocument/2006/relationships" xmlns:p="http://schemas.openxmlformats.org/presentationml/2006/main">
+  <p:cSld>
+    <p:spTree>
+      <p:nvGrpSpPr>
+        <p:cNvPr id="1" name=""/>
+        <p:cNvGrpSpPr/>
+        <p:nvPr/>
+      </p:nvGrpSpPr>
+      <p:grpSpPr>
+        <a:xfrm>
+          <a:off x="0" y="0"/>
+          <a:ext cx="0" cy="0"/>
+          <a:chOff x="0" y="0"/>
+          <a:chExt cx="0" cy="0"/>
+        </a:xfrm>
+      </p:grpSpPr>
+      <p:sp>
+        <p:nvSpPr>
+          <p:cNvPr id="7" name="Rectangle 7"/>
+          <p:cNvSpPr>
+            <a:spLocks noGrp="1" noChangeArrowheads="1"/>
+          </p:cNvSpPr>
+          <p:nvPr>
+            <p:ph type="sldNum" sz="quarter" idx="5"/>
+          </p:nvPr>
+        </p:nvSpPr>
+        <p:spPr>
+          <a:ln/>
+        </p:spPr>
+        <p:txBody>
+          <a:bodyPr/>
+          <a:lstStyle/>
+          <a:p>
             <a:fld id="{84F73A19-C203-4DC6-9465-F3C0E7BBC946}" type="slidenum">
               <a:rPr lang="en-US"/>
               <a:pPr/>
-              <a:t>36</a:t>
+              <a:t>40</a:t>
             </a:fld>
             <a:endParaRPr lang="en-US"/>
           </a:p>
@@ -20761,7 +21257,7 @@
               <a:t>Wrote.url</a:t>
             </a:r>
             <a:r>
-              <a:rPr lang="en-US" sz="2400" smtClean="0">
+              <a:rPr lang="en-US" sz="2400" dirty="0" smtClean="0">
                 <a:latin typeface="Menlo" charset="0"/>
                 <a:ea typeface="Menlo" charset="0"/>
                 <a:cs typeface="Menlo" charset="0"/>
@@ -26045,6 +26541,5086 @@
       </p:grpSpPr>
       <p:sp>
         <p:nvSpPr>
+          <p:cNvPr id="5122" name="Text Box 1"/>
+          <p:cNvSpPr txBox="1">
+            <a:spLocks noChangeArrowheads="1"/>
+          </p:cNvSpPr>
+          <p:nvPr/>
+        </p:nvSpPr>
+        <p:spPr bwMode="auto">
+          <a:xfrm>
+            <a:off x="914400" y="609600"/>
+            <a:ext cx="10363200" cy="1143000"/>
+          </a:xfrm>
+          <a:prstGeom prst="rect">
+            <a:avLst/>
+          </a:prstGeom>
+          <a:noFill/>
+          <a:ln>
+            <a:noFill/>
+          </a:ln>
+          <a:effectLst/>
+          <a:extLst>
+            <a:ext uri="{909E8E84-426E-40dd-AFC4-6F175D3DCCD1}">
+              <a14:hiddenFill xmlns:a14="http://schemas.microsoft.com/office/drawing/2010/main">
+                <a:solidFill>
+                  <a:srgbClr val="FFFFFF"/>
+                </a:solidFill>
+              </a14:hiddenFill>
+            </a:ext>
+            <a:ext uri="{91240B29-F687-4f45-9708-019B960494DF}">
+              <a14:hiddenLine xmlns:a14="http://schemas.microsoft.com/office/drawing/2010/main" w="9525">
+                <a:solidFill>
+                  <a:srgbClr val="808080"/>
+                </a:solidFill>
+                <a:round/>
+                <a:headEnd/>
+                <a:tailEnd/>
+              </a14:hiddenLine>
+            </a:ext>
+            <a:ext uri="{AF507438-7753-43e0-B8FC-AC1667EBCBE1}">
+              <a14:hiddenEffects xmlns:a14="http://schemas.microsoft.com/office/drawing/2010/main">
+                <a:effectLst>
+                  <a:outerShdw blurRad="63500" dist="38099" dir="2700000" algn="ctr" rotWithShape="0">
+                    <a:srgbClr val="000000">
+                      <a:alpha val="74998"/>
+                    </a:srgbClr>
+                  </a:outerShdw>
+                </a:effectLst>
+              </a14:hiddenEffects>
+            </a:ext>
+          </a:extLst>
+        </p:spPr>
+        <p:txBody>
+          <a:bodyPr anchor="ctr"/>
+          <a:lstStyle>
+            <a:lvl1pPr>
+              <a:tabLst>
+                <a:tab pos="0" algn="l"/>
+                <a:tab pos="457200" algn="l"/>
+                <a:tab pos="914400" algn="l"/>
+                <a:tab pos="1371600" algn="l"/>
+                <a:tab pos="1828800" algn="l"/>
+                <a:tab pos="2286000" algn="l"/>
+                <a:tab pos="2743200" algn="l"/>
+                <a:tab pos="3200400" algn="l"/>
+                <a:tab pos="3657600" algn="l"/>
+                <a:tab pos="4114800" algn="l"/>
+                <a:tab pos="4572000" algn="l"/>
+                <a:tab pos="5029200" algn="l"/>
+                <a:tab pos="5486400" algn="l"/>
+                <a:tab pos="5943600" algn="l"/>
+                <a:tab pos="6400800" algn="l"/>
+                <a:tab pos="6858000" algn="l"/>
+                <a:tab pos="7315200" algn="l"/>
+                <a:tab pos="7772400" algn="l"/>
+                <a:tab pos="8229600" algn="l"/>
+                <a:tab pos="8686800" algn="l"/>
+                <a:tab pos="9144000" algn="l"/>
+              </a:tabLst>
+              <a:defRPr sz="3200">
+                <a:solidFill>
+                  <a:srgbClr val="000000"/>
+                </a:solidFill>
+                <a:latin typeface="Times New Roman" charset="0"/>
+                <a:ea typeface="ＭＳ Ｐゴシック" charset="0"/>
+                <a:cs typeface="MS PGothic" charset="0"/>
+              </a:defRPr>
+            </a:lvl1pPr>
+            <a:lvl2pPr>
+              <a:tabLst>
+                <a:tab pos="0" algn="l"/>
+                <a:tab pos="457200" algn="l"/>
+                <a:tab pos="914400" algn="l"/>
+                <a:tab pos="1371600" algn="l"/>
+                <a:tab pos="1828800" algn="l"/>
+                <a:tab pos="2286000" algn="l"/>
+                <a:tab pos="2743200" algn="l"/>
+                <a:tab pos="3200400" algn="l"/>
+                <a:tab pos="3657600" algn="l"/>
+                <a:tab pos="4114800" algn="l"/>
+                <a:tab pos="4572000" algn="l"/>
+                <a:tab pos="5029200" algn="l"/>
+                <a:tab pos="5486400" algn="l"/>
+                <a:tab pos="5943600" algn="l"/>
+                <a:tab pos="6400800" algn="l"/>
+                <a:tab pos="6858000" algn="l"/>
+                <a:tab pos="7315200" algn="l"/>
+                <a:tab pos="7772400" algn="l"/>
+                <a:tab pos="8229600" algn="l"/>
+                <a:tab pos="8686800" algn="l"/>
+                <a:tab pos="9144000" algn="l"/>
+              </a:tabLst>
+              <a:defRPr sz="2800">
+                <a:solidFill>
+                  <a:srgbClr val="000000"/>
+                </a:solidFill>
+                <a:latin typeface="Times New Roman" charset="0"/>
+                <a:ea typeface="MS PGothic" charset="0"/>
+                <a:cs typeface="MS PGothic" charset="0"/>
+              </a:defRPr>
+            </a:lvl2pPr>
+            <a:lvl3pPr>
+              <a:tabLst>
+                <a:tab pos="0" algn="l"/>
+                <a:tab pos="457200" algn="l"/>
+                <a:tab pos="914400" algn="l"/>
+                <a:tab pos="1371600" algn="l"/>
+                <a:tab pos="1828800" algn="l"/>
+                <a:tab pos="2286000" algn="l"/>
+                <a:tab pos="2743200" algn="l"/>
+                <a:tab pos="3200400" algn="l"/>
+                <a:tab pos="3657600" algn="l"/>
+                <a:tab pos="4114800" algn="l"/>
+                <a:tab pos="4572000" algn="l"/>
+                <a:tab pos="5029200" algn="l"/>
+                <a:tab pos="5486400" algn="l"/>
+                <a:tab pos="5943600" algn="l"/>
+                <a:tab pos="6400800" algn="l"/>
+                <a:tab pos="6858000" algn="l"/>
+                <a:tab pos="7315200" algn="l"/>
+                <a:tab pos="7772400" algn="l"/>
+                <a:tab pos="8229600" algn="l"/>
+                <a:tab pos="8686800" algn="l"/>
+                <a:tab pos="9144000" algn="l"/>
+              </a:tabLst>
+              <a:defRPr sz="2400">
+                <a:solidFill>
+                  <a:srgbClr val="000000"/>
+                </a:solidFill>
+                <a:latin typeface="Times New Roman" charset="0"/>
+                <a:ea typeface="MS PGothic" charset="0"/>
+                <a:cs typeface="MS PGothic" charset="0"/>
+              </a:defRPr>
+            </a:lvl3pPr>
+            <a:lvl4pPr>
+              <a:tabLst>
+                <a:tab pos="0" algn="l"/>
+                <a:tab pos="457200" algn="l"/>
+                <a:tab pos="914400" algn="l"/>
+                <a:tab pos="1371600" algn="l"/>
+                <a:tab pos="1828800" algn="l"/>
+                <a:tab pos="2286000" algn="l"/>
+                <a:tab pos="2743200" algn="l"/>
+                <a:tab pos="3200400" algn="l"/>
+                <a:tab pos="3657600" algn="l"/>
+                <a:tab pos="4114800" algn="l"/>
+                <a:tab pos="4572000" algn="l"/>
+                <a:tab pos="5029200" algn="l"/>
+                <a:tab pos="5486400" algn="l"/>
+                <a:tab pos="5943600" algn="l"/>
+                <a:tab pos="6400800" algn="l"/>
+                <a:tab pos="6858000" algn="l"/>
+                <a:tab pos="7315200" algn="l"/>
+                <a:tab pos="7772400" algn="l"/>
+                <a:tab pos="8229600" algn="l"/>
+                <a:tab pos="8686800" algn="l"/>
+                <a:tab pos="9144000" algn="l"/>
+              </a:tabLst>
+              <a:defRPr sz="2000">
+                <a:solidFill>
+                  <a:srgbClr val="000000"/>
+                </a:solidFill>
+                <a:latin typeface="Times New Roman" charset="0"/>
+                <a:ea typeface="MS PGothic" charset="0"/>
+                <a:cs typeface="MS PGothic" charset="0"/>
+              </a:defRPr>
+            </a:lvl4pPr>
+            <a:lvl5pPr>
+              <a:tabLst>
+                <a:tab pos="0" algn="l"/>
+                <a:tab pos="457200" algn="l"/>
+                <a:tab pos="914400" algn="l"/>
+                <a:tab pos="1371600" algn="l"/>
+                <a:tab pos="1828800" algn="l"/>
+                <a:tab pos="2286000" algn="l"/>
+                <a:tab pos="2743200" algn="l"/>
+                <a:tab pos="3200400" algn="l"/>
+                <a:tab pos="3657600" algn="l"/>
+                <a:tab pos="4114800" algn="l"/>
+                <a:tab pos="4572000" algn="l"/>
+                <a:tab pos="5029200" algn="l"/>
+                <a:tab pos="5486400" algn="l"/>
+                <a:tab pos="5943600" algn="l"/>
+                <a:tab pos="6400800" algn="l"/>
+                <a:tab pos="6858000" algn="l"/>
+                <a:tab pos="7315200" algn="l"/>
+                <a:tab pos="7772400" algn="l"/>
+                <a:tab pos="8229600" algn="l"/>
+                <a:tab pos="8686800" algn="l"/>
+                <a:tab pos="9144000" algn="l"/>
+              </a:tabLst>
+              <a:defRPr sz="2000">
+                <a:solidFill>
+                  <a:srgbClr val="000000"/>
+                </a:solidFill>
+                <a:latin typeface="Times New Roman" charset="0"/>
+                <a:ea typeface="MS PGothic" charset="0"/>
+                <a:cs typeface="MS PGothic" charset="0"/>
+              </a:defRPr>
+            </a:lvl5pPr>
+            <a:lvl6pPr defTabSz="457200" eaLnBrk="0" fontAlgn="base" hangingPunct="0">
+              <a:spcAft>
+                <a:spcPct val="0"/>
+              </a:spcAft>
+              <a:buClr>
+                <a:srgbClr val="000000"/>
+              </a:buClr>
+              <a:buSzPct val="100000"/>
+              <a:buFont typeface="Times New Roman" charset="0"/>
+              <a:tabLst>
+                <a:tab pos="0" algn="l"/>
+                <a:tab pos="457200" algn="l"/>
+                <a:tab pos="914400" algn="l"/>
+                <a:tab pos="1371600" algn="l"/>
+                <a:tab pos="1828800" algn="l"/>
+                <a:tab pos="2286000" algn="l"/>
+                <a:tab pos="2743200" algn="l"/>
+                <a:tab pos="3200400" algn="l"/>
+                <a:tab pos="3657600" algn="l"/>
+                <a:tab pos="4114800" algn="l"/>
+                <a:tab pos="4572000" algn="l"/>
+                <a:tab pos="5029200" algn="l"/>
+                <a:tab pos="5486400" algn="l"/>
+                <a:tab pos="5943600" algn="l"/>
+                <a:tab pos="6400800" algn="l"/>
+                <a:tab pos="6858000" algn="l"/>
+                <a:tab pos="7315200" algn="l"/>
+                <a:tab pos="7772400" algn="l"/>
+                <a:tab pos="8229600" algn="l"/>
+                <a:tab pos="8686800" algn="l"/>
+                <a:tab pos="9144000" algn="l"/>
+              </a:tabLst>
+              <a:defRPr sz="2000">
+                <a:solidFill>
+                  <a:srgbClr val="000000"/>
+                </a:solidFill>
+                <a:latin typeface="Times New Roman" charset="0"/>
+                <a:ea typeface="MS PGothic" charset="0"/>
+                <a:cs typeface="MS PGothic" charset="0"/>
+              </a:defRPr>
+            </a:lvl6pPr>
+            <a:lvl7pPr defTabSz="457200" eaLnBrk="0" fontAlgn="base" hangingPunct="0">
+              <a:spcAft>
+                <a:spcPct val="0"/>
+              </a:spcAft>
+              <a:buClr>
+                <a:srgbClr val="000000"/>
+              </a:buClr>
+              <a:buSzPct val="100000"/>
+              <a:buFont typeface="Times New Roman" charset="0"/>
+              <a:tabLst>
+                <a:tab pos="0" algn="l"/>
+                <a:tab pos="457200" algn="l"/>
+                <a:tab pos="914400" algn="l"/>
+                <a:tab pos="1371600" algn="l"/>
+                <a:tab pos="1828800" algn="l"/>
+                <a:tab pos="2286000" algn="l"/>
+                <a:tab pos="2743200" algn="l"/>
+                <a:tab pos="3200400" algn="l"/>
+                <a:tab pos="3657600" algn="l"/>
+                <a:tab pos="4114800" algn="l"/>
+                <a:tab pos="4572000" algn="l"/>
+                <a:tab pos="5029200" algn="l"/>
+                <a:tab pos="5486400" algn="l"/>
+                <a:tab pos="5943600" algn="l"/>
+                <a:tab pos="6400800" algn="l"/>
+                <a:tab pos="6858000" algn="l"/>
+                <a:tab pos="7315200" algn="l"/>
+                <a:tab pos="7772400" algn="l"/>
+                <a:tab pos="8229600" algn="l"/>
+                <a:tab pos="8686800" algn="l"/>
+                <a:tab pos="9144000" algn="l"/>
+              </a:tabLst>
+              <a:defRPr sz="2000">
+                <a:solidFill>
+                  <a:srgbClr val="000000"/>
+                </a:solidFill>
+                <a:latin typeface="Times New Roman" charset="0"/>
+                <a:ea typeface="MS PGothic" charset="0"/>
+                <a:cs typeface="MS PGothic" charset="0"/>
+              </a:defRPr>
+            </a:lvl7pPr>
+            <a:lvl8pPr defTabSz="457200" eaLnBrk="0" fontAlgn="base" hangingPunct="0">
+              <a:spcAft>
+                <a:spcPct val="0"/>
+              </a:spcAft>
+              <a:buClr>
+                <a:srgbClr val="000000"/>
+              </a:buClr>
+              <a:buSzPct val="100000"/>
+              <a:buFont typeface="Times New Roman" charset="0"/>
+              <a:tabLst>
+                <a:tab pos="0" algn="l"/>
+                <a:tab pos="457200" algn="l"/>
+                <a:tab pos="914400" algn="l"/>
+                <a:tab pos="1371600" algn="l"/>
+                <a:tab pos="1828800" algn="l"/>
+                <a:tab pos="2286000" algn="l"/>
+                <a:tab pos="2743200" algn="l"/>
+                <a:tab pos="3200400" algn="l"/>
+                <a:tab pos="3657600" algn="l"/>
+                <a:tab pos="4114800" algn="l"/>
+                <a:tab pos="4572000" algn="l"/>
+                <a:tab pos="5029200" algn="l"/>
+                <a:tab pos="5486400" algn="l"/>
+                <a:tab pos="5943600" algn="l"/>
+                <a:tab pos="6400800" algn="l"/>
+                <a:tab pos="6858000" algn="l"/>
+                <a:tab pos="7315200" algn="l"/>
+                <a:tab pos="7772400" algn="l"/>
+                <a:tab pos="8229600" algn="l"/>
+                <a:tab pos="8686800" algn="l"/>
+                <a:tab pos="9144000" algn="l"/>
+              </a:tabLst>
+              <a:defRPr sz="2000">
+                <a:solidFill>
+                  <a:srgbClr val="000000"/>
+                </a:solidFill>
+                <a:latin typeface="Times New Roman" charset="0"/>
+                <a:ea typeface="MS PGothic" charset="0"/>
+                <a:cs typeface="MS PGothic" charset="0"/>
+              </a:defRPr>
+            </a:lvl8pPr>
+            <a:lvl9pPr defTabSz="457200" eaLnBrk="0" fontAlgn="base" hangingPunct="0">
+              <a:spcAft>
+                <a:spcPct val="0"/>
+              </a:spcAft>
+              <a:buClr>
+                <a:srgbClr val="000000"/>
+              </a:buClr>
+              <a:buSzPct val="100000"/>
+              <a:buFont typeface="Times New Roman" charset="0"/>
+              <a:tabLst>
+                <a:tab pos="0" algn="l"/>
+                <a:tab pos="457200" algn="l"/>
+                <a:tab pos="914400" algn="l"/>
+                <a:tab pos="1371600" algn="l"/>
+                <a:tab pos="1828800" algn="l"/>
+                <a:tab pos="2286000" algn="l"/>
+                <a:tab pos="2743200" algn="l"/>
+                <a:tab pos="3200400" algn="l"/>
+                <a:tab pos="3657600" algn="l"/>
+                <a:tab pos="4114800" algn="l"/>
+                <a:tab pos="4572000" algn="l"/>
+                <a:tab pos="5029200" algn="l"/>
+                <a:tab pos="5486400" algn="l"/>
+                <a:tab pos="5943600" algn="l"/>
+                <a:tab pos="6400800" algn="l"/>
+                <a:tab pos="6858000" algn="l"/>
+                <a:tab pos="7315200" algn="l"/>
+                <a:tab pos="7772400" algn="l"/>
+                <a:tab pos="8229600" algn="l"/>
+                <a:tab pos="8686800" algn="l"/>
+                <a:tab pos="9144000" algn="l"/>
+              </a:tabLst>
+              <a:defRPr sz="2000">
+                <a:solidFill>
+                  <a:srgbClr val="000000"/>
+                </a:solidFill>
+                <a:latin typeface="Times New Roman" charset="0"/>
+                <a:ea typeface="MS PGothic" charset="0"/>
+                <a:cs typeface="MS PGothic" charset="0"/>
+              </a:defRPr>
+            </a:lvl9pPr>
+          </a:lstStyle>
+          <a:p>
+            <a:pPr algn="ctr" eaLnBrk="1" hangingPunct="1">
+              <a:buSzPct val="100000"/>
+              <a:defRPr/>
+            </a:pPr>
+            <a:r>
+              <a:rPr lang="en-US" sz="4400" smtClean="0"/>
+              <a:t>A little bit of logic</a:t>
+            </a:r>
+          </a:p>
+        </p:txBody>
+      </p:sp>
+      <p:sp>
+        <p:nvSpPr>
+          <p:cNvPr id="5123" name="Text Box 2"/>
+          <p:cNvSpPr txBox="1">
+            <a:spLocks noChangeArrowheads="1"/>
+          </p:cNvSpPr>
+          <p:nvPr/>
+        </p:nvSpPr>
+        <p:spPr bwMode="auto">
+          <a:xfrm>
+            <a:off x="914400" y="1981200"/>
+            <a:ext cx="10363200" cy="4114800"/>
+          </a:xfrm>
+          <a:prstGeom prst="rect">
+            <a:avLst/>
+          </a:prstGeom>
+          <a:noFill/>
+          <a:ln>
+            <a:noFill/>
+          </a:ln>
+          <a:effectLst/>
+          <a:extLst>
+            <a:ext uri="{909E8E84-426E-40dd-AFC4-6F175D3DCCD1}">
+              <a14:hiddenFill xmlns:a14="http://schemas.microsoft.com/office/drawing/2010/main">
+                <a:solidFill>
+                  <a:srgbClr val="FFFFFF"/>
+                </a:solidFill>
+              </a14:hiddenFill>
+            </a:ext>
+            <a:ext uri="{91240B29-F687-4f45-9708-019B960494DF}">
+              <a14:hiddenLine xmlns:a14="http://schemas.microsoft.com/office/drawing/2010/main" w="9525">
+                <a:solidFill>
+                  <a:srgbClr val="808080"/>
+                </a:solidFill>
+                <a:round/>
+                <a:headEnd/>
+                <a:tailEnd/>
+              </a14:hiddenLine>
+            </a:ext>
+            <a:ext uri="{AF507438-7753-43e0-B8FC-AC1667EBCBE1}">
+              <a14:hiddenEffects xmlns:a14="http://schemas.microsoft.com/office/drawing/2010/main">
+                <a:effectLst>
+                  <a:outerShdw blurRad="63500" dist="38099" dir="2700000" algn="ctr" rotWithShape="0">
+                    <a:srgbClr val="000000">
+                      <a:alpha val="74998"/>
+                    </a:srgbClr>
+                  </a:outerShdw>
+                </a:effectLst>
+              </a14:hiddenEffects>
+            </a:ext>
+          </a:extLst>
+        </p:spPr>
+        <p:txBody>
+          <a:bodyPr/>
+          <a:lstStyle>
+            <a:lvl1pPr marL="339725" indent="-339725">
+              <a:tabLst>
+                <a:tab pos="339725" algn="l"/>
+                <a:tab pos="796925" algn="l"/>
+                <a:tab pos="1254125" algn="l"/>
+                <a:tab pos="1711325" algn="l"/>
+                <a:tab pos="2168525" algn="l"/>
+                <a:tab pos="2625725" algn="l"/>
+                <a:tab pos="3082925" algn="l"/>
+                <a:tab pos="3540125" algn="l"/>
+                <a:tab pos="3997325" algn="l"/>
+                <a:tab pos="4454525" algn="l"/>
+                <a:tab pos="4911725" algn="l"/>
+                <a:tab pos="5368925" algn="l"/>
+                <a:tab pos="5826125" algn="l"/>
+                <a:tab pos="6283325" algn="l"/>
+                <a:tab pos="6740525" algn="l"/>
+                <a:tab pos="7197725" algn="l"/>
+                <a:tab pos="7654925" algn="l"/>
+                <a:tab pos="8112125" algn="l"/>
+                <a:tab pos="8569325" algn="l"/>
+                <a:tab pos="9026525" algn="l"/>
+                <a:tab pos="9483725" algn="l"/>
+              </a:tabLst>
+              <a:defRPr sz="2400">
+                <a:solidFill>
+                  <a:schemeClr val="bg1"/>
+                </a:solidFill>
+                <a:latin typeface="Times New Roman" charset="0"/>
+                <a:ea typeface="ＭＳ Ｐゴシック" charset="0"/>
+                <a:cs typeface="ＭＳ Ｐゴシック" charset="0"/>
+              </a:defRPr>
+            </a:lvl1pPr>
+            <a:lvl2pPr>
+              <a:tabLst>
+                <a:tab pos="339725" algn="l"/>
+                <a:tab pos="796925" algn="l"/>
+                <a:tab pos="1254125" algn="l"/>
+                <a:tab pos="1711325" algn="l"/>
+                <a:tab pos="2168525" algn="l"/>
+                <a:tab pos="2625725" algn="l"/>
+                <a:tab pos="3082925" algn="l"/>
+                <a:tab pos="3540125" algn="l"/>
+                <a:tab pos="3997325" algn="l"/>
+                <a:tab pos="4454525" algn="l"/>
+                <a:tab pos="4911725" algn="l"/>
+                <a:tab pos="5368925" algn="l"/>
+                <a:tab pos="5826125" algn="l"/>
+                <a:tab pos="6283325" algn="l"/>
+                <a:tab pos="6740525" algn="l"/>
+                <a:tab pos="7197725" algn="l"/>
+                <a:tab pos="7654925" algn="l"/>
+                <a:tab pos="8112125" algn="l"/>
+                <a:tab pos="8569325" algn="l"/>
+                <a:tab pos="9026525" algn="l"/>
+                <a:tab pos="9483725" algn="l"/>
+              </a:tabLst>
+              <a:defRPr sz="2400">
+                <a:solidFill>
+                  <a:schemeClr val="bg1"/>
+                </a:solidFill>
+                <a:latin typeface="Times New Roman" charset="0"/>
+                <a:ea typeface="ＭＳ Ｐゴシック" charset="0"/>
+              </a:defRPr>
+            </a:lvl2pPr>
+            <a:lvl3pPr>
+              <a:tabLst>
+                <a:tab pos="339725" algn="l"/>
+                <a:tab pos="796925" algn="l"/>
+                <a:tab pos="1254125" algn="l"/>
+                <a:tab pos="1711325" algn="l"/>
+                <a:tab pos="2168525" algn="l"/>
+                <a:tab pos="2625725" algn="l"/>
+                <a:tab pos="3082925" algn="l"/>
+                <a:tab pos="3540125" algn="l"/>
+                <a:tab pos="3997325" algn="l"/>
+                <a:tab pos="4454525" algn="l"/>
+                <a:tab pos="4911725" algn="l"/>
+                <a:tab pos="5368925" algn="l"/>
+                <a:tab pos="5826125" algn="l"/>
+                <a:tab pos="6283325" algn="l"/>
+                <a:tab pos="6740525" algn="l"/>
+                <a:tab pos="7197725" algn="l"/>
+                <a:tab pos="7654925" algn="l"/>
+                <a:tab pos="8112125" algn="l"/>
+                <a:tab pos="8569325" algn="l"/>
+                <a:tab pos="9026525" algn="l"/>
+                <a:tab pos="9483725" algn="l"/>
+              </a:tabLst>
+              <a:defRPr sz="2400">
+                <a:solidFill>
+                  <a:schemeClr val="bg1"/>
+                </a:solidFill>
+                <a:latin typeface="Times New Roman" charset="0"/>
+                <a:ea typeface="ＭＳ Ｐゴシック" charset="0"/>
+              </a:defRPr>
+            </a:lvl3pPr>
+            <a:lvl4pPr>
+              <a:tabLst>
+                <a:tab pos="339725" algn="l"/>
+                <a:tab pos="796925" algn="l"/>
+                <a:tab pos="1254125" algn="l"/>
+                <a:tab pos="1711325" algn="l"/>
+                <a:tab pos="2168525" algn="l"/>
+                <a:tab pos="2625725" algn="l"/>
+                <a:tab pos="3082925" algn="l"/>
+                <a:tab pos="3540125" algn="l"/>
+                <a:tab pos="3997325" algn="l"/>
+                <a:tab pos="4454525" algn="l"/>
+                <a:tab pos="4911725" algn="l"/>
+                <a:tab pos="5368925" algn="l"/>
+                <a:tab pos="5826125" algn="l"/>
+                <a:tab pos="6283325" algn="l"/>
+                <a:tab pos="6740525" algn="l"/>
+                <a:tab pos="7197725" algn="l"/>
+                <a:tab pos="7654925" algn="l"/>
+                <a:tab pos="8112125" algn="l"/>
+                <a:tab pos="8569325" algn="l"/>
+                <a:tab pos="9026525" algn="l"/>
+                <a:tab pos="9483725" algn="l"/>
+              </a:tabLst>
+              <a:defRPr sz="2400">
+                <a:solidFill>
+                  <a:schemeClr val="bg1"/>
+                </a:solidFill>
+                <a:latin typeface="Times New Roman" charset="0"/>
+                <a:ea typeface="ＭＳ Ｐゴシック" charset="0"/>
+              </a:defRPr>
+            </a:lvl4pPr>
+            <a:lvl5pPr>
+              <a:tabLst>
+                <a:tab pos="339725" algn="l"/>
+                <a:tab pos="796925" algn="l"/>
+                <a:tab pos="1254125" algn="l"/>
+                <a:tab pos="1711325" algn="l"/>
+                <a:tab pos="2168525" algn="l"/>
+                <a:tab pos="2625725" algn="l"/>
+                <a:tab pos="3082925" algn="l"/>
+                <a:tab pos="3540125" algn="l"/>
+                <a:tab pos="3997325" algn="l"/>
+                <a:tab pos="4454525" algn="l"/>
+                <a:tab pos="4911725" algn="l"/>
+                <a:tab pos="5368925" algn="l"/>
+                <a:tab pos="5826125" algn="l"/>
+                <a:tab pos="6283325" algn="l"/>
+                <a:tab pos="6740525" algn="l"/>
+                <a:tab pos="7197725" algn="l"/>
+                <a:tab pos="7654925" algn="l"/>
+                <a:tab pos="8112125" algn="l"/>
+                <a:tab pos="8569325" algn="l"/>
+                <a:tab pos="9026525" algn="l"/>
+                <a:tab pos="9483725" algn="l"/>
+              </a:tabLst>
+              <a:defRPr sz="2400">
+                <a:solidFill>
+                  <a:schemeClr val="bg1"/>
+                </a:solidFill>
+                <a:latin typeface="Times New Roman" charset="0"/>
+                <a:ea typeface="ＭＳ Ｐゴシック" charset="0"/>
+              </a:defRPr>
+            </a:lvl5pPr>
+            <a:lvl6pPr marL="2514600" indent="-228600" eaLnBrk="0" fontAlgn="base" hangingPunct="0">
+              <a:spcBef>
+                <a:spcPct val="0"/>
+              </a:spcBef>
+              <a:spcAft>
+                <a:spcPct val="0"/>
+              </a:spcAft>
+              <a:tabLst>
+                <a:tab pos="339725" algn="l"/>
+                <a:tab pos="796925" algn="l"/>
+                <a:tab pos="1254125" algn="l"/>
+                <a:tab pos="1711325" algn="l"/>
+                <a:tab pos="2168525" algn="l"/>
+                <a:tab pos="2625725" algn="l"/>
+                <a:tab pos="3082925" algn="l"/>
+                <a:tab pos="3540125" algn="l"/>
+                <a:tab pos="3997325" algn="l"/>
+                <a:tab pos="4454525" algn="l"/>
+                <a:tab pos="4911725" algn="l"/>
+                <a:tab pos="5368925" algn="l"/>
+                <a:tab pos="5826125" algn="l"/>
+                <a:tab pos="6283325" algn="l"/>
+                <a:tab pos="6740525" algn="l"/>
+                <a:tab pos="7197725" algn="l"/>
+                <a:tab pos="7654925" algn="l"/>
+                <a:tab pos="8112125" algn="l"/>
+                <a:tab pos="8569325" algn="l"/>
+                <a:tab pos="9026525" algn="l"/>
+                <a:tab pos="9483725" algn="l"/>
+              </a:tabLst>
+              <a:defRPr sz="2400">
+                <a:solidFill>
+                  <a:schemeClr val="bg1"/>
+                </a:solidFill>
+                <a:latin typeface="Times New Roman" charset="0"/>
+                <a:ea typeface="ＭＳ Ｐゴシック" charset="0"/>
+              </a:defRPr>
+            </a:lvl6pPr>
+            <a:lvl7pPr marL="2971800" indent="-228600" eaLnBrk="0" fontAlgn="base" hangingPunct="0">
+              <a:spcBef>
+                <a:spcPct val="0"/>
+              </a:spcBef>
+              <a:spcAft>
+                <a:spcPct val="0"/>
+              </a:spcAft>
+              <a:tabLst>
+                <a:tab pos="339725" algn="l"/>
+                <a:tab pos="796925" algn="l"/>
+                <a:tab pos="1254125" algn="l"/>
+                <a:tab pos="1711325" algn="l"/>
+                <a:tab pos="2168525" algn="l"/>
+                <a:tab pos="2625725" algn="l"/>
+                <a:tab pos="3082925" algn="l"/>
+                <a:tab pos="3540125" algn="l"/>
+                <a:tab pos="3997325" algn="l"/>
+                <a:tab pos="4454525" algn="l"/>
+                <a:tab pos="4911725" algn="l"/>
+                <a:tab pos="5368925" algn="l"/>
+                <a:tab pos="5826125" algn="l"/>
+                <a:tab pos="6283325" algn="l"/>
+                <a:tab pos="6740525" algn="l"/>
+                <a:tab pos="7197725" algn="l"/>
+                <a:tab pos="7654925" algn="l"/>
+                <a:tab pos="8112125" algn="l"/>
+                <a:tab pos="8569325" algn="l"/>
+                <a:tab pos="9026525" algn="l"/>
+                <a:tab pos="9483725" algn="l"/>
+              </a:tabLst>
+              <a:defRPr sz="2400">
+                <a:solidFill>
+                  <a:schemeClr val="bg1"/>
+                </a:solidFill>
+                <a:latin typeface="Times New Roman" charset="0"/>
+                <a:ea typeface="ＭＳ Ｐゴシック" charset="0"/>
+              </a:defRPr>
+            </a:lvl7pPr>
+            <a:lvl8pPr marL="3429000" indent="-228600" eaLnBrk="0" fontAlgn="base" hangingPunct="0">
+              <a:spcBef>
+                <a:spcPct val="0"/>
+              </a:spcBef>
+              <a:spcAft>
+                <a:spcPct val="0"/>
+              </a:spcAft>
+              <a:tabLst>
+                <a:tab pos="339725" algn="l"/>
+                <a:tab pos="796925" algn="l"/>
+                <a:tab pos="1254125" algn="l"/>
+                <a:tab pos="1711325" algn="l"/>
+                <a:tab pos="2168525" algn="l"/>
+                <a:tab pos="2625725" algn="l"/>
+                <a:tab pos="3082925" algn="l"/>
+                <a:tab pos="3540125" algn="l"/>
+                <a:tab pos="3997325" algn="l"/>
+                <a:tab pos="4454525" algn="l"/>
+                <a:tab pos="4911725" algn="l"/>
+                <a:tab pos="5368925" algn="l"/>
+                <a:tab pos="5826125" algn="l"/>
+                <a:tab pos="6283325" algn="l"/>
+                <a:tab pos="6740525" algn="l"/>
+                <a:tab pos="7197725" algn="l"/>
+                <a:tab pos="7654925" algn="l"/>
+                <a:tab pos="8112125" algn="l"/>
+                <a:tab pos="8569325" algn="l"/>
+                <a:tab pos="9026525" algn="l"/>
+                <a:tab pos="9483725" algn="l"/>
+              </a:tabLst>
+              <a:defRPr sz="2400">
+                <a:solidFill>
+                  <a:schemeClr val="bg1"/>
+                </a:solidFill>
+                <a:latin typeface="Times New Roman" charset="0"/>
+                <a:ea typeface="ＭＳ Ｐゴシック" charset="0"/>
+              </a:defRPr>
+            </a:lvl8pPr>
+            <a:lvl9pPr marL="3886200" indent="-228600" eaLnBrk="0" fontAlgn="base" hangingPunct="0">
+              <a:spcBef>
+                <a:spcPct val="0"/>
+              </a:spcBef>
+              <a:spcAft>
+                <a:spcPct val="0"/>
+              </a:spcAft>
+              <a:tabLst>
+                <a:tab pos="339725" algn="l"/>
+                <a:tab pos="796925" algn="l"/>
+                <a:tab pos="1254125" algn="l"/>
+                <a:tab pos="1711325" algn="l"/>
+                <a:tab pos="2168525" algn="l"/>
+                <a:tab pos="2625725" algn="l"/>
+                <a:tab pos="3082925" algn="l"/>
+                <a:tab pos="3540125" algn="l"/>
+                <a:tab pos="3997325" algn="l"/>
+                <a:tab pos="4454525" algn="l"/>
+                <a:tab pos="4911725" algn="l"/>
+                <a:tab pos="5368925" algn="l"/>
+                <a:tab pos="5826125" algn="l"/>
+                <a:tab pos="6283325" algn="l"/>
+                <a:tab pos="6740525" algn="l"/>
+                <a:tab pos="7197725" algn="l"/>
+                <a:tab pos="7654925" algn="l"/>
+                <a:tab pos="8112125" algn="l"/>
+                <a:tab pos="8569325" algn="l"/>
+                <a:tab pos="9026525" algn="l"/>
+                <a:tab pos="9483725" algn="l"/>
+              </a:tabLst>
+              <a:defRPr sz="2400">
+                <a:solidFill>
+                  <a:schemeClr val="bg1"/>
+                </a:solidFill>
+                <a:latin typeface="Times New Roman" charset="0"/>
+                <a:ea typeface="ＭＳ Ｐゴシック" charset="0"/>
+              </a:defRPr>
+            </a:lvl9pPr>
+          </a:lstStyle>
+          <a:p>
+            <a:pPr eaLnBrk="1" hangingPunct="1">
+              <a:spcBef>
+                <a:spcPts val="800"/>
+              </a:spcBef>
+              <a:buClr>
+                <a:srgbClr val="000000"/>
+              </a:buClr>
+              <a:buSzPct val="100000"/>
+              <a:buFont typeface="Times New Roman" charset="0"/>
+              <a:buChar char="•"/>
+            </a:pPr>
+            <a:r>
+              <a:rPr lang="en-US" sz="3200">
+                <a:solidFill>
+                  <a:srgbClr val="000000"/>
+                </a:solidFill>
+              </a:rPr>
+              <a:t>De Morgan’s Laws</a:t>
+            </a:r>
+          </a:p>
+          <a:p>
+            <a:pPr lvl="2" eaLnBrk="1" hangingPunct="1">
+              <a:spcBef>
+                <a:spcPts val="600"/>
+              </a:spcBef>
+              <a:buClr>
+                <a:srgbClr val="000000"/>
+              </a:buClr>
+              <a:buSzPct val="100000"/>
+              <a:buFont typeface="Times New Roman" charset="0"/>
+              <a:buChar char="•"/>
+            </a:pPr>
+            <a:r>
+              <a:rPr lang="en-US">
+                <a:solidFill>
+                  <a:srgbClr val="000000"/>
+                </a:solidFill>
+                <a:cs typeface="MS PGothic" charset="0"/>
+              </a:rPr>
+              <a:t>¬(p(a) ˄ p(b)) ⇔ ¬p(a) ˅ ¬p(b)</a:t>
+            </a:r>
+          </a:p>
+          <a:p>
+            <a:pPr lvl="2" eaLnBrk="1" hangingPunct="1">
+              <a:spcBef>
+                <a:spcPts val="600"/>
+              </a:spcBef>
+              <a:buClr>
+                <a:srgbClr val="000000"/>
+              </a:buClr>
+              <a:buSzPct val="100000"/>
+              <a:buFont typeface="Times New Roman" charset="0"/>
+              <a:buChar char="•"/>
+            </a:pPr>
+            <a:r>
+              <a:rPr lang="en-US">
+                <a:solidFill>
+                  <a:srgbClr val="000000"/>
+                </a:solidFill>
+                <a:cs typeface="MS PGothic" charset="0"/>
+              </a:rPr>
+              <a:t>¬(p(a) ˅ p(b)) ⇔ ¬p(a) ˄ ¬p(b)</a:t>
+            </a:r>
+          </a:p>
+          <a:p>
+            <a:pPr eaLnBrk="1" hangingPunct="1">
+              <a:spcBef>
+                <a:spcPts val="800"/>
+              </a:spcBef>
+              <a:buClr>
+                <a:srgbClr val="000000"/>
+              </a:buClr>
+              <a:buSzPct val="100000"/>
+              <a:buFont typeface="Times New Roman" charset="0"/>
+              <a:buChar char="•"/>
+            </a:pPr>
+            <a:r>
+              <a:rPr lang="en-US" sz="3200">
+                <a:solidFill>
+                  <a:srgbClr val="000000"/>
+                </a:solidFill>
+              </a:rPr>
+              <a:t>Generalized De Morgan’s Laws</a:t>
+            </a:r>
+          </a:p>
+          <a:p>
+            <a:pPr lvl="2" eaLnBrk="1" hangingPunct="1">
+              <a:spcBef>
+                <a:spcPts val="600"/>
+              </a:spcBef>
+              <a:buClr>
+                <a:srgbClr val="000000"/>
+              </a:buClr>
+              <a:buSzPct val="100000"/>
+              <a:buFont typeface="Times New Roman" charset="0"/>
+              <a:buChar char="•"/>
+            </a:pPr>
+            <a:r>
+              <a:rPr lang="en-US">
+                <a:solidFill>
+                  <a:srgbClr val="000000"/>
+                </a:solidFill>
+                <a:cs typeface="MS PGothic" charset="0"/>
+              </a:rPr>
+              <a:t>¬(p(a</a:t>
+            </a:r>
+            <a:r>
+              <a:rPr lang="en-US" baseline="-25000">
+                <a:solidFill>
+                  <a:srgbClr val="000000"/>
+                </a:solidFill>
+                <a:cs typeface="MS PGothic" charset="0"/>
+              </a:rPr>
+              <a:t>1</a:t>
+            </a:r>
+            <a:r>
+              <a:rPr lang="en-US">
+                <a:solidFill>
+                  <a:srgbClr val="000000"/>
+                </a:solidFill>
+                <a:cs typeface="MS PGothic" charset="0"/>
+              </a:rPr>
+              <a:t>)˄…˄p(a</a:t>
+            </a:r>
+            <a:r>
+              <a:rPr lang="en-US" baseline="-25000">
+                <a:solidFill>
+                  <a:srgbClr val="000000"/>
+                </a:solidFill>
+                <a:cs typeface="MS PGothic" charset="0"/>
+              </a:rPr>
+              <a:t>n</a:t>
+            </a:r>
+            <a:r>
+              <a:rPr lang="en-US">
+                <a:solidFill>
+                  <a:srgbClr val="000000"/>
+                </a:solidFill>
+                <a:cs typeface="MS PGothic" charset="0"/>
+              </a:rPr>
+              <a:t>)) ⇔ ¬p(a</a:t>
+            </a:r>
+            <a:r>
+              <a:rPr lang="en-US" baseline="-25000">
+                <a:solidFill>
+                  <a:srgbClr val="000000"/>
+                </a:solidFill>
+                <a:cs typeface="MS PGothic" charset="0"/>
+              </a:rPr>
+              <a:t>1</a:t>
+            </a:r>
+            <a:r>
+              <a:rPr lang="en-US">
+                <a:solidFill>
+                  <a:srgbClr val="000000"/>
+                </a:solidFill>
+                <a:cs typeface="MS PGothic" charset="0"/>
+              </a:rPr>
+              <a:t>)˅…˅¬p(a</a:t>
+            </a:r>
+            <a:r>
+              <a:rPr lang="en-US" baseline="-25000">
+                <a:solidFill>
+                  <a:srgbClr val="000000"/>
+                </a:solidFill>
+                <a:cs typeface="MS PGothic" charset="0"/>
+              </a:rPr>
+              <a:t>n</a:t>
+            </a:r>
+            <a:r>
+              <a:rPr lang="en-US">
+                <a:solidFill>
+                  <a:srgbClr val="000000"/>
+                </a:solidFill>
+                <a:cs typeface="MS PGothic" charset="0"/>
+              </a:rPr>
+              <a:t>)</a:t>
+            </a:r>
+          </a:p>
+          <a:p>
+            <a:pPr lvl="2" eaLnBrk="1" hangingPunct="1">
+              <a:spcBef>
+                <a:spcPts val="600"/>
+              </a:spcBef>
+              <a:buClr>
+                <a:srgbClr val="000000"/>
+              </a:buClr>
+              <a:buSzPct val="100000"/>
+              <a:buFont typeface="Times New Roman" charset="0"/>
+              <a:buChar char="•"/>
+            </a:pPr>
+            <a:r>
+              <a:rPr lang="en-US">
+                <a:solidFill>
+                  <a:srgbClr val="000000"/>
+                </a:solidFill>
+                <a:cs typeface="MS PGothic" charset="0"/>
+              </a:rPr>
+              <a:t>¬(p(a</a:t>
+            </a:r>
+            <a:r>
+              <a:rPr lang="en-US" baseline="-25000">
+                <a:solidFill>
+                  <a:srgbClr val="000000"/>
+                </a:solidFill>
+                <a:cs typeface="MS PGothic" charset="0"/>
+              </a:rPr>
+              <a:t>1</a:t>
+            </a:r>
+            <a:r>
+              <a:rPr lang="en-US">
+                <a:solidFill>
+                  <a:srgbClr val="000000"/>
+                </a:solidFill>
+                <a:cs typeface="MS PGothic" charset="0"/>
+              </a:rPr>
+              <a:t>)˅…˅p(a</a:t>
+            </a:r>
+            <a:r>
+              <a:rPr lang="en-US" baseline="-25000">
+                <a:solidFill>
+                  <a:srgbClr val="000000"/>
+                </a:solidFill>
+                <a:cs typeface="MS PGothic" charset="0"/>
+              </a:rPr>
+              <a:t>n</a:t>
+            </a:r>
+            <a:r>
+              <a:rPr lang="en-US">
+                <a:solidFill>
+                  <a:srgbClr val="000000"/>
+                </a:solidFill>
+                <a:cs typeface="MS PGothic" charset="0"/>
+              </a:rPr>
+              <a:t>)) ⇔ ¬p(a</a:t>
+            </a:r>
+            <a:r>
+              <a:rPr lang="en-US" baseline="-25000">
+                <a:solidFill>
+                  <a:srgbClr val="000000"/>
+                </a:solidFill>
+                <a:cs typeface="MS PGothic" charset="0"/>
+              </a:rPr>
+              <a:t>1</a:t>
+            </a:r>
+            <a:r>
+              <a:rPr lang="en-US">
+                <a:solidFill>
+                  <a:srgbClr val="000000"/>
+                </a:solidFill>
+                <a:cs typeface="MS PGothic" charset="0"/>
+              </a:rPr>
+              <a:t>)˄…˄¬p(a</a:t>
+            </a:r>
+            <a:r>
+              <a:rPr lang="en-US" baseline="-25000">
+                <a:solidFill>
+                  <a:srgbClr val="000000"/>
+                </a:solidFill>
+                <a:cs typeface="MS PGothic" charset="0"/>
+              </a:rPr>
+              <a:t>n</a:t>
+            </a:r>
+            <a:r>
+              <a:rPr lang="en-US">
+                <a:solidFill>
+                  <a:srgbClr val="000000"/>
+                </a:solidFill>
+                <a:cs typeface="MS PGothic" charset="0"/>
+              </a:rPr>
+              <a:t>), </a:t>
+            </a:r>
+          </a:p>
+          <a:p>
+            <a:pPr lvl="2" eaLnBrk="1" hangingPunct="1">
+              <a:spcBef>
+                <a:spcPts val="600"/>
+              </a:spcBef>
+              <a:buClr>
+                <a:srgbClr val="000000"/>
+              </a:buClr>
+              <a:buSzPct val="100000"/>
+              <a:buFont typeface="Times New Roman" charset="0"/>
+              <a:buChar char="•"/>
+            </a:pPr>
+            <a:r>
+              <a:rPr lang="en-US">
+                <a:solidFill>
+                  <a:srgbClr val="000000"/>
+                </a:solidFill>
+                <a:cs typeface="MS PGothic" charset="0"/>
+              </a:rPr>
+              <a:t>where </a:t>
+            </a:r>
+            <a:r>
+              <a:rPr lang="en-US" b="1">
+                <a:solidFill>
+                  <a:srgbClr val="000000"/>
+                </a:solidFill>
+                <a:cs typeface="MS PGothic" charset="0"/>
+              </a:rPr>
+              <a:t>A</a:t>
+            </a:r>
+            <a:r>
+              <a:rPr lang="en-US">
+                <a:solidFill>
+                  <a:srgbClr val="000000"/>
+                </a:solidFill>
+                <a:cs typeface="MS PGothic" charset="0"/>
+              </a:rPr>
+              <a:t>={a</a:t>
+            </a:r>
+            <a:r>
+              <a:rPr lang="en-US" baseline="-25000">
+                <a:solidFill>
+                  <a:srgbClr val="000000"/>
+                </a:solidFill>
+                <a:cs typeface="MS PGothic" charset="0"/>
+              </a:rPr>
+              <a:t>1</a:t>
+            </a:r>
+            <a:r>
+              <a:rPr lang="en-US">
+                <a:solidFill>
+                  <a:srgbClr val="000000"/>
+                </a:solidFill>
+                <a:cs typeface="MS PGothic" charset="0"/>
+              </a:rPr>
+              <a:t>,…,a</a:t>
+            </a:r>
+            <a:r>
+              <a:rPr lang="en-US" baseline="-25000">
+                <a:solidFill>
+                  <a:srgbClr val="000000"/>
+                </a:solidFill>
+                <a:cs typeface="MS PGothic" charset="0"/>
+              </a:rPr>
+              <a:t>n</a:t>
+            </a:r>
+            <a:r>
+              <a:rPr lang="en-US">
+                <a:solidFill>
+                  <a:srgbClr val="000000"/>
+                </a:solidFill>
+                <a:cs typeface="MS PGothic" charset="0"/>
+              </a:rPr>
+              <a:t>}</a:t>
+            </a:r>
+          </a:p>
+          <a:p>
+            <a:pPr lvl="2" eaLnBrk="1" hangingPunct="1">
+              <a:spcBef>
+                <a:spcPts val="600"/>
+              </a:spcBef>
+              <a:buSzPct val="100000"/>
+            </a:pPr>
+            <a:endParaRPr lang="en-US">
+              <a:solidFill>
+                <a:srgbClr val="000000"/>
+              </a:solidFill>
+              <a:cs typeface="MS PGothic" charset="0"/>
+            </a:endParaRPr>
+          </a:p>
+        </p:txBody>
+      </p:sp>
+    </p:spTree>
+    <p:extLst>
+      <p:ext uri="{BB962C8B-B14F-4D97-AF65-F5344CB8AC3E}">
+        <p14:creationId xmlns:p14="http://schemas.microsoft.com/office/powerpoint/2010/main" val="539290452"/>
+      </p:ext>
+    </p:extLst>
+  </p:cSld>
+  <p:clrMapOvr>
+    <a:masterClrMapping/>
+  </p:clrMapOvr>
+  <p:transition xmlns:p14="http://schemas.microsoft.com/office/powerpoint/2010/main" spd="med"/>
+  <p:timing>
+    <p:tnLst>
+      <p:par>
+        <p:cTn xmlns:p14="http://schemas.microsoft.com/office/powerpoint/2010/main" id="1" dur="indefinite" restart="never" nodeType="tmRoot">
+          <p:childTnLst>
+            <p:seq concurrent="1" nextAc="seek">
+              <p:cTn id="2" dur="indefinite" nodeType="mainSeq"/>
+              <p:prevCondLst>
+                <p:cond evt="onPrev" delay="0">
+                  <p:tgtEl>
+                    <p:sldTgt/>
+                  </p:tgtEl>
+                </p:cond>
+              </p:prevCondLst>
+              <p:nextCondLst>
+                <p:cond evt="onNext" delay="0">
+                  <p:tgtEl>
+                    <p:sldTgt/>
+                  </p:tgtEl>
+                </p:cond>
+              </p:nextCondLst>
+            </p:seq>
+          </p:childTnLst>
+        </p:cTn>
+      </p:par>
+    </p:tnLst>
+  </p:timing>
+</p:sld>
+</file>
+
+<file path=ppt/slides/slide27.xml><?xml version="1.0" encoding="utf-8"?>
+<p:sld xmlns:a="http://schemas.openxmlformats.org/drawingml/2006/main" xmlns:r="http://schemas.openxmlformats.org/officeDocument/2006/relationships" xmlns:p="http://schemas.openxmlformats.org/presentationml/2006/main">
+  <p:cSld>
+    <p:spTree>
+      <p:nvGrpSpPr>
+        <p:cNvPr id="1" name=""/>
+        <p:cNvGrpSpPr/>
+        <p:nvPr/>
+      </p:nvGrpSpPr>
+      <p:grpSpPr>
+        <a:xfrm>
+          <a:off x="0" y="0"/>
+          <a:ext cx="0" cy="0"/>
+          <a:chOff x="0" y="0"/>
+          <a:chExt cx="0" cy="0"/>
+        </a:xfrm>
+      </p:grpSpPr>
+      <p:sp>
+        <p:nvSpPr>
+          <p:cNvPr id="7170" name="Text Box 1"/>
+          <p:cNvSpPr txBox="1">
+            <a:spLocks noChangeArrowheads="1"/>
+          </p:cNvSpPr>
+          <p:nvPr/>
+        </p:nvSpPr>
+        <p:spPr bwMode="auto">
+          <a:xfrm>
+            <a:off x="914400" y="609600"/>
+            <a:ext cx="10363200" cy="1143000"/>
+          </a:xfrm>
+          <a:prstGeom prst="rect">
+            <a:avLst/>
+          </a:prstGeom>
+          <a:noFill/>
+          <a:ln>
+            <a:noFill/>
+          </a:ln>
+          <a:effectLst/>
+          <a:extLst>
+            <a:ext uri="{909E8E84-426E-40dd-AFC4-6F175D3DCCD1}">
+              <a14:hiddenFill xmlns:a14="http://schemas.microsoft.com/office/drawing/2010/main">
+                <a:solidFill>
+                  <a:srgbClr val="FFFFFF"/>
+                </a:solidFill>
+              </a14:hiddenFill>
+            </a:ext>
+            <a:ext uri="{91240B29-F687-4f45-9708-019B960494DF}">
+              <a14:hiddenLine xmlns:a14="http://schemas.microsoft.com/office/drawing/2010/main" w="9525">
+                <a:solidFill>
+                  <a:srgbClr val="808080"/>
+                </a:solidFill>
+                <a:round/>
+                <a:headEnd/>
+                <a:tailEnd/>
+              </a14:hiddenLine>
+            </a:ext>
+            <a:ext uri="{AF507438-7753-43e0-B8FC-AC1667EBCBE1}">
+              <a14:hiddenEffects xmlns:a14="http://schemas.microsoft.com/office/drawing/2010/main">
+                <a:effectLst>
+                  <a:outerShdw blurRad="63500" dist="38099" dir="2700000" algn="ctr" rotWithShape="0">
+                    <a:srgbClr val="000000">
+                      <a:alpha val="74998"/>
+                    </a:srgbClr>
+                  </a:outerShdw>
+                </a:effectLst>
+              </a14:hiddenEffects>
+            </a:ext>
+          </a:extLst>
+        </p:spPr>
+        <p:txBody>
+          <a:bodyPr anchor="ctr"/>
+          <a:lstStyle>
+            <a:lvl1pPr>
+              <a:tabLst>
+                <a:tab pos="0" algn="l"/>
+                <a:tab pos="457200" algn="l"/>
+                <a:tab pos="914400" algn="l"/>
+                <a:tab pos="1371600" algn="l"/>
+                <a:tab pos="1828800" algn="l"/>
+                <a:tab pos="2286000" algn="l"/>
+                <a:tab pos="2743200" algn="l"/>
+                <a:tab pos="3200400" algn="l"/>
+                <a:tab pos="3657600" algn="l"/>
+                <a:tab pos="4114800" algn="l"/>
+                <a:tab pos="4572000" algn="l"/>
+                <a:tab pos="5029200" algn="l"/>
+                <a:tab pos="5486400" algn="l"/>
+                <a:tab pos="5943600" algn="l"/>
+                <a:tab pos="6400800" algn="l"/>
+                <a:tab pos="6858000" algn="l"/>
+                <a:tab pos="7315200" algn="l"/>
+                <a:tab pos="7772400" algn="l"/>
+                <a:tab pos="8229600" algn="l"/>
+                <a:tab pos="8686800" algn="l"/>
+                <a:tab pos="9144000" algn="l"/>
+              </a:tabLst>
+              <a:defRPr sz="3200">
+                <a:solidFill>
+                  <a:srgbClr val="000000"/>
+                </a:solidFill>
+                <a:latin typeface="Times New Roman" charset="0"/>
+                <a:ea typeface="ＭＳ Ｐゴシック" charset="0"/>
+                <a:cs typeface="MS PGothic" charset="0"/>
+              </a:defRPr>
+            </a:lvl1pPr>
+            <a:lvl2pPr>
+              <a:tabLst>
+                <a:tab pos="0" algn="l"/>
+                <a:tab pos="457200" algn="l"/>
+                <a:tab pos="914400" algn="l"/>
+                <a:tab pos="1371600" algn="l"/>
+                <a:tab pos="1828800" algn="l"/>
+                <a:tab pos="2286000" algn="l"/>
+                <a:tab pos="2743200" algn="l"/>
+                <a:tab pos="3200400" algn="l"/>
+                <a:tab pos="3657600" algn="l"/>
+                <a:tab pos="4114800" algn="l"/>
+                <a:tab pos="4572000" algn="l"/>
+                <a:tab pos="5029200" algn="l"/>
+                <a:tab pos="5486400" algn="l"/>
+                <a:tab pos="5943600" algn="l"/>
+                <a:tab pos="6400800" algn="l"/>
+                <a:tab pos="6858000" algn="l"/>
+                <a:tab pos="7315200" algn="l"/>
+                <a:tab pos="7772400" algn="l"/>
+                <a:tab pos="8229600" algn="l"/>
+                <a:tab pos="8686800" algn="l"/>
+                <a:tab pos="9144000" algn="l"/>
+              </a:tabLst>
+              <a:defRPr sz="2800">
+                <a:solidFill>
+                  <a:srgbClr val="000000"/>
+                </a:solidFill>
+                <a:latin typeface="Times New Roman" charset="0"/>
+                <a:ea typeface="MS PGothic" charset="0"/>
+                <a:cs typeface="MS PGothic" charset="0"/>
+              </a:defRPr>
+            </a:lvl2pPr>
+            <a:lvl3pPr>
+              <a:tabLst>
+                <a:tab pos="0" algn="l"/>
+                <a:tab pos="457200" algn="l"/>
+                <a:tab pos="914400" algn="l"/>
+                <a:tab pos="1371600" algn="l"/>
+                <a:tab pos="1828800" algn="l"/>
+                <a:tab pos="2286000" algn="l"/>
+                <a:tab pos="2743200" algn="l"/>
+                <a:tab pos="3200400" algn="l"/>
+                <a:tab pos="3657600" algn="l"/>
+                <a:tab pos="4114800" algn="l"/>
+                <a:tab pos="4572000" algn="l"/>
+                <a:tab pos="5029200" algn="l"/>
+                <a:tab pos="5486400" algn="l"/>
+                <a:tab pos="5943600" algn="l"/>
+                <a:tab pos="6400800" algn="l"/>
+                <a:tab pos="6858000" algn="l"/>
+                <a:tab pos="7315200" algn="l"/>
+                <a:tab pos="7772400" algn="l"/>
+                <a:tab pos="8229600" algn="l"/>
+                <a:tab pos="8686800" algn="l"/>
+                <a:tab pos="9144000" algn="l"/>
+              </a:tabLst>
+              <a:defRPr sz="2400">
+                <a:solidFill>
+                  <a:srgbClr val="000000"/>
+                </a:solidFill>
+                <a:latin typeface="Times New Roman" charset="0"/>
+                <a:ea typeface="MS PGothic" charset="0"/>
+                <a:cs typeface="MS PGothic" charset="0"/>
+              </a:defRPr>
+            </a:lvl3pPr>
+            <a:lvl4pPr>
+              <a:tabLst>
+                <a:tab pos="0" algn="l"/>
+                <a:tab pos="457200" algn="l"/>
+                <a:tab pos="914400" algn="l"/>
+                <a:tab pos="1371600" algn="l"/>
+                <a:tab pos="1828800" algn="l"/>
+                <a:tab pos="2286000" algn="l"/>
+                <a:tab pos="2743200" algn="l"/>
+                <a:tab pos="3200400" algn="l"/>
+                <a:tab pos="3657600" algn="l"/>
+                <a:tab pos="4114800" algn="l"/>
+                <a:tab pos="4572000" algn="l"/>
+                <a:tab pos="5029200" algn="l"/>
+                <a:tab pos="5486400" algn="l"/>
+                <a:tab pos="5943600" algn="l"/>
+                <a:tab pos="6400800" algn="l"/>
+                <a:tab pos="6858000" algn="l"/>
+                <a:tab pos="7315200" algn="l"/>
+                <a:tab pos="7772400" algn="l"/>
+                <a:tab pos="8229600" algn="l"/>
+                <a:tab pos="8686800" algn="l"/>
+                <a:tab pos="9144000" algn="l"/>
+              </a:tabLst>
+              <a:defRPr sz="2000">
+                <a:solidFill>
+                  <a:srgbClr val="000000"/>
+                </a:solidFill>
+                <a:latin typeface="Times New Roman" charset="0"/>
+                <a:ea typeface="MS PGothic" charset="0"/>
+                <a:cs typeface="MS PGothic" charset="0"/>
+              </a:defRPr>
+            </a:lvl4pPr>
+            <a:lvl5pPr>
+              <a:tabLst>
+                <a:tab pos="0" algn="l"/>
+                <a:tab pos="457200" algn="l"/>
+                <a:tab pos="914400" algn="l"/>
+                <a:tab pos="1371600" algn="l"/>
+                <a:tab pos="1828800" algn="l"/>
+                <a:tab pos="2286000" algn="l"/>
+                <a:tab pos="2743200" algn="l"/>
+                <a:tab pos="3200400" algn="l"/>
+                <a:tab pos="3657600" algn="l"/>
+                <a:tab pos="4114800" algn="l"/>
+                <a:tab pos="4572000" algn="l"/>
+                <a:tab pos="5029200" algn="l"/>
+                <a:tab pos="5486400" algn="l"/>
+                <a:tab pos="5943600" algn="l"/>
+                <a:tab pos="6400800" algn="l"/>
+                <a:tab pos="6858000" algn="l"/>
+                <a:tab pos="7315200" algn="l"/>
+                <a:tab pos="7772400" algn="l"/>
+                <a:tab pos="8229600" algn="l"/>
+                <a:tab pos="8686800" algn="l"/>
+                <a:tab pos="9144000" algn="l"/>
+              </a:tabLst>
+              <a:defRPr sz="2000">
+                <a:solidFill>
+                  <a:srgbClr val="000000"/>
+                </a:solidFill>
+                <a:latin typeface="Times New Roman" charset="0"/>
+                <a:ea typeface="MS PGothic" charset="0"/>
+                <a:cs typeface="MS PGothic" charset="0"/>
+              </a:defRPr>
+            </a:lvl5pPr>
+            <a:lvl6pPr defTabSz="457200" eaLnBrk="0" fontAlgn="base" hangingPunct="0">
+              <a:spcAft>
+                <a:spcPct val="0"/>
+              </a:spcAft>
+              <a:buClr>
+                <a:srgbClr val="000000"/>
+              </a:buClr>
+              <a:buSzPct val="100000"/>
+              <a:buFont typeface="Times New Roman" charset="0"/>
+              <a:tabLst>
+                <a:tab pos="0" algn="l"/>
+                <a:tab pos="457200" algn="l"/>
+                <a:tab pos="914400" algn="l"/>
+                <a:tab pos="1371600" algn="l"/>
+                <a:tab pos="1828800" algn="l"/>
+                <a:tab pos="2286000" algn="l"/>
+                <a:tab pos="2743200" algn="l"/>
+                <a:tab pos="3200400" algn="l"/>
+                <a:tab pos="3657600" algn="l"/>
+                <a:tab pos="4114800" algn="l"/>
+                <a:tab pos="4572000" algn="l"/>
+                <a:tab pos="5029200" algn="l"/>
+                <a:tab pos="5486400" algn="l"/>
+                <a:tab pos="5943600" algn="l"/>
+                <a:tab pos="6400800" algn="l"/>
+                <a:tab pos="6858000" algn="l"/>
+                <a:tab pos="7315200" algn="l"/>
+                <a:tab pos="7772400" algn="l"/>
+                <a:tab pos="8229600" algn="l"/>
+                <a:tab pos="8686800" algn="l"/>
+                <a:tab pos="9144000" algn="l"/>
+              </a:tabLst>
+              <a:defRPr sz="2000">
+                <a:solidFill>
+                  <a:srgbClr val="000000"/>
+                </a:solidFill>
+                <a:latin typeface="Times New Roman" charset="0"/>
+                <a:ea typeface="MS PGothic" charset="0"/>
+                <a:cs typeface="MS PGothic" charset="0"/>
+              </a:defRPr>
+            </a:lvl6pPr>
+            <a:lvl7pPr defTabSz="457200" eaLnBrk="0" fontAlgn="base" hangingPunct="0">
+              <a:spcAft>
+                <a:spcPct val="0"/>
+              </a:spcAft>
+              <a:buClr>
+                <a:srgbClr val="000000"/>
+              </a:buClr>
+              <a:buSzPct val="100000"/>
+              <a:buFont typeface="Times New Roman" charset="0"/>
+              <a:tabLst>
+                <a:tab pos="0" algn="l"/>
+                <a:tab pos="457200" algn="l"/>
+                <a:tab pos="914400" algn="l"/>
+                <a:tab pos="1371600" algn="l"/>
+                <a:tab pos="1828800" algn="l"/>
+                <a:tab pos="2286000" algn="l"/>
+                <a:tab pos="2743200" algn="l"/>
+                <a:tab pos="3200400" algn="l"/>
+                <a:tab pos="3657600" algn="l"/>
+                <a:tab pos="4114800" algn="l"/>
+                <a:tab pos="4572000" algn="l"/>
+                <a:tab pos="5029200" algn="l"/>
+                <a:tab pos="5486400" algn="l"/>
+                <a:tab pos="5943600" algn="l"/>
+                <a:tab pos="6400800" algn="l"/>
+                <a:tab pos="6858000" algn="l"/>
+                <a:tab pos="7315200" algn="l"/>
+                <a:tab pos="7772400" algn="l"/>
+                <a:tab pos="8229600" algn="l"/>
+                <a:tab pos="8686800" algn="l"/>
+                <a:tab pos="9144000" algn="l"/>
+              </a:tabLst>
+              <a:defRPr sz="2000">
+                <a:solidFill>
+                  <a:srgbClr val="000000"/>
+                </a:solidFill>
+                <a:latin typeface="Times New Roman" charset="0"/>
+                <a:ea typeface="MS PGothic" charset="0"/>
+                <a:cs typeface="MS PGothic" charset="0"/>
+              </a:defRPr>
+            </a:lvl7pPr>
+            <a:lvl8pPr defTabSz="457200" eaLnBrk="0" fontAlgn="base" hangingPunct="0">
+              <a:spcAft>
+                <a:spcPct val="0"/>
+              </a:spcAft>
+              <a:buClr>
+                <a:srgbClr val="000000"/>
+              </a:buClr>
+              <a:buSzPct val="100000"/>
+              <a:buFont typeface="Times New Roman" charset="0"/>
+              <a:tabLst>
+                <a:tab pos="0" algn="l"/>
+                <a:tab pos="457200" algn="l"/>
+                <a:tab pos="914400" algn="l"/>
+                <a:tab pos="1371600" algn="l"/>
+                <a:tab pos="1828800" algn="l"/>
+                <a:tab pos="2286000" algn="l"/>
+                <a:tab pos="2743200" algn="l"/>
+                <a:tab pos="3200400" algn="l"/>
+                <a:tab pos="3657600" algn="l"/>
+                <a:tab pos="4114800" algn="l"/>
+                <a:tab pos="4572000" algn="l"/>
+                <a:tab pos="5029200" algn="l"/>
+                <a:tab pos="5486400" algn="l"/>
+                <a:tab pos="5943600" algn="l"/>
+                <a:tab pos="6400800" algn="l"/>
+                <a:tab pos="6858000" algn="l"/>
+                <a:tab pos="7315200" algn="l"/>
+                <a:tab pos="7772400" algn="l"/>
+                <a:tab pos="8229600" algn="l"/>
+                <a:tab pos="8686800" algn="l"/>
+                <a:tab pos="9144000" algn="l"/>
+              </a:tabLst>
+              <a:defRPr sz="2000">
+                <a:solidFill>
+                  <a:srgbClr val="000000"/>
+                </a:solidFill>
+                <a:latin typeface="Times New Roman" charset="0"/>
+                <a:ea typeface="MS PGothic" charset="0"/>
+                <a:cs typeface="MS PGothic" charset="0"/>
+              </a:defRPr>
+            </a:lvl8pPr>
+            <a:lvl9pPr defTabSz="457200" eaLnBrk="0" fontAlgn="base" hangingPunct="0">
+              <a:spcAft>
+                <a:spcPct val="0"/>
+              </a:spcAft>
+              <a:buClr>
+                <a:srgbClr val="000000"/>
+              </a:buClr>
+              <a:buSzPct val="100000"/>
+              <a:buFont typeface="Times New Roman" charset="0"/>
+              <a:tabLst>
+                <a:tab pos="0" algn="l"/>
+                <a:tab pos="457200" algn="l"/>
+                <a:tab pos="914400" algn="l"/>
+                <a:tab pos="1371600" algn="l"/>
+                <a:tab pos="1828800" algn="l"/>
+                <a:tab pos="2286000" algn="l"/>
+                <a:tab pos="2743200" algn="l"/>
+                <a:tab pos="3200400" algn="l"/>
+                <a:tab pos="3657600" algn="l"/>
+                <a:tab pos="4114800" algn="l"/>
+                <a:tab pos="4572000" algn="l"/>
+                <a:tab pos="5029200" algn="l"/>
+                <a:tab pos="5486400" algn="l"/>
+                <a:tab pos="5943600" algn="l"/>
+                <a:tab pos="6400800" algn="l"/>
+                <a:tab pos="6858000" algn="l"/>
+                <a:tab pos="7315200" algn="l"/>
+                <a:tab pos="7772400" algn="l"/>
+                <a:tab pos="8229600" algn="l"/>
+                <a:tab pos="8686800" algn="l"/>
+                <a:tab pos="9144000" algn="l"/>
+              </a:tabLst>
+              <a:defRPr sz="2000">
+                <a:solidFill>
+                  <a:srgbClr val="000000"/>
+                </a:solidFill>
+                <a:latin typeface="Times New Roman" charset="0"/>
+                <a:ea typeface="MS PGothic" charset="0"/>
+                <a:cs typeface="MS PGothic" charset="0"/>
+              </a:defRPr>
+            </a:lvl9pPr>
+          </a:lstStyle>
+          <a:p>
+            <a:pPr algn="ctr" eaLnBrk="1" hangingPunct="1">
+              <a:buSzPct val="100000"/>
+              <a:defRPr/>
+            </a:pPr>
+            <a:r>
+              <a:rPr lang="en-US" sz="4400" smtClean="0"/>
+              <a:t>A little bit of logic</a:t>
+            </a:r>
+          </a:p>
+        </p:txBody>
+      </p:sp>
+      <p:sp>
+        <p:nvSpPr>
+          <p:cNvPr id="7171" name="Text Box 2"/>
+          <p:cNvSpPr txBox="1">
+            <a:spLocks noChangeArrowheads="1"/>
+          </p:cNvSpPr>
+          <p:nvPr/>
+        </p:nvSpPr>
+        <p:spPr bwMode="auto">
+          <a:xfrm>
+            <a:off x="914400" y="1981200"/>
+            <a:ext cx="10464800" cy="5391150"/>
+          </a:xfrm>
+          <a:prstGeom prst="rect">
+            <a:avLst/>
+          </a:prstGeom>
+          <a:noFill/>
+          <a:ln>
+            <a:noFill/>
+          </a:ln>
+          <a:effectLst/>
+          <a:extLst>
+            <a:ext uri="{909E8E84-426E-40dd-AFC4-6F175D3DCCD1}">
+              <a14:hiddenFill xmlns:a14="http://schemas.microsoft.com/office/drawing/2010/main">
+                <a:solidFill>
+                  <a:srgbClr val="FFFFFF"/>
+                </a:solidFill>
+              </a14:hiddenFill>
+            </a:ext>
+            <a:ext uri="{91240B29-F687-4f45-9708-019B960494DF}">
+              <a14:hiddenLine xmlns:a14="http://schemas.microsoft.com/office/drawing/2010/main" w="9525">
+                <a:solidFill>
+                  <a:srgbClr val="808080"/>
+                </a:solidFill>
+                <a:round/>
+                <a:headEnd/>
+                <a:tailEnd/>
+              </a14:hiddenLine>
+            </a:ext>
+            <a:ext uri="{AF507438-7753-43e0-B8FC-AC1667EBCBE1}">
+              <a14:hiddenEffects xmlns:a14="http://schemas.microsoft.com/office/drawing/2010/main">
+                <a:effectLst>
+                  <a:outerShdw blurRad="63500" dist="38099" dir="2700000" algn="ctr" rotWithShape="0">
+                    <a:srgbClr val="000000">
+                      <a:alpha val="74998"/>
+                    </a:srgbClr>
+                  </a:outerShdw>
+                </a:effectLst>
+              </a14:hiddenEffects>
+            </a:ext>
+          </a:extLst>
+        </p:spPr>
+        <p:txBody>
+          <a:bodyPr/>
+          <a:lstStyle>
+            <a:lvl1pPr marL="339725" indent="-339725">
+              <a:tabLst>
+                <a:tab pos="339725" algn="l"/>
+                <a:tab pos="796925" algn="l"/>
+                <a:tab pos="1254125" algn="l"/>
+                <a:tab pos="1711325" algn="l"/>
+                <a:tab pos="2168525" algn="l"/>
+                <a:tab pos="2625725" algn="l"/>
+                <a:tab pos="3082925" algn="l"/>
+                <a:tab pos="3540125" algn="l"/>
+                <a:tab pos="3997325" algn="l"/>
+                <a:tab pos="4454525" algn="l"/>
+                <a:tab pos="4911725" algn="l"/>
+                <a:tab pos="5368925" algn="l"/>
+                <a:tab pos="5826125" algn="l"/>
+                <a:tab pos="6283325" algn="l"/>
+                <a:tab pos="6740525" algn="l"/>
+                <a:tab pos="7197725" algn="l"/>
+                <a:tab pos="7654925" algn="l"/>
+                <a:tab pos="8112125" algn="l"/>
+                <a:tab pos="8569325" algn="l"/>
+                <a:tab pos="9026525" algn="l"/>
+                <a:tab pos="9483725" algn="l"/>
+              </a:tabLst>
+              <a:defRPr sz="2400">
+                <a:solidFill>
+                  <a:schemeClr val="bg1"/>
+                </a:solidFill>
+                <a:latin typeface="Times New Roman" charset="0"/>
+                <a:ea typeface="ＭＳ Ｐゴシック" charset="0"/>
+                <a:cs typeface="ＭＳ Ｐゴシック" charset="0"/>
+              </a:defRPr>
+            </a:lvl1pPr>
+            <a:lvl2pPr>
+              <a:tabLst>
+                <a:tab pos="339725" algn="l"/>
+                <a:tab pos="796925" algn="l"/>
+                <a:tab pos="1254125" algn="l"/>
+                <a:tab pos="1711325" algn="l"/>
+                <a:tab pos="2168525" algn="l"/>
+                <a:tab pos="2625725" algn="l"/>
+                <a:tab pos="3082925" algn="l"/>
+                <a:tab pos="3540125" algn="l"/>
+                <a:tab pos="3997325" algn="l"/>
+                <a:tab pos="4454525" algn="l"/>
+                <a:tab pos="4911725" algn="l"/>
+                <a:tab pos="5368925" algn="l"/>
+                <a:tab pos="5826125" algn="l"/>
+                <a:tab pos="6283325" algn="l"/>
+                <a:tab pos="6740525" algn="l"/>
+                <a:tab pos="7197725" algn="l"/>
+                <a:tab pos="7654925" algn="l"/>
+                <a:tab pos="8112125" algn="l"/>
+                <a:tab pos="8569325" algn="l"/>
+                <a:tab pos="9026525" algn="l"/>
+                <a:tab pos="9483725" algn="l"/>
+              </a:tabLst>
+              <a:defRPr sz="2400">
+                <a:solidFill>
+                  <a:schemeClr val="bg1"/>
+                </a:solidFill>
+                <a:latin typeface="Times New Roman" charset="0"/>
+                <a:ea typeface="ＭＳ Ｐゴシック" charset="0"/>
+              </a:defRPr>
+            </a:lvl2pPr>
+            <a:lvl3pPr>
+              <a:tabLst>
+                <a:tab pos="339725" algn="l"/>
+                <a:tab pos="796925" algn="l"/>
+                <a:tab pos="1254125" algn="l"/>
+                <a:tab pos="1711325" algn="l"/>
+                <a:tab pos="2168525" algn="l"/>
+                <a:tab pos="2625725" algn="l"/>
+                <a:tab pos="3082925" algn="l"/>
+                <a:tab pos="3540125" algn="l"/>
+                <a:tab pos="3997325" algn="l"/>
+                <a:tab pos="4454525" algn="l"/>
+                <a:tab pos="4911725" algn="l"/>
+                <a:tab pos="5368925" algn="l"/>
+                <a:tab pos="5826125" algn="l"/>
+                <a:tab pos="6283325" algn="l"/>
+                <a:tab pos="6740525" algn="l"/>
+                <a:tab pos="7197725" algn="l"/>
+                <a:tab pos="7654925" algn="l"/>
+                <a:tab pos="8112125" algn="l"/>
+                <a:tab pos="8569325" algn="l"/>
+                <a:tab pos="9026525" algn="l"/>
+                <a:tab pos="9483725" algn="l"/>
+              </a:tabLst>
+              <a:defRPr sz="2400">
+                <a:solidFill>
+                  <a:schemeClr val="bg1"/>
+                </a:solidFill>
+                <a:latin typeface="Times New Roman" charset="0"/>
+                <a:ea typeface="ＭＳ Ｐゴシック" charset="0"/>
+              </a:defRPr>
+            </a:lvl3pPr>
+            <a:lvl4pPr>
+              <a:tabLst>
+                <a:tab pos="339725" algn="l"/>
+                <a:tab pos="796925" algn="l"/>
+                <a:tab pos="1254125" algn="l"/>
+                <a:tab pos="1711325" algn="l"/>
+                <a:tab pos="2168525" algn="l"/>
+                <a:tab pos="2625725" algn="l"/>
+                <a:tab pos="3082925" algn="l"/>
+                <a:tab pos="3540125" algn="l"/>
+                <a:tab pos="3997325" algn="l"/>
+                <a:tab pos="4454525" algn="l"/>
+                <a:tab pos="4911725" algn="l"/>
+                <a:tab pos="5368925" algn="l"/>
+                <a:tab pos="5826125" algn="l"/>
+                <a:tab pos="6283325" algn="l"/>
+                <a:tab pos="6740525" algn="l"/>
+                <a:tab pos="7197725" algn="l"/>
+                <a:tab pos="7654925" algn="l"/>
+                <a:tab pos="8112125" algn="l"/>
+                <a:tab pos="8569325" algn="l"/>
+                <a:tab pos="9026525" algn="l"/>
+                <a:tab pos="9483725" algn="l"/>
+              </a:tabLst>
+              <a:defRPr sz="2400">
+                <a:solidFill>
+                  <a:schemeClr val="bg1"/>
+                </a:solidFill>
+                <a:latin typeface="Times New Roman" charset="0"/>
+                <a:ea typeface="ＭＳ Ｐゴシック" charset="0"/>
+              </a:defRPr>
+            </a:lvl4pPr>
+            <a:lvl5pPr>
+              <a:tabLst>
+                <a:tab pos="339725" algn="l"/>
+                <a:tab pos="796925" algn="l"/>
+                <a:tab pos="1254125" algn="l"/>
+                <a:tab pos="1711325" algn="l"/>
+                <a:tab pos="2168525" algn="l"/>
+                <a:tab pos="2625725" algn="l"/>
+                <a:tab pos="3082925" algn="l"/>
+                <a:tab pos="3540125" algn="l"/>
+                <a:tab pos="3997325" algn="l"/>
+                <a:tab pos="4454525" algn="l"/>
+                <a:tab pos="4911725" algn="l"/>
+                <a:tab pos="5368925" algn="l"/>
+                <a:tab pos="5826125" algn="l"/>
+                <a:tab pos="6283325" algn="l"/>
+                <a:tab pos="6740525" algn="l"/>
+                <a:tab pos="7197725" algn="l"/>
+                <a:tab pos="7654925" algn="l"/>
+                <a:tab pos="8112125" algn="l"/>
+                <a:tab pos="8569325" algn="l"/>
+                <a:tab pos="9026525" algn="l"/>
+                <a:tab pos="9483725" algn="l"/>
+              </a:tabLst>
+              <a:defRPr sz="2400">
+                <a:solidFill>
+                  <a:schemeClr val="bg1"/>
+                </a:solidFill>
+                <a:latin typeface="Times New Roman" charset="0"/>
+                <a:ea typeface="ＭＳ Ｐゴシック" charset="0"/>
+              </a:defRPr>
+            </a:lvl5pPr>
+            <a:lvl6pPr marL="2514600" indent="-228600" eaLnBrk="0" fontAlgn="base" hangingPunct="0">
+              <a:spcBef>
+                <a:spcPct val="0"/>
+              </a:spcBef>
+              <a:spcAft>
+                <a:spcPct val="0"/>
+              </a:spcAft>
+              <a:tabLst>
+                <a:tab pos="339725" algn="l"/>
+                <a:tab pos="796925" algn="l"/>
+                <a:tab pos="1254125" algn="l"/>
+                <a:tab pos="1711325" algn="l"/>
+                <a:tab pos="2168525" algn="l"/>
+                <a:tab pos="2625725" algn="l"/>
+                <a:tab pos="3082925" algn="l"/>
+                <a:tab pos="3540125" algn="l"/>
+                <a:tab pos="3997325" algn="l"/>
+                <a:tab pos="4454525" algn="l"/>
+                <a:tab pos="4911725" algn="l"/>
+                <a:tab pos="5368925" algn="l"/>
+                <a:tab pos="5826125" algn="l"/>
+                <a:tab pos="6283325" algn="l"/>
+                <a:tab pos="6740525" algn="l"/>
+                <a:tab pos="7197725" algn="l"/>
+                <a:tab pos="7654925" algn="l"/>
+                <a:tab pos="8112125" algn="l"/>
+                <a:tab pos="8569325" algn="l"/>
+                <a:tab pos="9026525" algn="l"/>
+                <a:tab pos="9483725" algn="l"/>
+              </a:tabLst>
+              <a:defRPr sz="2400">
+                <a:solidFill>
+                  <a:schemeClr val="bg1"/>
+                </a:solidFill>
+                <a:latin typeface="Times New Roman" charset="0"/>
+                <a:ea typeface="ＭＳ Ｐゴシック" charset="0"/>
+              </a:defRPr>
+            </a:lvl6pPr>
+            <a:lvl7pPr marL="2971800" indent="-228600" eaLnBrk="0" fontAlgn="base" hangingPunct="0">
+              <a:spcBef>
+                <a:spcPct val="0"/>
+              </a:spcBef>
+              <a:spcAft>
+                <a:spcPct val="0"/>
+              </a:spcAft>
+              <a:tabLst>
+                <a:tab pos="339725" algn="l"/>
+                <a:tab pos="796925" algn="l"/>
+                <a:tab pos="1254125" algn="l"/>
+                <a:tab pos="1711325" algn="l"/>
+                <a:tab pos="2168525" algn="l"/>
+                <a:tab pos="2625725" algn="l"/>
+                <a:tab pos="3082925" algn="l"/>
+                <a:tab pos="3540125" algn="l"/>
+                <a:tab pos="3997325" algn="l"/>
+                <a:tab pos="4454525" algn="l"/>
+                <a:tab pos="4911725" algn="l"/>
+                <a:tab pos="5368925" algn="l"/>
+                <a:tab pos="5826125" algn="l"/>
+                <a:tab pos="6283325" algn="l"/>
+                <a:tab pos="6740525" algn="l"/>
+                <a:tab pos="7197725" algn="l"/>
+                <a:tab pos="7654925" algn="l"/>
+                <a:tab pos="8112125" algn="l"/>
+                <a:tab pos="8569325" algn="l"/>
+                <a:tab pos="9026525" algn="l"/>
+                <a:tab pos="9483725" algn="l"/>
+              </a:tabLst>
+              <a:defRPr sz="2400">
+                <a:solidFill>
+                  <a:schemeClr val="bg1"/>
+                </a:solidFill>
+                <a:latin typeface="Times New Roman" charset="0"/>
+                <a:ea typeface="ＭＳ Ｐゴシック" charset="0"/>
+              </a:defRPr>
+            </a:lvl7pPr>
+            <a:lvl8pPr marL="3429000" indent="-228600" eaLnBrk="0" fontAlgn="base" hangingPunct="0">
+              <a:spcBef>
+                <a:spcPct val="0"/>
+              </a:spcBef>
+              <a:spcAft>
+                <a:spcPct val="0"/>
+              </a:spcAft>
+              <a:tabLst>
+                <a:tab pos="339725" algn="l"/>
+                <a:tab pos="796925" algn="l"/>
+                <a:tab pos="1254125" algn="l"/>
+                <a:tab pos="1711325" algn="l"/>
+                <a:tab pos="2168525" algn="l"/>
+                <a:tab pos="2625725" algn="l"/>
+                <a:tab pos="3082925" algn="l"/>
+                <a:tab pos="3540125" algn="l"/>
+                <a:tab pos="3997325" algn="l"/>
+                <a:tab pos="4454525" algn="l"/>
+                <a:tab pos="4911725" algn="l"/>
+                <a:tab pos="5368925" algn="l"/>
+                <a:tab pos="5826125" algn="l"/>
+                <a:tab pos="6283325" algn="l"/>
+                <a:tab pos="6740525" algn="l"/>
+                <a:tab pos="7197725" algn="l"/>
+                <a:tab pos="7654925" algn="l"/>
+                <a:tab pos="8112125" algn="l"/>
+                <a:tab pos="8569325" algn="l"/>
+                <a:tab pos="9026525" algn="l"/>
+                <a:tab pos="9483725" algn="l"/>
+              </a:tabLst>
+              <a:defRPr sz="2400">
+                <a:solidFill>
+                  <a:schemeClr val="bg1"/>
+                </a:solidFill>
+                <a:latin typeface="Times New Roman" charset="0"/>
+                <a:ea typeface="ＭＳ Ｐゴシック" charset="0"/>
+              </a:defRPr>
+            </a:lvl8pPr>
+            <a:lvl9pPr marL="3886200" indent="-228600" eaLnBrk="0" fontAlgn="base" hangingPunct="0">
+              <a:spcBef>
+                <a:spcPct val="0"/>
+              </a:spcBef>
+              <a:spcAft>
+                <a:spcPct val="0"/>
+              </a:spcAft>
+              <a:tabLst>
+                <a:tab pos="339725" algn="l"/>
+                <a:tab pos="796925" algn="l"/>
+                <a:tab pos="1254125" algn="l"/>
+                <a:tab pos="1711325" algn="l"/>
+                <a:tab pos="2168525" algn="l"/>
+                <a:tab pos="2625725" algn="l"/>
+                <a:tab pos="3082925" algn="l"/>
+                <a:tab pos="3540125" algn="l"/>
+                <a:tab pos="3997325" algn="l"/>
+                <a:tab pos="4454525" algn="l"/>
+                <a:tab pos="4911725" algn="l"/>
+                <a:tab pos="5368925" algn="l"/>
+                <a:tab pos="5826125" algn="l"/>
+                <a:tab pos="6283325" algn="l"/>
+                <a:tab pos="6740525" algn="l"/>
+                <a:tab pos="7197725" algn="l"/>
+                <a:tab pos="7654925" algn="l"/>
+                <a:tab pos="8112125" algn="l"/>
+                <a:tab pos="8569325" algn="l"/>
+                <a:tab pos="9026525" algn="l"/>
+                <a:tab pos="9483725" algn="l"/>
+              </a:tabLst>
+              <a:defRPr sz="2400">
+                <a:solidFill>
+                  <a:schemeClr val="bg1"/>
+                </a:solidFill>
+                <a:latin typeface="Times New Roman" charset="0"/>
+                <a:ea typeface="ＭＳ Ｐゴシック" charset="0"/>
+              </a:defRPr>
+            </a:lvl9pPr>
+          </a:lstStyle>
+          <a:p>
+            <a:pPr eaLnBrk="1" hangingPunct="1">
+              <a:spcBef>
+                <a:spcPts val="800"/>
+              </a:spcBef>
+              <a:buClr>
+                <a:srgbClr val="000000"/>
+              </a:buClr>
+              <a:buSzPct val="100000"/>
+              <a:buFont typeface="Times New Roman" charset="0"/>
+              <a:buChar char="•"/>
+            </a:pPr>
+            <a:r>
+              <a:rPr lang="en-US" sz="3200">
+                <a:solidFill>
+                  <a:srgbClr val="000000"/>
+                </a:solidFill>
+              </a:rPr>
+              <a:t>Since: </a:t>
+            </a:r>
+          </a:p>
+          <a:p>
+            <a:pPr lvl="2" eaLnBrk="1" hangingPunct="1">
+              <a:spcBef>
+                <a:spcPts val="600"/>
+              </a:spcBef>
+              <a:buClr>
+                <a:srgbClr val="000000"/>
+              </a:buClr>
+              <a:buSzPct val="100000"/>
+              <a:buFont typeface="Times New Roman" charset="0"/>
+              <a:buChar char="•"/>
+            </a:pPr>
+            <a:r>
+              <a:rPr lang="en-US">
+                <a:solidFill>
+                  <a:srgbClr val="000000"/>
+                </a:solidFill>
+                <a:cs typeface="MS PGothic" charset="0"/>
+              </a:rPr>
+              <a:t>p(a</a:t>
+            </a:r>
+            <a:r>
+              <a:rPr lang="en-US" baseline="-25000">
+                <a:solidFill>
+                  <a:srgbClr val="000000"/>
+                </a:solidFill>
+                <a:cs typeface="MS PGothic" charset="0"/>
+              </a:rPr>
+              <a:t>1</a:t>
+            </a:r>
+            <a:r>
+              <a:rPr lang="en-US">
+                <a:solidFill>
+                  <a:srgbClr val="000000"/>
+                </a:solidFill>
+                <a:cs typeface="MS PGothic" charset="0"/>
+              </a:rPr>
+              <a:t>)˄…˄p(a</a:t>
+            </a:r>
+            <a:r>
+              <a:rPr lang="en-US" baseline="-25000">
+                <a:solidFill>
+                  <a:srgbClr val="000000"/>
+                </a:solidFill>
+                <a:cs typeface="MS PGothic" charset="0"/>
+              </a:rPr>
+              <a:t>n</a:t>
+            </a:r>
+            <a:r>
+              <a:rPr lang="en-US">
+                <a:solidFill>
+                  <a:srgbClr val="000000"/>
+                </a:solidFill>
+                <a:cs typeface="MS PGothic" charset="0"/>
+              </a:rPr>
+              <a:t>) ⇔ ∀x∈</a:t>
+            </a:r>
+            <a:r>
+              <a:rPr lang="en-US" b="1">
+                <a:solidFill>
+                  <a:srgbClr val="000000"/>
+                </a:solidFill>
+                <a:cs typeface="MS PGothic" charset="0"/>
+              </a:rPr>
+              <a:t>A </a:t>
+            </a:r>
+            <a:r>
+              <a:rPr lang="en-US">
+                <a:solidFill>
+                  <a:srgbClr val="000000"/>
+                </a:solidFill>
+                <a:cs typeface="MS PGothic" charset="0"/>
+              </a:rPr>
+              <a:t>(p(x))</a:t>
+            </a:r>
+          </a:p>
+          <a:p>
+            <a:pPr lvl="2" eaLnBrk="1" hangingPunct="1">
+              <a:spcBef>
+                <a:spcPts val="600"/>
+              </a:spcBef>
+              <a:buClr>
+                <a:srgbClr val="000000"/>
+              </a:buClr>
+              <a:buSzPct val="100000"/>
+              <a:buFont typeface="Times New Roman" charset="0"/>
+              <a:buChar char="•"/>
+            </a:pPr>
+            <a:r>
+              <a:rPr lang="en-US">
+                <a:solidFill>
+                  <a:srgbClr val="000000"/>
+                </a:solidFill>
+                <a:cs typeface="MS PGothic" charset="0"/>
+              </a:rPr>
+              <a:t>p(a</a:t>
+            </a:r>
+            <a:r>
+              <a:rPr lang="en-US" baseline="-25000">
+                <a:solidFill>
+                  <a:srgbClr val="000000"/>
+                </a:solidFill>
+                <a:cs typeface="MS PGothic" charset="0"/>
+              </a:rPr>
+              <a:t>1</a:t>
+            </a:r>
+            <a:r>
+              <a:rPr lang="en-US">
+                <a:solidFill>
+                  <a:srgbClr val="000000"/>
+                </a:solidFill>
+                <a:cs typeface="MS PGothic" charset="0"/>
+              </a:rPr>
+              <a:t>)˅…˅p(a</a:t>
+            </a:r>
+            <a:r>
+              <a:rPr lang="en-US" baseline="-25000">
+                <a:solidFill>
+                  <a:srgbClr val="000000"/>
+                </a:solidFill>
+                <a:cs typeface="MS PGothic" charset="0"/>
+              </a:rPr>
+              <a:t>n</a:t>
+            </a:r>
+            <a:r>
+              <a:rPr lang="en-US">
+                <a:solidFill>
+                  <a:srgbClr val="000000"/>
+                </a:solidFill>
+                <a:cs typeface="MS PGothic" charset="0"/>
+              </a:rPr>
+              <a:t>) ⇔ ∃x∈</a:t>
+            </a:r>
+            <a:r>
+              <a:rPr lang="en-US" b="1">
+                <a:solidFill>
+                  <a:srgbClr val="000000"/>
+                </a:solidFill>
+                <a:cs typeface="MS PGothic" charset="0"/>
+              </a:rPr>
+              <a:t>A </a:t>
+            </a:r>
+            <a:r>
+              <a:rPr lang="en-US">
+                <a:solidFill>
+                  <a:srgbClr val="000000"/>
+                </a:solidFill>
+                <a:cs typeface="MS PGothic" charset="0"/>
+              </a:rPr>
+              <a:t>(p(x)),</a:t>
+            </a:r>
+          </a:p>
+          <a:p>
+            <a:pPr eaLnBrk="1" hangingPunct="1">
+              <a:spcBef>
+                <a:spcPts val="800"/>
+              </a:spcBef>
+              <a:buClr>
+                <a:srgbClr val="000000"/>
+              </a:buClr>
+              <a:buSzPct val="100000"/>
+              <a:buFont typeface="Times New Roman" charset="0"/>
+              <a:buChar char="•"/>
+            </a:pPr>
+            <a:r>
+              <a:rPr lang="en-US" sz="3200">
+                <a:solidFill>
+                  <a:srgbClr val="000000"/>
+                </a:solidFill>
+              </a:rPr>
+              <a:t>Generalized De Morgan’s Laws become:</a:t>
+            </a:r>
+          </a:p>
+          <a:p>
+            <a:pPr lvl="2" eaLnBrk="1" hangingPunct="1">
+              <a:spcBef>
+                <a:spcPts val="600"/>
+              </a:spcBef>
+              <a:buClr>
+                <a:srgbClr val="000000"/>
+              </a:buClr>
+              <a:buSzPct val="100000"/>
+              <a:buFont typeface="Times New Roman" charset="0"/>
+              <a:buChar char="•"/>
+            </a:pPr>
+            <a:r>
+              <a:rPr lang="en-US">
+                <a:solidFill>
+                  <a:srgbClr val="000000"/>
+                </a:solidFill>
+                <a:cs typeface="MS PGothic" charset="0"/>
+              </a:rPr>
+              <a:t>¬(∀x∈</a:t>
+            </a:r>
+            <a:r>
+              <a:rPr lang="en-US" b="1">
+                <a:solidFill>
+                  <a:srgbClr val="000000"/>
+                </a:solidFill>
+                <a:cs typeface="MS PGothic" charset="0"/>
+              </a:rPr>
+              <a:t>A </a:t>
+            </a:r>
+            <a:r>
+              <a:rPr lang="en-US">
+                <a:solidFill>
+                  <a:srgbClr val="000000"/>
+                </a:solidFill>
+                <a:cs typeface="MS PGothic" charset="0"/>
+              </a:rPr>
+              <a:t>(p(x))) ⇔ ∃x∈</a:t>
+            </a:r>
+            <a:r>
+              <a:rPr lang="en-US" b="1">
+                <a:solidFill>
+                  <a:srgbClr val="000000"/>
+                </a:solidFill>
+                <a:cs typeface="MS PGothic" charset="0"/>
+              </a:rPr>
+              <a:t>A </a:t>
+            </a:r>
+            <a:r>
+              <a:rPr lang="en-US">
+                <a:solidFill>
+                  <a:srgbClr val="000000"/>
+                </a:solidFill>
+                <a:cs typeface="MS PGothic" charset="0"/>
+              </a:rPr>
+              <a:t>(¬p(x))</a:t>
+            </a:r>
+          </a:p>
+          <a:p>
+            <a:pPr lvl="2" eaLnBrk="1" hangingPunct="1">
+              <a:spcBef>
+                <a:spcPts val="600"/>
+              </a:spcBef>
+              <a:buClr>
+                <a:srgbClr val="000000"/>
+              </a:buClr>
+              <a:buSzPct val="100000"/>
+              <a:buFont typeface="Times New Roman" charset="0"/>
+              <a:buChar char="•"/>
+            </a:pPr>
+            <a:r>
+              <a:rPr lang="en-US">
+                <a:solidFill>
+                  <a:srgbClr val="000000"/>
+                </a:solidFill>
+                <a:cs typeface="MS PGothic" charset="0"/>
+              </a:rPr>
+              <a:t>¬(∃x∈</a:t>
+            </a:r>
+            <a:r>
+              <a:rPr lang="en-US" b="1">
+                <a:solidFill>
+                  <a:srgbClr val="000000"/>
+                </a:solidFill>
+                <a:cs typeface="MS PGothic" charset="0"/>
+              </a:rPr>
+              <a:t>A </a:t>
+            </a:r>
+            <a:r>
+              <a:rPr lang="en-US">
+                <a:solidFill>
+                  <a:srgbClr val="000000"/>
+                </a:solidFill>
+                <a:cs typeface="MS PGothic" charset="0"/>
+              </a:rPr>
+              <a:t>(p(x))) ⇔ ∀x∈</a:t>
+            </a:r>
+            <a:r>
+              <a:rPr lang="en-US" b="1">
+                <a:solidFill>
+                  <a:srgbClr val="000000"/>
+                </a:solidFill>
+                <a:cs typeface="MS PGothic" charset="0"/>
+              </a:rPr>
+              <a:t>A </a:t>
+            </a:r>
+            <a:r>
+              <a:rPr lang="en-US">
+                <a:solidFill>
+                  <a:srgbClr val="000000"/>
+                </a:solidFill>
+                <a:cs typeface="MS PGothic" charset="0"/>
+              </a:rPr>
+              <a:t>(¬p(x))</a:t>
+            </a:r>
+          </a:p>
+          <a:p>
+            <a:pPr eaLnBrk="1" hangingPunct="1">
+              <a:spcBef>
+                <a:spcPts val="800"/>
+              </a:spcBef>
+              <a:buClr>
+                <a:srgbClr val="000000"/>
+              </a:buClr>
+              <a:buSzPct val="100000"/>
+              <a:buFont typeface="Times New Roman" charset="0"/>
+              <a:buChar char="•"/>
+            </a:pPr>
+            <a:r>
+              <a:rPr lang="en-US" sz="3200">
+                <a:solidFill>
+                  <a:srgbClr val="000000"/>
+                </a:solidFill>
+              </a:rPr>
+              <a:t>and also:</a:t>
+            </a:r>
+          </a:p>
+          <a:p>
+            <a:pPr lvl="2" eaLnBrk="1" hangingPunct="1">
+              <a:spcBef>
+                <a:spcPts val="600"/>
+              </a:spcBef>
+              <a:buClr>
+                <a:srgbClr val="000000"/>
+              </a:buClr>
+              <a:buSzPct val="100000"/>
+              <a:buFont typeface="Times New Roman" charset="0"/>
+              <a:buChar char="•"/>
+            </a:pPr>
+            <a:r>
+              <a:rPr lang="en-US">
+                <a:solidFill>
+                  <a:srgbClr val="000000"/>
+                </a:solidFill>
+                <a:cs typeface="MS PGothic" charset="0"/>
+              </a:rPr>
+              <a:t>∀x∈</a:t>
+            </a:r>
+            <a:r>
+              <a:rPr lang="en-US" b="1">
+                <a:solidFill>
+                  <a:srgbClr val="000000"/>
+                </a:solidFill>
+                <a:cs typeface="MS PGothic" charset="0"/>
+              </a:rPr>
+              <a:t>A </a:t>
+            </a:r>
+            <a:r>
+              <a:rPr lang="en-US">
+                <a:solidFill>
+                  <a:srgbClr val="000000"/>
+                </a:solidFill>
+                <a:cs typeface="MS PGothic" charset="0"/>
+              </a:rPr>
+              <a:t>(p(x)) ⇔ ¬( ∃x∈</a:t>
+            </a:r>
+            <a:r>
+              <a:rPr lang="en-US" b="1">
+                <a:solidFill>
+                  <a:srgbClr val="000000"/>
+                </a:solidFill>
+                <a:cs typeface="MS PGothic" charset="0"/>
+              </a:rPr>
+              <a:t>A </a:t>
+            </a:r>
+            <a:r>
+              <a:rPr lang="en-US">
+                <a:solidFill>
+                  <a:srgbClr val="000000"/>
+                </a:solidFill>
+                <a:cs typeface="MS PGothic" charset="0"/>
+              </a:rPr>
+              <a:t>(¬p(x)) )</a:t>
+            </a:r>
+          </a:p>
+          <a:p>
+            <a:pPr lvl="2" eaLnBrk="1" hangingPunct="1">
+              <a:spcBef>
+                <a:spcPts val="600"/>
+              </a:spcBef>
+              <a:buClr>
+                <a:srgbClr val="000000"/>
+              </a:buClr>
+              <a:buSzPct val="100000"/>
+              <a:buFont typeface="Times New Roman" charset="0"/>
+              <a:buChar char="•"/>
+            </a:pPr>
+            <a:r>
+              <a:rPr lang="en-US">
+                <a:solidFill>
+                  <a:srgbClr val="000000"/>
+                </a:solidFill>
+                <a:cs typeface="MS PGothic" charset="0"/>
+              </a:rPr>
+              <a:t>∃x∈</a:t>
+            </a:r>
+            <a:r>
+              <a:rPr lang="en-US" b="1">
+                <a:solidFill>
+                  <a:srgbClr val="000000"/>
+                </a:solidFill>
+                <a:cs typeface="MS PGothic" charset="0"/>
+              </a:rPr>
+              <a:t>A </a:t>
+            </a:r>
+            <a:r>
+              <a:rPr lang="en-US">
+                <a:solidFill>
+                  <a:srgbClr val="000000"/>
+                </a:solidFill>
+                <a:cs typeface="MS PGothic" charset="0"/>
+              </a:rPr>
+              <a:t>(p(x)) ⇔ ¬( ∀x∈</a:t>
+            </a:r>
+            <a:r>
+              <a:rPr lang="en-US" b="1">
+                <a:solidFill>
+                  <a:srgbClr val="000000"/>
+                </a:solidFill>
+                <a:cs typeface="MS PGothic" charset="0"/>
+              </a:rPr>
+              <a:t>A </a:t>
+            </a:r>
+            <a:r>
+              <a:rPr lang="en-US">
+                <a:solidFill>
+                  <a:srgbClr val="000000"/>
+                </a:solidFill>
+                <a:cs typeface="MS PGothic" charset="0"/>
+              </a:rPr>
+              <a:t>(¬p(x)) )</a:t>
+            </a:r>
+          </a:p>
+          <a:p>
+            <a:pPr lvl="2" eaLnBrk="1" hangingPunct="1">
+              <a:spcBef>
+                <a:spcPts val="600"/>
+              </a:spcBef>
+              <a:buSzPct val="100000"/>
+            </a:pPr>
+            <a:endParaRPr lang="en-US">
+              <a:solidFill>
+                <a:srgbClr val="000000"/>
+              </a:solidFill>
+              <a:cs typeface="MS PGothic" charset="0"/>
+            </a:endParaRPr>
+          </a:p>
+          <a:p>
+            <a:pPr lvl="2" eaLnBrk="1" hangingPunct="1">
+              <a:spcBef>
+                <a:spcPts val="600"/>
+              </a:spcBef>
+              <a:buSzPct val="100000"/>
+            </a:pPr>
+            <a:endParaRPr lang="en-US">
+              <a:solidFill>
+                <a:srgbClr val="000000"/>
+              </a:solidFill>
+              <a:cs typeface="MS PGothic" charset="0"/>
+            </a:endParaRPr>
+          </a:p>
+        </p:txBody>
+      </p:sp>
+    </p:spTree>
+    <p:extLst>
+      <p:ext uri="{BB962C8B-B14F-4D97-AF65-F5344CB8AC3E}">
+        <p14:creationId xmlns:p14="http://schemas.microsoft.com/office/powerpoint/2010/main" val="2689730795"/>
+      </p:ext>
+    </p:extLst>
+  </p:cSld>
+  <p:clrMapOvr>
+    <a:masterClrMapping/>
+  </p:clrMapOvr>
+  <p:transition xmlns:p14="http://schemas.microsoft.com/office/powerpoint/2010/main" spd="med"/>
+  <p:timing>
+    <p:tnLst>
+      <p:par>
+        <p:cTn xmlns:p14="http://schemas.microsoft.com/office/powerpoint/2010/main" id="1" dur="indefinite" restart="never" nodeType="tmRoot">
+          <p:childTnLst>
+            <p:seq concurrent="1" nextAc="seek">
+              <p:cTn id="2" dur="indefinite" nodeType="mainSeq"/>
+              <p:prevCondLst>
+                <p:cond evt="onPrev" delay="0">
+                  <p:tgtEl>
+                    <p:sldTgt/>
+                  </p:tgtEl>
+                </p:cond>
+              </p:prevCondLst>
+              <p:nextCondLst>
+                <p:cond evt="onNext" delay="0">
+                  <p:tgtEl>
+                    <p:sldTgt/>
+                  </p:tgtEl>
+                </p:cond>
+              </p:nextCondLst>
+            </p:seq>
+          </p:childTnLst>
+        </p:cTn>
+      </p:par>
+    </p:tnLst>
+  </p:timing>
+</p:sld>
+</file>
+
+<file path=ppt/slides/slide28.xml><?xml version="1.0" encoding="utf-8"?>
+<p:sld xmlns:a="http://schemas.openxmlformats.org/drawingml/2006/main" xmlns:r="http://schemas.openxmlformats.org/officeDocument/2006/relationships" xmlns:p="http://schemas.openxmlformats.org/presentationml/2006/main">
+  <p:cSld>
+    <p:spTree>
+      <p:nvGrpSpPr>
+        <p:cNvPr id="1" name=""/>
+        <p:cNvGrpSpPr/>
+        <p:nvPr/>
+      </p:nvGrpSpPr>
+      <p:grpSpPr>
+        <a:xfrm>
+          <a:off x="0" y="0"/>
+          <a:ext cx="0" cy="0"/>
+          <a:chOff x="0" y="0"/>
+          <a:chExt cx="0" cy="0"/>
+        </a:xfrm>
+      </p:grpSpPr>
+      <p:sp>
+        <p:nvSpPr>
+          <p:cNvPr id="9218" name="Text Box 1"/>
+          <p:cNvSpPr txBox="1">
+            <a:spLocks noChangeArrowheads="1"/>
+          </p:cNvSpPr>
+          <p:nvPr/>
+        </p:nvSpPr>
+        <p:spPr bwMode="auto">
+          <a:xfrm>
+            <a:off x="914400" y="1981200"/>
+            <a:ext cx="10363200" cy="4554538"/>
+          </a:xfrm>
+          <a:prstGeom prst="rect">
+            <a:avLst/>
+          </a:prstGeom>
+          <a:noFill/>
+          <a:ln>
+            <a:noFill/>
+          </a:ln>
+          <a:effectLst/>
+          <a:extLst>
+            <a:ext uri="{909E8E84-426E-40dd-AFC4-6F175D3DCCD1}">
+              <a14:hiddenFill xmlns:a14="http://schemas.microsoft.com/office/drawing/2010/main">
+                <a:solidFill>
+                  <a:srgbClr val="FFFFFF"/>
+                </a:solidFill>
+              </a14:hiddenFill>
+            </a:ext>
+            <a:ext uri="{91240B29-F687-4f45-9708-019B960494DF}">
+              <a14:hiddenLine xmlns:a14="http://schemas.microsoft.com/office/drawing/2010/main" w="9525">
+                <a:solidFill>
+                  <a:srgbClr val="808080"/>
+                </a:solidFill>
+                <a:round/>
+                <a:headEnd/>
+                <a:tailEnd/>
+              </a14:hiddenLine>
+            </a:ext>
+            <a:ext uri="{AF507438-7753-43e0-B8FC-AC1667EBCBE1}">
+              <a14:hiddenEffects xmlns:a14="http://schemas.microsoft.com/office/drawing/2010/main">
+                <a:effectLst>
+                  <a:outerShdw blurRad="63500" dist="38099" dir="2700000" algn="ctr" rotWithShape="0">
+                    <a:srgbClr val="000000">
+                      <a:alpha val="74998"/>
+                    </a:srgbClr>
+                  </a:outerShdw>
+                </a:effectLst>
+              </a14:hiddenEffects>
+            </a:ext>
+          </a:extLst>
+        </p:spPr>
+        <p:txBody>
+          <a:bodyPr/>
+          <a:lstStyle>
+            <a:lvl1pPr marL="339725" indent="-339725">
+              <a:tabLst>
+                <a:tab pos="339725" algn="l"/>
+                <a:tab pos="796925" algn="l"/>
+                <a:tab pos="1254125" algn="l"/>
+                <a:tab pos="1711325" algn="l"/>
+                <a:tab pos="2168525" algn="l"/>
+                <a:tab pos="2625725" algn="l"/>
+                <a:tab pos="3082925" algn="l"/>
+                <a:tab pos="3540125" algn="l"/>
+                <a:tab pos="3997325" algn="l"/>
+                <a:tab pos="4454525" algn="l"/>
+                <a:tab pos="4911725" algn="l"/>
+                <a:tab pos="5368925" algn="l"/>
+                <a:tab pos="5826125" algn="l"/>
+                <a:tab pos="6283325" algn="l"/>
+                <a:tab pos="6740525" algn="l"/>
+                <a:tab pos="7197725" algn="l"/>
+                <a:tab pos="7654925" algn="l"/>
+                <a:tab pos="8112125" algn="l"/>
+                <a:tab pos="8569325" algn="l"/>
+                <a:tab pos="9026525" algn="l"/>
+                <a:tab pos="9483725" algn="l"/>
+              </a:tabLst>
+              <a:defRPr sz="2400">
+                <a:solidFill>
+                  <a:schemeClr val="bg1"/>
+                </a:solidFill>
+                <a:latin typeface="Times New Roman" charset="0"/>
+                <a:ea typeface="ＭＳ Ｐゴシック" charset="0"/>
+                <a:cs typeface="ＭＳ Ｐゴシック" charset="0"/>
+              </a:defRPr>
+            </a:lvl1pPr>
+            <a:lvl2pPr>
+              <a:tabLst>
+                <a:tab pos="339725" algn="l"/>
+                <a:tab pos="796925" algn="l"/>
+                <a:tab pos="1254125" algn="l"/>
+                <a:tab pos="1711325" algn="l"/>
+                <a:tab pos="2168525" algn="l"/>
+                <a:tab pos="2625725" algn="l"/>
+                <a:tab pos="3082925" algn="l"/>
+                <a:tab pos="3540125" algn="l"/>
+                <a:tab pos="3997325" algn="l"/>
+                <a:tab pos="4454525" algn="l"/>
+                <a:tab pos="4911725" algn="l"/>
+                <a:tab pos="5368925" algn="l"/>
+                <a:tab pos="5826125" algn="l"/>
+                <a:tab pos="6283325" algn="l"/>
+                <a:tab pos="6740525" algn="l"/>
+                <a:tab pos="7197725" algn="l"/>
+                <a:tab pos="7654925" algn="l"/>
+                <a:tab pos="8112125" algn="l"/>
+                <a:tab pos="8569325" algn="l"/>
+                <a:tab pos="9026525" algn="l"/>
+                <a:tab pos="9483725" algn="l"/>
+              </a:tabLst>
+              <a:defRPr sz="2400">
+                <a:solidFill>
+                  <a:schemeClr val="bg1"/>
+                </a:solidFill>
+                <a:latin typeface="Times New Roman" charset="0"/>
+                <a:ea typeface="ＭＳ Ｐゴシック" charset="0"/>
+              </a:defRPr>
+            </a:lvl2pPr>
+            <a:lvl3pPr>
+              <a:tabLst>
+                <a:tab pos="339725" algn="l"/>
+                <a:tab pos="796925" algn="l"/>
+                <a:tab pos="1254125" algn="l"/>
+                <a:tab pos="1711325" algn="l"/>
+                <a:tab pos="2168525" algn="l"/>
+                <a:tab pos="2625725" algn="l"/>
+                <a:tab pos="3082925" algn="l"/>
+                <a:tab pos="3540125" algn="l"/>
+                <a:tab pos="3997325" algn="l"/>
+                <a:tab pos="4454525" algn="l"/>
+                <a:tab pos="4911725" algn="l"/>
+                <a:tab pos="5368925" algn="l"/>
+                <a:tab pos="5826125" algn="l"/>
+                <a:tab pos="6283325" algn="l"/>
+                <a:tab pos="6740525" algn="l"/>
+                <a:tab pos="7197725" algn="l"/>
+                <a:tab pos="7654925" algn="l"/>
+                <a:tab pos="8112125" algn="l"/>
+                <a:tab pos="8569325" algn="l"/>
+                <a:tab pos="9026525" algn="l"/>
+                <a:tab pos="9483725" algn="l"/>
+              </a:tabLst>
+              <a:defRPr sz="2400">
+                <a:solidFill>
+                  <a:schemeClr val="bg1"/>
+                </a:solidFill>
+                <a:latin typeface="Times New Roman" charset="0"/>
+                <a:ea typeface="ＭＳ Ｐゴシック" charset="0"/>
+              </a:defRPr>
+            </a:lvl3pPr>
+            <a:lvl4pPr>
+              <a:tabLst>
+                <a:tab pos="339725" algn="l"/>
+                <a:tab pos="796925" algn="l"/>
+                <a:tab pos="1254125" algn="l"/>
+                <a:tab pos="1711325" algn="l"/>
+                <a:tab pos="2168525" algn="l"/>
+                <a:tab pos="2625725" algn="l"/>
+                <a:tab pos="3082925" algn="l"/>
+                <a:tab pos="3540125" algn="l"/>
+                <a:tab pos="3997325" algn="l"/>
+                <a:tab pos="4454525" algn="l"/>
+                <a:tab pos="4911725" algn="l"/>
+                <a:tab pos="5368925" algn="l"/>
+                <a:tab pos="5826125" algn="l"/>
+                <a:tab pos="6283325" algn="l"/>
+                <a:tab pos="6740525" algn="l"/>
+                <a:tab pos="7197725" algn="l"/>
+                <a:tab pos="7654925" algn="l"/>
+                <a:tab pos="8112125" algn="l"/>
+                <a:tab pos="8569325" algn="l"/>
+                <a:tab pos="9026525" algn="l"/>
+                <a:tab pos="9483725" algn="l"/>
+              </a:tabLst>
+              <a:defRPr sz="2400">
+                <a:solidFill>
+                  <a:schemeClr val="bg1"/>
+                </a:solidFill>
+                <a:latin typeface="Times New Roman" charset="0"/>
+                <a:ea typeface="ＭＳ Ｐゴシック" charset="0"/>
+              </a:defRPr>
+            </a:lvl4pPr>
+            <a:lvl5pPr>
+              <a:tabLst>
+                <a:tab pos="339725" algn="l"/>
+                <a:tab pos="796925" algn="l"/>
+                <a:tab pos="1254125" algn="l"/>
+                <a:tab pos="1711325" algn="l"/>
+                <a:tab pos="2168525" algn="l"/>
+                <a:tab pos="2625725" algn="l"/>
+                <a:tab pos="3082925" algn="l"/>
+                <a:tab pos="3540125" algn="l"/>
+                <a:tab pos="3997325" algn="l"/>
+                <a:tab pos="4454525" algn="l"/>
+                <a:tab pos="4911725" algn="l"/>
+                <a:tab pos="5368925" algn="l"/>
+                <a:tab pos="5826125" algn="l"/>
+                <a:tab pos="6283325" algn="l"/>
+                <a:tab pos="6740525" algn="l"/>
+                <a:tab pos="7197725" algn="l"/>
+                <a:tab pos="7654925" algn="l"/>
+                <a:tab pos="8112125" algn="l"/>
+                <a:tab pos="8569325" algn="l"/>
+                <a:tab pos="9026525" algn="l"/>
+                <a:tab pos="9483725" algn="l"/>
+              </a:tabLst>
+              <a:defRPr sz="2400">
+                <a:solidFill>
+                  <a:schemeClr val="bg1"/>
+                </a:solidFill>
+                <a:latin typeface="Times New Roman" charset="0"/>
+                <a:ea typeface="ＭＳ Ｐゴシック" charset="0"/>
+              </a:defRPr>
+            </a:lvl5pPr>
+            <a:lvl6pPr marL="2514600" indent="-228600" eaLnBrk="0" fontAlgn="base" hangingPunct="0">
+              <a:spcBef>
+                <a:spcPct val="0"/>
+              </a:spcBef>
+              <a:spcAft>
+                <a:spcPct val="0"/>
+              </a:spcAft>
+              <a:tabLst>
+                <a:tab pos="339725" algn="l"/>
+                <a:tab pos="796925" algn="l"/>
+                <a:tab pos="1254125" algn="l"/>
+                <a:tab pos="1711325" algn="l"/>
+                <a:tab pos="2168525" algn="l"/>
+                <a:tab pos="2625725" algn="l"/>
+                <a:tab pos="3082925" algn="l"/>
+                <a:tab pos="3540125" algn="l"/>
+                <a:tab pos="3997325" algn="l"/>
+                <a:tab pos="4454525" algn="l"/>
+                <a:tab pos="4911725" algn="l"/>
+                <a:tab pos="5368925" algn="l"/>
+                <a:tab pos="5826125" algn="l"/>
+                <a:tab pos="6283325" algn="l"/>
+                <a:tab pos="6740525" algn="l"/>
+                <a:tab pos="7197725" algn="l"/>
+                <a:tab pos="7654925" algn="l"/>
+                <a:tab pos="8112125" algn="l"/>
+                <a:tab pos="8569325" algn="l"/>
+                <a:tab pos="9026525" algn="l"/>
+                <a:tab pos="9483725" algn="l"/>
+              </a:tabLst>
+              <a:defRPr sz="2400">
+                <a:solidFill>
+                  <a:schemeClr val="bg1"/>
+                </a:solidFill>
+                <a:latin typeface="Times New Roman" charset="0"/>
+                <a:ea typeface="ＭＳ Ｐゴシック" charset="0"/>
+              </a:defRPr>
+            </a:lvl6pPr>
+            <a:lvl7pPr marL="2971800" indent="-228600" eaLnBrk="0" fontAlgn="base" hangingPunct="0">
+              <a:spcBef>
+                <a:spcPct val="0"/>
+              </a:spcBef>
+              <a:spcAft>
+                <a:spcPct val="0"/>
+              </a:spcAft>
+              <a:tabLst>
+                <a:tab pos="339725" algn="l"/>
+                <a:tab pos="796925" algn="l"/>
+                <a:tab pos="1254125" algn="l"/>
+                <a:tab pos="1711325" algn="l"/>
+                <a:tab pos="2168525" algn="l"/>
+                <a:tab pos="2625725" algn="l"/>
+                <a:tab pos="3082925" algn="l"/>
+                <a:tab pos="3540125" algn="l"/>
+                <a:tab pos="3997325" algn="l"/>
+                <a:tab pos="4454525" algn="l"/>
+                <a:tab pos="4911725" algn="l"/>
+                <a:tab pos="5368925" algn="l"/>
+                <a:tab pos="5826125" algn="l"/>
+                <a:tab pos="6283325" algn="l"/>
+                <a:tab pos="6740525" algn="l"/>
+                <a:tab pos="7197725" algn="l"/>
+                <a:tab pos="7654925" algn="l"/>
+                <a:tab pos="8112125" algn="l"/>
+                <a:tab pos="8569325" algn="l"/>
+                <a:tab pos="9026525" algn="l"/>
+                <a:tab pos="9483725" algn="l"/>
+              </a:tabLst>
+              <a:defRPr sz="2400">
+                <a:solidFill>
+                  <a:schemeClr val="bg1"/>
+                </a:solidFill>
+                <a:latin typeface="Times New Roman" charset="0"/>
+                <a:ea typeface="ＭＳ Ｐゴシック" charset="0"/>
+              </a:defRPr>
+            </a:lvl7pPr>
+            <a:lvl8pPr marL="3429000" indent="-228600" eaLnBrk="0" fontAlgn="base" hangingPunct="0">
+              <a:spcBef>
+                <a:spcPct val="0"/>
+              </a:spcBef>
+              <a:spcAft>
+                <a:spcPct val="0"/>
+              </a:spcAft>
+              <a:tabLst>
+                <a:tab pos="339725" algn="l"/>
+                <a:tab pos="796925" algn="l"/>
+                <a:tab pos="1254125" algn="l"/>
+                <a:tab pos="1711325" algn="l"/>
+                <a:tab pos="2168525" algn="l"/>
+                <a:tab pos="2625725" algn="l"/>
+                <a:tab pos="3082925" algn="l"/>
+                <a:tab pos="3540125" algn="l"/>
+                <a:tab pos="3997325" algn="l"/>
+                <a:tab pos="4454525" algn="l"/>
+                <a:tab pos="4911725" algn="l"/>
+                <a:tab pos="5368925" algn="l"/>
+                <a:tab pos="5826125" algn="l"/>
+                <a:tab pos="6283325" algn="l"/>
+                <a:tab pos="6740525" algn="l"/>
+                <a:tab pos="7197725" algn="l"/>
+                <a:tab pos="7654925" algn="l"/>
+                <a:tab pos="8112125" algn="l"/>
+                <a:tab pos="8569325" algn="l"/>
+                <a:tab pos="9026525" algn="l"/>
+                <a:tab pos="9483725" algn="l"/>
+              </a:tabLst>
+              <a:defRPr sz="2400">
+                <a:solidFill>
+                  <a:schemeClr val="bg1"/>
+                </a:solidFill>
+                <a:latin typeface="Times New Roman" charset="0"/>
+                <a:ea typeface="ＭＳ Ｐゴシック" charset="0"/>
+              </a:defRPr>
+            </a:lvl8pPr>
+            <a:lvl9pPr marL="3886200" indent="-228600" eaLnBrk="0" fontAlgn="base" hangingPunct="0">
+              <a:spcBef>
+                <a:spcPct val="0"/>
+              </a:spcBef>
+              <a:spcAft>
+                <a:spcPct val="0"/>
+              </a:spcAft>
+              <a:tabLst>
+                <a:tab pos="339725" algn="l"/>
+                <a:tab pos="796925" algn="l"/>
+                <a:tab pos="1254125" algn="l"/>
+                <a:tab pos="1711325" algn="l"/>
+                <a:tab pos="2168525" algn="l"/>
+                <a:tab pos="2625725" algn="l"/>
+                <a:tab pos="3082925" algn="l"/>
+                <a:tab pos="3540125" algn="l"/>
+                <a:tab pos="3997325" algn="l"/>
+                <a:tab pos="4454525" algn="l"/>
+                <a:tab pos="4911725" algn="l"/>
+                <a:tab pos="5368925" algn="l"/>
+                <a:tab pos="5826125" algn="l"/>
+                <a:tab pos="6283325" algn="l"/>
+                <a:tab pos="6740525" algn="l"/>
+                <a:tab pos="7197725" algn="l"/>
+                <a:tab pos="7654925" algn="l"/>
+                <a:tab pos="8112125" algn="l"/>
+                <a:tab pos="8569325" algn="l"/>
+                <a:tab pos="9026525" algn="l"/>
+                <a:tab pos="9483725" algn="l"/>
+              </a:tabLst>
+              <a:defRPr sz="2400">
+                <a:solidFill>
+                  <a:schemeClr val="bg1"/>
+                </a:solidFill>
+                <a:latin typeface="Times New Roman" charset="0"/>
+                <a:ea typeface="ＭＳ Ｐゴシック" charset="0"/>
+              </a:defRPr>
+            </a:lvl9pPr>
+          </a:lstStyle>
+          <a:p>
+            <a:pPr eaLnBrk="1" hangingPunct="1">
+              <a:spcBef>
+                <a:spcPts val="800"/>
+              </a:spcBef>
+              <a:buClr>
+                <a:srgbClr val="000000"/>
+              </a:buClr>
+              <a:buSzPct val="100000"/>
+              <a:buFont typeface="Times New Roman" charset="0"/>
+              <a:buChar char="•"/>
+            </a:pPr>
+            <a:r>
+              <a:rPr lang="en-US" sz="3200">
+                <a:solidFill>
+                  <a:srgbClr val="000000"/>
+                </a:solidFill>
+              </a:rPr>
+              <a:t>Set inclusion:</a:t>
+            </a:r>
+            <a:r>
+              <a:rPr lang="en-US" sz="3200" b="1">
+                <a:solidFill>
+                  <a:srgbClr val="000000"/>
+                </a:solidFill>
+              </a:rPr>
+              <a:t> A</a:t>
+            </a:r>
+            <a:r>
+              <a:rPr lang="en-US" sz="3200">
+                <a:solidFill>
+                  <a:srgbClr val="000000"/>
+                </a:solidFill>
+              </a:rPr>
+              <a:t> ⊆ </a:t>
+            </a:r>
+            <a:r>
+              <a:rPr lang="en-US" sz="3200" b="1">
+                <a:solidFill>
+                  <a:srgbClr val="000000"/>
+                </a:solidFill>
+              </a:rPr>
+              <a:t>B</a:t>
+            </a:r>
+            <a:r>
+              <a:rPr lang="en-US" sz="3200">
+                <a:solidFill>
+                  <a:srgbClr val="000000"/>
+                </a:solidFill>
+              </a:rPr>
+              <a:t> </a:t>
+            </a:r>
+          </a:p>
+          <a:p>
+            <a:pPr lvl="2" eaLnBrk="1" hangingPunct="1">
+              <a:spcBef>
+                <a:spcPts val="600"/>
+              </a:spcBef>
+              <a:buClr>
+                <a:srgbClr val="000000"/>
+              </a:buClr>
+              <a:buSzPct val="100000"/>
+              <a:buFont typeface="Times New Roman" charset="0"/>
+              <a:buChar char="•"/>
+            </a:pPr>
+            <a:r>
+              <a:rPr lang="en-US">
+                <a:solidFill>
+                  <a:srgbClr val="000000"/>
+                </a:solidFill>
+                <a:cs typeface="MS PGothic" charset="0"/>
+              </a:rPr>
+              <a:t>∀x∈</a:t>
+            </a:r>
+            <a:r>
+              <a:rPr lang="en-US" b="1">
+                <a:solidFill>
+                  <a:srgbClr val="000000"/>
+                </a:solidFill>
+                <a:cs typeface="MS PGothic" charset="0"/>
+              </a:rPr>
+              <a:t>A </a:t>
+            </a:r>
+            <a:r>
+              <a:rPr lang="en-US">
+                <a:solidFill>
+                  <a:srgbClr val="000000"/>
+                </a:solidFill>
+                <a:cs typeface="MS PGothic" charset="0"/>
+              </a:rPr>
+              <a:t>(x∈</a:t>
+            </a:r>
+            <a:r>
+              <a:rPr lang="en-US" b="1">
+                <a:solidFill>
+                  <a:srgbClr val="000000"/>
+                </a:solidFill>
+                <a:cs typeface="MS PGothic" charset="0"/>
+              </a:rPr>
+              <a:t>B)</a:t>
+            </a:r>
+            <a:r>
+              <a:rPr lang="en-US">
+                <a:solidFill>
+                  <a:srgbClr val="000000"/>
+                </a:solidFill>
+                <a:cs typeface="MS PGothic" charset="0"/>
+              </a:rPr>
+              <a:t> ⇔ ¬(∃x∈</a:t>
+            </a:r>
+            <a:r>
+              <a:rPr lang="en-US" b="1">
+                <a:solidFill>
+                  <a:srgbClr val="000000"/>
+                </a:solidFill>
+                <a:cs typeface="MS PGothic" charset="0"/>
+              </a:rPr>
+              <a:t>A </a:t>
+            </a:r>
+            <a:r>
+              <a:rPr lang="en-US">
+                <a:solidFill>
+                  <a:srgbClr val="000000"/>
+                </a:solidFill>
+                <a:cs typeface="MS PGothic" charset="0"/>
+              </a:rPr>
+              <a:t>(x∉</a:t>
+            </a:r>
+            <a:r>
+              <a:rPr lang="en-US" b="1">
+                <a:solidFill>
+                  <a:srgbClr val="000000"/>
+                </a:solidFill>
+                <a:cs typeface="MS PGothic" charset="0"/>
+              </a:rPr>
+              <a:t>B</a:t>
+            </a:r>
+            <a:r>
+              <a:rPr lang="en-US">
+                <a:solidFill>
+                  <a:srgbClr val="000000"/>
+                </a:solidFill>
+                <a:cs typeface="MS PGothic" charset="0"/>
+              </a:rPr>
+              <a:t>)) ⇔</a:t>
+            </a:r>
+          </a:p>
+          <a:p>
+            <a:pPr lvl="2" eaLnBrk="1" hangingPunct="1">
+              <a:spcBef>
+                <a:spcPts val="600"/>
+              </a:spcBef>
+              <a:buClr>
+                <a:srgbClr val="000000"/>
+              </a:buClr>
+              <a:buSzPct val="100000"/>
+              <a:buFont typeface="Times New Roman" charset="0"/>
+              <a:buChar char="•"/>
+            </a:pPr>
+            <a:r>
+              <a:rPr lang="en-US">
+                <a:solidFill>
+                  <a:srgbClr val="000000"/>
+                </a:solidFill>
+                <a:cs typeface="MS PGothic" charset="0"/>
+              </a:rPr>
+              <a:t>¬(∃x∈</a:t>
+            </a:r>
+            <a:r>
+              <a:rPr lang="en-US" b="1">
+                <a:solidFill>
+                  <a:srgbClr val="000000"/>
+                </a:solidFill>
+                <a:cs typeface="MS PGothic" charset="0"/>
+              </a:rPr>
+              <a:t>A </a:t>
+            </a:r>
+            <a:r>
+              <a:rPr lang="en-US">
+                <a:solidFill>
+                  <a:srgbClr val="000000"/>
+                </a:solidFill>
+                <a:cs typeface="MS PGothic" charset="0"/>
+              </a:rPr>
+              <a:t>¬(∃y∈</a:t>
+            </a:r>
+            <a:r>
+              <a:rPr lang="en-US" b="1">
+                <a:solidFill>
+                  <a:srgbClr val="000000"/>
+                </a:solidFill>
+                <a:cs typeface="MS PGothic" charset="0"/>
+              </a:rPr>
+              <a:t>B</a:t>
+            </a:r>
+            <a:r>
+              <a:rPr lang="en-US">
+                <a:solidFill>
+                  <a:srgbClr val="000000"/>
+                </a:solidFill>
+                <a:cs typeface="MS PGothic" charset="0"/>
+              </a:rPr>
+              <a:t> (x=y)))</a:t>
+            </a:r>
+          </a:p>
+          <a:p>
+            <a:pPr eaLnBrk="1" hangingPunct="1">
+              <a:spcBef>
+                <a:spcPts val="800"/>
+              </a:spcBef>
+              <a:buClr>
+                <a:srgbClr val="000000"/>
+              </a:buClr>
+              <a:buSzPct val="100000"/>
+              <a:buFont typeface="Times New Roman" charset="0"/>
+              <a:buChar char="•"/>
+            </a:pPr>
+            <a:r>
+              <a:rPr lang="en-US" sz="3200">
+                <a:solidFill>
+                  <a:srgbClr val="000000"/>
+                </a:solidFill>
+              </a:rPr>
+              <a:t>Set equality:</a:t>
+            </a:r>
+            <a:r>
+              <a:rPr lang="en-US" sz="3200" b="1">
+                <a:solidFill>
+                  <a:srgbClr val="000000"/>
+                </a:solidFill>
+              </a:rPr>
+              <a:t> A=B </a:t>
+            </a:r>
+            <a:r>
+              <a:rPr lang="en-US" sz="3200">
+                <a:solidFill>
+                  <a:srgbClr val="000000"/>
+                </a:solidFill>
+              </a:rPr>
+              <a:t>⇔ </a:t>
+            </a:r>
+            <a:r>
+              <a:rPr lang="en-US" sz="3200" b="1">
+                <a:solidFill>
+                  <a:srgbClr val="000000"/>
+                </a:solidFill>
+              </a:rPr>
+              <a:t>A</a:t>
+            </a:r>
+            <a:r>
+              <a:rPr lang="en-US" sz="3200">
+                <a:solidFill>
+                  <a:srgbClr val="000000"/>
+                </a:solidFill>
+              </a:rPr>
+              <a:t> ⊆ </a:t>
+            </a:r>
+            <a:r>
+              <a:rPr lang="en-US" sz="3200" b="1">
+                <a:solidFill>
+                  <a:srgbClr val="000000"/>
+                </a:solidFill>
+              </a:rPr>
+              <a:t>B</a:t>
+            </a:r>
+            <a:r>
+              <a:rPr lang="en-US" sz="3200">
+                <a:solidFill>
+                  <a:srgbClr val="000000"/>
+                </a:solidFill>
+              </a:rPr>
+              <a:t> ˄ </a:t>
+            </a:r>
+            <a:r>
+              <a:rPr lang="en-US" sz="3200" b="1">
+                <a:solidFill>
+                  <a:srgbClr val="000000"/>
+                </a:solidFill>
+              </a:rPr>
+              <a:t>B</a:t>
+            </a:r>
+            <a:r>
+              <a:rPr lang="en-US" sz="3200">
+                <a:solidFill>
+                  <a:srgbClr val="000000"/>
+                </a:solidFill>
+              </a:rPr>
+              <a:t> ⊆ </a:t>
+            </a:r>
+            <a:r>
+              <a:rPr lang="en-US" sz="3200" b="1">
+                <a:solidFill>
+                  <a:srgbClr val="000000"/>
+                </a:solidFill>
+              </a:rPr>
+              <a:t>A</a:t>
+            </a:r>
+            <a:r>
+              <a:rPr lang="en-US" sz="3200">
+                <a:solidFill>
+                  <a:srgbClr val="000000"/>
+                </a:solidFill>
+              </a:rPr>
+              <a:t> </a:t>
+            </a:r>
+          </a:p>
+          <a:p>
+            <a:pPr eaLnBrk="1" hangingPunct="1">
+              <a:spcBef>
+                <a:spcPts val="800"/>
+              </a:spcBef>
+              <a:buSzPct val="100000"/>
+            </a:pPr>
+            <a:endParaRPr lang="en-US" sz="3200">
+              <a:solidFill>
+                <a:srgbClr val="000000"/>
+              </a:solidFill>
+            </a:endParaRPr>
+          </a:p>
+          <a:p>
+            <a:pPr eaLnBrk="1" hangingPunct="1">
+              <a:spcBef>
+                <a:spcPts val="800"/>
+              </a:spcBef>
+              <a:buClr>
+                <a:srgbClr val="000000"/>
+              </a:buClr>
+              <a:buSzPct val="100000"/>
+              <a:buFont typeface="Times New Roman" charset="0"/>
+              <a:buChar char="•"/>
+            </a:pPr>
+            <a:r>
+              <a:rPr lang="en-US" sz="3200">
+                <a:solidFill>
+                  <a:srgbClr val="000000"/>
+                </a:solidFill>
+              </a:rPr>
+              <a:t>Implication</a:t>
+            </a:r>
+          </a:p>
+          <a:p>
+            <a:pPr lvl="2" eaLnBrk="1" hangingPunct="1">
+              <a:spcBef>
+                <a:spcPts val="600"/>
+              </a:spcBef>
+              <a:buClr>
+                <a:srgbClr val="000000"/>
+              </a:buClr>
+              <a:buSzPct val="100000"/>
+              <a:buFont typeface="Times New Roman" charset="0"/>
+              <a:buChar char="•"/>
+            </a:pPr>
+            <a:r>
+              <a:rPr lang="en-US">
+                <a:solidFill>
+                  <a:srgbClr val="000000"/>
+                </a:solidFill>
+                <a:cs typeface="MS PGothic" charset="0"/>
+              </a:rPr>
+              <a:t>p(a) → p(b) ⇔ ¬p(a) ˅ p(b)</a:t>
+            </a:r>
+          </a:p>
+          <a:p>
+            <a:pPr lvl="2" eaLnBrk="1" hangingPunct="1">
+              <a:spcBef>
+                <a:spcPts val="600"/>
+              </a:spcBef>
+              <a:buClr>
+                <a:srgbClr val="000000"/>
+              </a:buClr>
+              <a:buSzPct val="100000"/>
+              <a:buFont typeface="Times New Roman" charset="0"/>
+              <a:buChar char="•"/>
+            </a:pPr>
+            <a:r>
+              <a:rPr lang="en-US">
+                <a:solidFill>
+                  <a:srgbClr val="000000"/>
+                </a:solidFill>
+                <a:cs typeface="MS PGothic" charset="0"/>
+              </a:rPr>
+              <a:t>¬ (p(a) → p(b)) ⇔ p(a) ˄ ¬p(b)</a:t>
+            </a:r>
+          </a:p>
+          <a:p>
+            <a:pPr lvl="2" eaLnBrk="1" hangingPunct="1">
+              <a:spcBef>
+                <a:spcPts val="600"/>
+              </a:spcBef>
+              <a:buSzPct val="100000"/>
+            </a:pPr>
+            <a:endParaRPr lang="en-US">
+              <a:solidFill>
+                <a:srgbClr val="000000"/>
+              </a:solidFill>
+              <a:cs typeface="MS PGothic" charset="0"/>
+            </a:endParaRPr>
+          </a:p>
+        </p:txBody>
+      </p:sp>
+      <p:sp>
+        <p:nvSpPr>
+          <p:cNvPr id="9219" name="Text Box 2"/>
+          <p:cNvSpPr txBox="1">
+            <a:spLocks noChangeArrowheads="1"/>
+          </p:cNvSpPr>
+          <p:nvPr/>
+        </p:nvSpPr>
+        <p:spPr bwMode="auto">
+          <a:xfrm>
+            <a:off x="914400" y="609600"/>
+            <a:ext cx="10363200" cy="1143000"/>
+          </a:xfrm>
+          <a:prstGeom prst="rect">
+            <a:avLst/>
+          </a:prstGeom>
+          <a:noFill/>
+          <a:ln>
+            <a:noFill/>
+          </a:ln>
+          <a:effectLst/>
+          <a:extLst>
+            <a:ext uri="{909E8E84-426E-40dd-AFC4-6F175D3DCCD1}">
+              <a14:hiddenFill xmlns:a14="http://schemas.microsoft.com/office/drawing/2010/main">
+                <a:solidFill>
+                  <a:srgbClr val="FFFFFF"/>
+                </a:solidFill>
+              </a14:hiddenFill>
+            </a:ext>
+            <a:ext uri="{91240B29-F687-4f45-9708-019B960494DF}">
+              <a14:hiddenLine xmlns:a14="http://schemas.microsoft.com/office/drawing/2010/main" w="9525">
+                <a:solidFill>
+                  <a:srgbClr val="808080"/>
+                </a:solidFill>
+                <a:round/>
+                <a:headEnd/>
+                <a:tailEnd/>
+              </a14:hiddenLine>
+            </a:ext>
+            <a:ext uri="{AF507438-7753-43e0-B8FC-AC1667EBCBE1}">
+              <a14:hiddenEffects xmlns:a14="http://schemas.microsoft.com/office/drawing/2010/main">
+                <a:effectLst>
+                  <a:outerShdw blurRad="63500" dist="38099" dir="2700000" algn="ctr" rotWithShape="0">
+                    <a:srgbClr val="000000">
+                      <a:alpha val="74998"/>
+                    </a:srgbClr>
+                  </a:outerShdw>
+                </a:effectLst>
+              </a14:hiddenEffects>
+            </a:ext>
+          </a:extLst>
+        </p:spPr>
+        <p:txBody>
+          <a:bodyPr anchor="ctr"/>
+          <a:lstStyle>
+            <a:lvl1pPr>
+              <a:tabLst>
+                <a:tab pos="0" algn="l"/>
+                <a:tab pos="457200" algn="l"/>
+                <a:tab pos="914400" algn="l"/>
+                <a:tab pos="1371600" algn="l"/>
+                <a:tab pos="1828800" algn="l"/>
+                <a:tab pos="2286000" algn="l"/>
+                <a:tab pos="2743200" algn="l"/>
+                <a:tab pos="3200400" algn="l"/>
+                <a:tab pos="3657600" algn="l"/>
+                <a:tab pos="4114800" algn="l"/>
+                <a:tab pos="4572000" algn="l"/>
+                <a:tab pos="5029200" algn="l"/>
+                <a:tab pos="5486400" algn="l"/>
+                <a:tab pos="5943600" algn="l"/>
+                <a:tab pos="6400800" algn="l"/>
+                <a:tab pos="6858000" algn="l"/>
+                <a:tab pos="7315200" algn="l"/>
+                <a:tab pos="7772400" algn="l"/>
+                <a:tab pos="8229600" algn="l"/>
+                <a:tab pos="8686800" algn="l"/>
+                <a:tab pos="9144000" algn="l"/>
+              </a:tabLst>
+              <a:defRPr sz="3200">
+                <a:solidFill>
+                  <a:srgbClr val="000000"/>
+                </a:solidFill>
+                <a:latin typeface="Times New Roman" charset="0"/>
+                <a:ea typeface="ＭＳ Ｐゴシック" charset="0"/>
+                <a:cs typeface="MS PGothic" charset="0"/>
+              </a:defRPr>
+            </a:lvl1pPr>
+            <a:lvl2pPr>
+              <a:tabLst>
+                <a:tab pos="0" algn="l"/>
+                <a:tab pos="457200" algn="l"/>
+                <a:tab pos="914400" algn="l"/>
+                <a:tab pos="1371600" algn="l"/>
+                <a:tab pos="1828800" algn="l"/>
+                <a:tab pos="2286000" algn="l"/>
+                <a:tab pos="2743200" algn="l"/>
+                <a:tab pos="3200400" algn="l"/>
+                <a:tab pos="3657600" algn="l"/>
+                <a:tab pos="4114800" algn="l"/>
+                <a:tab pos="4572000" algn="l"/>
+                <a:tab pos="5029200" algn="l"/>
+                <a:tab pos="5486400" algn="l"/>
+                <a:tab pos="5943600" algn="l"/>
+                <a:tab pos="6400800" algn="l"/>
+                <a:tab pos="6858000" algn="l"/>
+                <a:tab pos="7315200" algn="l"/>
+                <a:tab pos="7772400" algn="l"/>
+                <a:tab pos="8229600" algn="l"/>
+                <a:tab pos="8686800" algn="l"/>
+                <a:tab pos="9144000" algn="l"/>
+              </a:tabLst>
+              <a:defRPr sz="2800">
+                <a:solidFill>
+                  <a:srgbClr val="000000"/>
+                </a:solidFill>
+                <a:latin typeface="Times New Roman" charset="0"/>
+                <a:ea typeface="MS PGothic" charset="0"/>
+                <a:cs typeface="MS PGothic" charset="0"/>
+              </a:defRPr>
+            </a:lvl2pPr>
+            <a:lvl3pPr>
+              <a:tabLst>
+                <a:tab pos="0" algn="l"/>
+                <a:tab pos="457200" algn="l"/>
+                <a:tab pos="914400" algn="l"/>
+                <a:tab pos="1371600" algn="l"/>
+                <a:tab pos="1828800" algn="l"/>
+                <a:tab pos="2286000" algn="l"/>
+                <a:tab pos="2743200" algn="l"/>
+                <a:tab pos="3200400" algn="l"/>
+                <a:tab pos="3657600" algn="l"/>
+                <a:tab pos="4114800" algn="l"/>
+                <a:tab pos="4572000" algn="l"/>
+                <a:tab pos="5029200" algn="l"/>
+                <a:tab pos="5486400" algn="l"/>
+                <a:tab pos="5943600" algn="l"/>
+                <a:tab pos="6400800" algn="l"/>
+                <a:tab pos="6858000" algn="l"/>
+                <a:tab pos="7315200" algn="l"/>
+                <a:tab pos="7772400" algn="l"/>
+                <a:tab pos="8229600" algn="l"/>
+                <a:tab pos="8686800" algn="l"/>
+                <a:tab pos="9144000" algn="l"/>
+              </a:tabLst>
+              <a:defRPr sz="2400">
+                <a:solidFill>
+                  <a:srgbClr val="000000"/>
+                </a:solidFill>
+                <a:latin typeface="Times New Roman" charset="0"/>
+                <a:ea typeface="MS PGothic" charset="0"/>
+                <a:cs typeface="MS PGothic" charset="0"/>
+              </a:defRPr>
+            </a:lvl3pPr>
+            <a:lvl4pPr>
+              <a:tabLst>
+                <a:tab pos="0" algn="l"/>
+                <a:tab pos="457200" algn="l"/>
+                <a:tab pos="914400" algn="l"/>
+                <a:tab pos="1371600" algn="l"/>
+                <a:tab pos="1828800" algn="l"/>
+                <a:tab pos="2286000" algn="l"/>
+                <a:tab pos="2743200" algn="l"/>
+                <a:tab pos="3200400" algn="l"/>
+                <a:tab pos="3657600" algn="l"/>
+                <a:tab pos="4114800" algn="l"/>
+                <a:tab pos="4572000" algn="l"/>
+                <a:tab pos="5029200" algn="l"/>
+                <a:tab pos="5486400" algn="l"/>
+                <a:tab pos="5943600" algn="l"/>
+                <a:tab pos="6400800" algn="l"/>
+                <a:tab pos="6858000" algn="l"/>
+                <a:tab pos="7315200" algn="l"/>
+                <a:tab pos="7772400" algn="l"/>
+                <a:tab pos="8229600" algn="l"/>
+                <a:tab pos="8686800" algn="l"/>
+                <a:tab pos="9144000" algn="l"/>
+              </a:tabLst>
+              <a:defRPr sz="2000">
+                <a:solidFill>
+                  <a:srgbClr val="000000"/>
+                </a:solidFill>
+                <a:latin typeface="Times New Roman" charset="0"/>
+                <a:ea typeface="MS PGothic" charset="0"/>
+                <a:cs typeface="MS PGothic" charset="0"/>
+              </a:defRPr>
+            </a:lvl4pPr>
+            <a:lvl5pPr>
+              <a:tabLst>
+                <a:tab pos="0" algn="l"/>
+                <a:tab pos="457200" algn="l"/>
+                <a:tab pos="914400" algn="l"/>
+                <a:tab pos="1371600" algn="l"/>
+                <a:tab pos="1828800" algn="l"/>
+                <a:tab pos="2286000" algn="l"/>
+                <a:tab pos="2743200" algn="l"/>
+                <a:tab pos="3200400" algn="l"/>
+                <a:tab pos="3657600" algn="l"/>
+                <a:tab pos="4114800" algn="l"/>
+                <a:tab pos="4572000" algn="l"/>
+                <a:tab pos="5029200" algn="l"/>
+                <a:tab pos="5486400" algn="l"/>
+                <a:tab pos="5943600" algn="l"/>
+                <a:tab pos="6400800" algn="l"/>
+                <a:tab pos="6858000" algn="l"/>
+                <a:tab pos="7315200" algn="l"/>
+                <a:tab pos="7772400" algn="l"/>
+                <a:tab pos="8229600" algn="l"/>
+                <a:tab pos="8686800" algn="l"/>
+                <a:tab pos="9144000" algn="l"/>
+              </a:tabLst>
+              <a:defRPr sz="2000">
+                <a:solidFill>
+                  <a:srgbClr val="000000"/>
+                </a:solidFill>
+                <a:latin typeface="Times New Roman" charset="0"/>
+                <a:ea typeface="MS PGothic" charset="0"/>
+                <a:cs typeface="MS PGothic" charset="0"/>
+              </a:defRPr>
+            </a:lvl5pPr>
+            <a:lvl6pPr defTabSz="457200" eaLnBrk="0" fontAlgn="base" hangingPunct="0">
+              <a:spcAft>
+                <a:spcPct val="0"/>
+              </a:spcAft>
+              <a:buClr>
+                <a:srgbClr val="000000"/>
+              </a:buClr>
+              <a:buSzPct val="100000"/>
+              <a:buFont typeface="Times New Roman" charset="0"/>
+              <a:tabLst>
+                <a:tab pos="0" algn="l"/>
+                <a:tab pos="457200" algn="l"/>
+                <a:tab pos="914400" algn="l"/>
+                <a:tab pos="1371600" algn="l"/>
+                <a:tab pos="1828800" algn="l"/>
+                <a:tab pos="2286000" algn="l"/>
+                <a:tab pos="2743200" algn="l"/>
+                <a:tab pos="3200400" algn="l"/>
+                <a:tab pos="3657600" algn="l"/>
+                <a:tab pos="4114800" algn="l"/>
+                <a:tab pos="4572000" algn="l"/>
+                <a:tab pos="5029200" algn="l"/>
+                <a:tab pos="5486400" algn="l"/>
+                <a:tab pos="5943600" algn="l"/>
+                <a:tab pos="6400800" algn="l"/>
+                <a:tab pos="6858000" algn="l"/>
+                <a:tab pos="7315200" algn="l"/>
+                <a:tab pos="7772400" algn="l"/>
+                <a:tab pos="8229600" algn="l"/>
+                <a:tab pos="8686800" algn="l"/>
+                <a:tab pos="9144000" algn="l"/>
+              </a:tabLst>
+              <a:defRPr sz="2000">
+                <a:solidFill>
+                  <a:srgbClr val="000000"/>
+                </a:solidFill>
+                <a:latin typeface="Times New Roman" charset="0"/>
+                <a:ea typeface="MS PGothic" charset="0"/>
+                <a:cs typeface="MS PGothic" charset="0"/>
+              </a:defRPr>
+            </a:lvl6pPr>
+            <a:lvl7pPr defTabSz="457200" eaLnBrk="0" fontAlgn="base" hangingPunct="0">
+              <a:spcAft>
+                <a:spcPct val="0"/>
+              </a:spcAft>
+              <a:buClr>
+                <a:srgbClr val="000000"/>
+              </a:buClr>
+              <a:buSzPct val="100000"/>
+              <a:buFont typeface="Times New Roman" charset="0"/>
+              <a:tabLst>
+                <a:tab pos="0" algn="l"/>
+                <a:tab pos="457200" algn="l"/>
+                <a:tab pos="914400" algn="l"/>
+                <a:tab pos="1371600" algn="l"/>
+                <a:tab pos="1828800" algn="l"/>
+                <a:tab pos="2286000" algn="l"/>
+                <a:tab pos="2743200" algn="l"/>
+                <a:tab pos="3200400" algn="l"/>
+                <a:tab pos="3657600" algn="l"/>
+                <a:tab pos="4114800" algn="l"/>
+                <a:tab pos="4572000" algn="l"/>
+                <a:tab pos="5029200" algn="l"/>
+                <a:tab pos="5486400" algn="l"/>
+                <a:tab pos="5943600" algn="l"/>
+                <a:tab pos="6400800" algn="l"/>
+                <a:tab pos="6858000" algn="l"/>
+                <a:tab pos="7315200" algn="l"/>
+                <a:tab pos="7772400" algn="l"/>
+                <a:tab pos="8229600" algn="l"/>
+                <a:tab pos="8686800" algn="l"/>
+                <a:tab pos="9144000" algn="l"/>
+              </a:tabLst>
+              <a:defRPr sz="2000">
+                <a:solidFill>
+                  <a:srgbClr val="000000"/>
+                </a:solidFill>
+                <a:latin typeface="Times New Roman" charset="0"/>
+                <a:ea typeface="MS PGothic" charset="0"/>
+                <a:cs typeface="MS PGothic" charset="0"/>
+              </a:defRPr>
+            </a:lvl7pPr>
+            <a:lvl8pPr defTabSz="457200" eaLnBrk="0" fontAlgn="base" hangingPunct="0">
+              <a:spcAft>
+                <a:spcPct val="0"/>
+              </a:spcAft>
+              <a:buClr>
+                <a:srgbClr val="000000"/>
+              </a:buClr>
+              <a:buSzPct val="100000"/>
+              <a:buFont typeface="Times New Roman" charset="0"/>
+              <a:tabLst>
+                <a:tab pos="0" algn="l"/>
+                <a:tab pos="457200" algn="l"/>
+                <a:tab pos="914400" algn="l"/>
+                <a:tab pos="1371600" algn="l"/>
+                <a:tab pos="1828800" algn="l"/>
+                <a:tab pos="2286000" algn="l"/>
+                <a:tab pos="2743200" algn="l"/>
+                <a:tab pos="3200400" algn="l"/>
+                <a:tab pos="3657600" algn="l"/>
+                <a:tab pos="4114800" algn="l"/>
+                <a:tab pos="4572000" algn="l"/>
+                <a:tab pos="5029200" algn="l"/>
+                <a:tab pos="5486400" algn="l"/>
+                <a:tab pos="5943600" algn="l"/>
+                <a:tab pos="6400800" algn="l"/>
+                <a:tab pos="6858000" algn="l"/>
+                <a:tab pos="7315200" algn="l"/>
+                <a:tab pos="7772400" algn="l"/>
+                <a:tab pos="8229600" algn="l"/>
+                <a:tab pos="8686800" algn="l"/>
+                <a:tab pos="9144000" algn="l"/>
+              </a:tabLst>
+              <a:defRPr sz="2000">
+                <a:solidFill>
+                  <a:srgbClr val="000000"/>
+                </a:solidFill>
+                <a:latin typeface="Times New Roman" charset="0"/>
+                <a:ea typeface="MS PGothic" charset="0"/>
+                <a:cs typeface="MS PGothic" charset="0"/>
+              </a:defRPr>
+            </a:lvl8pPr>
+            <a:lvl9pPr defTabSz="457200" eaLnBrk="0" fontAlgn="base" hangingPunct="0">
+              <a:spcAft>
+                <a:spcPct val="0"/>
+              </a:spcAft>
+              <a:buClr>
+                <a:srgbClr val="000000"/>
+              </a:buClr>
+              <a:buSzPct val="100000"/>
+              <a:buFont typeface="Times New Roman" charset="0"/>
+              <a:tabLst>
+                <a:tab pos="0" algn="l"/>
+                <a:tab pos="457200" algn="l"/>
+                <a:tab pos="914400" algn="l"/>
+                <a:tab pos="1371600" algn="l"/>
+                <a:tab pos="1828800" algn="l"/>
+                <a:tab pos="2286000" algn="l"/>
+                <a:tab pos="2743200" algn="l"/>
+                <a:tab pos="3200400" algn="l"/>
+                <a:tab pos="3657600" algn="l"/>
+                <a:tab pos="4114800" algn="l"/>
+                <a:tab pos="4572000" algn="l"/>
+                <a:tab pos="5029200" algn="l"/>
+                <a:tab pos="5486400" algn="l"/>
+                <a:tab pos="5943600" algn="l"/>
+                <a:tab pos="6400800" algn="l"/>
+                <a:tab pos="6858000" algn="l"/>
+                <a:tab pos="7315200" algn="l"/>
+                <a:tab pos="7772400" algn="l"/>
+                <a:tab pos="8229600" algn="l"/>
+                <a:tab pos="8686800" algn="l"/>
+                <a:tab pos="9144000" algn="l"/>
+              </a:tabLst>
+              <a:defRPr sz="2000">
+                <a:solidFill>
+                  <a:srgbClr val="000000"/>
+                </a:solidFill>
+                <a:latin typeface="Times New Roman" charset="0"/>
+                <a:ea typeface="MS PGothic" charset="0"/>
+                <a:cs typeface="MS PGothic" charset="0"/>
+              </a:defRPr>
+            </a:lvl9pPr>
+          </a:lstStyle>
+          <a:p>
+            <a:pPr algn="ctr" eaLnBrk="1" hangingPunct="1">
+              <a:buSzPct val="100000"/>
+              <a:defRPr/>
+            </a:pPr>
+            <a:r>
+              <a:rPr lang="en-US" sz="4400" smtClean="0"/>
+              <a:t>A little bit of logic</a:t>
+            </a:r>
+          </a:p>
+        </p:txBody>
+      </p:sp>
+    </p:spTree>
+    <p:extLst>
+      <p:ext uri="{BB962C8B-B14F-4D97-AF65-F5344CB8AC3E}">
+        <p14:creationId xmlns:p14="http://schemas.microsoft.com/office/powerpoint/2010/main" val="1825608842"/>
+      </p:ext>
+    </p:extLst>
+  </p:cSld>
+  <p:clrMapOvr>
+    <a:masterClrMapping/>
+  </p:clrMapOvr>
+  <p:transition xmlns:p14="http://schemas.microsoft.com/office/powerpoint/2010/main" spd="med"/>
+  <p:timing>
+    <p:tnLst>
+      <p:par>
+        <p:cTn xmlns:p14="http://schemas.microsoft.com/office/powerpoint/2010/main" id="1" dur="indefinite" restart="never" nodeType="tmRoot">
+          <p:childTnLst>
+            <p:seq concurrent="1" nextAc="seek">
+              <p:cTn id="2" dur="indefinite" nodeType="mainSeq"/>
+              <p:prevCondLst>
+                <p:cond evt="onPrev" delay="0">
+                  <p:tgtEl>
+                    <p:sldTgt/>
+                  </p:tgtEl>
+                </p:cond>
+              </p:prevCondLst>
+              <p:nextCondLst>
+                <p:cond evt="onNext" delay="0">
+                  <p:tgtEl>
+                    <p:sldTgt/>
+                  </p:tgtEl>
+                </p:cond>
+              </p:nextCondLst>
+            </p:seq>
+          </p:childTnLst>
+        </p:cTn>
+      </p:par>
+    </p:tnLst>
+  </p:timing>
+</p:sld>
+</file>
+
+<file path=ppt/slides/slide29.xml><?xml version="1.0" encoding="utf-8"?>
+<p:sld xmlns:a="http://schemas.openxmlformats.org/drawingml/2006/main" xmlns:r="http://schemas.openxmlformats.org/officeDocument/2006/relationships" xmlns:p="http://schemas.openxmlformats.org/presentationml/2006/main">
+  <p:cSld>
+    <p:spTree>
+      <p:nvGrpSpPr>
+        <p:cNvPr id="1" name=""/>
+        <p:cNvGrpSpPr/>
+        <p:nvPr/>
+      </p:nvGrpSpPr>
+      <p:grpSpPr>
+        <a:xfrm>
+          <a:off x="0" y="0"/>
+          <a:ext cx="0" cy="0"/>
+          <a:chOff x="0" y="0"/>
+          <a:chExt cx="0" cy="0"/>
+        </a:xfrm>
+      </p:grpSpPr>
+      <p:sp>
+        <p:nvSpPr>
+          <p:cNvPr id="11266" name="Text Box 1"/>
+          <p:cNvSpPr txBox="1">
+            <a:spLocks noChangeArrowheads="1"/>
+          </p:cNvSpPr>
+          <p:nvPr/>
+        </p:nvSpPr>
+        <p:spPr bwMode="auto">
+          <a:xfrm>
+            <a:off x="914400" y="1981200"/>
+            <a:ext cx="10363200" cy="4554538"/>
+          </a:xfrm>
+          <a:prstGeom prst="rect">
+            <a:avLst/>
+          </a:prstGeom>
+          <a:noFill/>
+          <a:ln>
+            <a:noFill/>
+          </a:ln>
+          <a:effectLst/>
+          <a:extLst>
+            <a:ext uri="{909E8E84-426E-40dd-AFC4-6F175D3DCCD1}">
+              <a14:hiddenFill xmlns:a14="http://schemas.microsoft.com/office/drawing/2010/main">
+                <a:solidFill>
+                  <a:srgbClr val="FFFFFF"/>
+                </a:solidFill>
+              </a14:hiddenFill>
+            </a:ext>
+            <a:ext uri="{91240B29-F687-4f45-9708-019B960494DF}">
+              <a14:hiddenLine xmlns:a14="http://schemas.microsoft.com/office/drawing/2010/main" w="9525">
+                <a:solidFill>
+                  <a:srgbClr val="808080"/>
+                </a:solidFill>
+                <a:round/>
+                <a:headEnd/>
+                <a:tailEnd/>
+              </a14:hiddenLine>
+            </a:ext>
+            <a:ext uri="{AF507438-7753-43e0-B8FC-AC1667EBCBE1}">
+              <a14:hiddenEffects xmlns:a14="http://schemas.microsoft.com/office/drawing/2010/main">
+                <a:effectLst>
+                  <a:outerShdw blurRad="63500" dist="38099" dir="2700000" algn="ctr" rotWithShape="0">
+                    <a:srgbClr val="000000">
+                      <a:alpha val="74998"/>
+                    </a:srgbClr>
+                  </a:outerShdw>
+                </a:effectLst>
+              </a14:hiddenEffects>
+            </a:ext>
+          </a:extLst>
+        </p:spPr>
+        <p:txBody>
+          <a:bodyPr/>
+          <a:lstStyle>
+            <a:lvl1pPr marL="339725" indent="-339725">
+              <a:tabLst>
+                <a:tab pos="339725" algn="l"/>
+                <a:tab pos="796925" algn="l"/>
+                <a:tab pos="1254125" algn="l"/>
+                <a:tab pos="1711325" algn="l"/>
+                <a:tab pos="2168525" algn="l"/>
+                <a:tab pos="2625725" algn="l"/>
+                <a:tab pos="3082925" algn="l"/>
+                <a:tab pos="3540125" algn="l"/>
+                <a:tab pos="3997325" algn="l"/>
+                <a:tab pos="4454525" algn="l"/>
+                <a:tab pos="4911725" algn="l"/>
+                <a:tab pos="5368925" algn="l"/>
+                <a:tab pos="5826125" algn="l"/>
+                <a:tab pos="6283325" algn="l"/>
+                <a:tab pos="6740525" algn="l"/>
+                <a:tab pos="7197725" algn="l"/>
+                <a:tab pos="7654925" algn="l"/>
+                <a:tab pos="8112125" algn="l"/>
+                <a:tab pos="8569325" algn="l"/>
+                <a:tab pos="9026525" algn="l"/>
+                <a:tab pos="9483725" algn="l"/>
+              </a:tabLst>
+              <a:defRPr sz="2400">
+                <a:solidFill>
+                  <a:schemeClr val="bg1"/>
+                </a:solidFill>
+                <a:latin typeface="Times New Roman" charset="0"/>
+                <a:ea typeface="ＭＳ Ｐゴシック" charset="0"/>
+                <a:cs typeface="ＭＳ Ｐゴシック" charset="0"/>
+              </a:defRPr>
+            </a:lvl1pPr>
+            <a:lvl2pPr>
+              <a:tabLst>
+                <a:tab pos="339725" algn="l"/>
+                <a:tab pos="796925" algn="l"/>
+                <a:tab pos="1254125" algn="l"/>
+                <a:tab pos="1711325" algn="l"/>
+                <a:tab pos="2168525" algn="l"/>
+                <a:tab pos="2625725" algn="l"/>
+                <a:tab pos="3082925" algn="l"/>
+                <a:tab pos="3540125" algn="l"/>
+                <a:tab pos="3997325" algn="l"/>
+                <a:tab pos="4454525" algn="l"/>
+                <a:tab pos="4911725" algn="l"/>
+                <a:tab pos="5368925" algn="l"/>
+                <a:tab pos="5826125" algn="l"/>
+                <a:tab pos="6283325" algn="l"/>
+                <a:tab pos="6740525" algn="l"/>
+                <a:tab pos="7197725" algn="l"/>
+                <a:tab pos="7654925" algn="l"/>
+                <a:tab pos="8112125" algn="l"/>
+                <a:tab pos="8569325" algn="l"/>
+                <a:tab pos="9026525" algn="l"/>
+                <a:tab pos="9483725" algn="l"/>
+              </a:tabLst>
+              <a:defRPr sz="2400">
+                <a:solidFill>
+                  <a:schemeClr val="bg1"/>
+                </a:solidFill>
+                <a:latin typeface="Times New Roman" charset="0"/>
+                <a:ea typeface="ＭＳ Ｐゴシック" charset="0"/>
+              </a:defRPr>
+            </a:lvl2pPr>
+            <a:lvl3pPr>
+              <a:tabLst>
+                <a:tab pos="339725" algn="l"/>
+                <a:tab pos="796925" algn="l"/>
+                <a:tab pos="1254125" algn="l"/>
+                <a:tab pos="1711325" algn="l"/>
+                <a:tab pos="2168525" algn="l"/>
+                <a:tab pos="2625725" algn="l"/>
+                <a:tab pos="3082925" algn="l"/>
+                <a:tab pos="3540125" algn="l"/>
+                <a:tab pos="3997325" algn="l"/>
+                <a:tab pos="4454525" algn="l"/>
+                <a:tab pos="4911725" algn="l"/>
+                <a:tab pos="5368925" algn="l"/>
+                <a:tab pos="5826125" algn="l"/>
+                <a:tab pos="6283325" algn="l"/>
+                <a:tab pos="6740525" algn="l"/>
+                <a:tab pos="7197725" algn="l"/>
+                <a:tab pos="7654925" algn="l"/>
+                <a:tab pos="8112125" algn="l"/>
+                <a:tab pos="8569325" algn="l"/>
+                <a:tab pos="9026525" algn="l"/>
+                <a:tab pos="9483725" algn="l"/>
+              </a:tabLst>
+              <a:defRPr sz="2400">
+                <a:solidFill>
+                  <a:schemeClr val="bg1"/>
+                </a:solidFill>
+                <a:latin typeface="Times New Roman" charset="0"/>
+                <a:ea typeface="ＭＳ Ｐゴシック" charset="0"/>
+              </a:defRPr>
+            </a:lvl3pPr>
+            <a:lvl4pPr>
+              <a:tabLst>
+                <a:tab pos="339725" algn="l"/>
+                <a:tab pos="796925" algn="l"/>
+                <a:tab pos="1254125" algn="l"/>
+                <a:tab pos="1711325" algn="l"/>
+                <a:tab pos="2168525" algn="l"/>
+                <a:tab pos="2625725" algn="l"/>
+                <a:tab pos="3082925" algn="l"/>
+                <a:tab pos="3540125" algn="l"/>
+                <a:tab pos="3997325" algn="l"/>
+                <a:tab pos="4454525" algn="l"/>
+                <a:tab pos="4911725" algn="l"/>
+                <a:tab pos="5368925" algn="l"/>
+                <a:tab pos="5826125" algn="l"/>
+                <a:tab pos="6283325" algn="l"/>
+                <a:tab pos="6740525" algn="l"/>
+                <a:tab pos="7197725" algn="l"/>
+                <a:tab pos="7654925" algn="l"/>
+                <a:tab pos="8112125" algn="l"/>
+                <a:tab pos="8569325" algn="l"/>
+                <a:tab pos="9026525" algn="l"/>
+                <a:tab pos="9483725" algn="l"/>
+              </a:tabLst>
+              <a:defRPr sz="2400">
+                <a:solidFill>
+                  <a:schemeClr val="bg1"/>
+                </a:solidFill>
+                <a:latin typeface="Times New Roman" charset="0"/>
+                <a:ea typeface="ＭＳ Ｐゴシック" charset="0"/>
+              </a:defRPr>
+            </a:lvl4pPr>
+            <a:lvl5pPr>
+              <a:tabLst>
+                <a:tab pos="339725" algn="l"/>
+                <a:tab pos="796925" algn="l"/>
+                <a:tab pos="1254125" algn="l"/>
+                <a:tab pos="1711325" algn="l"/>
+                <a:tab pos="2168525" algn="l"/>
+                <a:tab pos="2625725" algn="l"/>
+                <a:tab pos="3082925" algn="l"/>
+                <a:tab pos="3540125" algn="l"/>
+                <a:tab pos="3997325" algn="l"/>
+                <a:tab pos="4454525" algn="l"/>
+                <a:tab pos="4911725" algn="l"/>
+                <a:tab pos="5368925" algn="l"/>
+                <a:tab pos="5826125" algn="l"/>
+                <a:tab pos="6283325" algn="l"/>
+                <a:tab pos="6740525" algn="l"/>
+                <a:tab pos="7197725" algn="l"/>
+                <a:tab pos="7654925" algn="l"/>
+                <a:tab pos="8112125" algn="l"/>
+                <a:tab pos="8569325" algn="l"/>
+                <a:tab pos="9026525" algn="l"/>
+                <a:tab pos="9483725" algn="l"/>
+              </a:tabLst>
+              <a:defRPr sz="2400">
+                <a:solidFill>
+                  <a:schemeClr val="bg1"/>
+                </a:solidFill>
+                <a:latin typeface="Times New Roman" charset="0"/>
+                <a:ea typeface="ＭＳ Ｐゴシック" charset="0"/>
+              </a:defRPr>
+            </a:lvl5pPr>
+            <a:lvl6pPr marL="2514600" indent="-228600" eaLnBrk="0" fontAlgn="base" hangingPunct="0">
+              <a:spcBef>
+                <a:spcPct val="0"/>
+              </a:spcBef>
+              <a:spcAft>
+                <a:spcPct val="0"/>
+              </a:spcAft>
+              <a:tabLst>
+                <a:tab pos="339725" algn="l"/>
+                <a:tab pos="796925" algn="l"/>
+                <a:tab pos="1254125" algn="l"/>
+                <a:tab pos="1711325" algn="l"/>
+                <a:tab pos="2168525" algn="l"/>
+                <a:tab pos="2625725" algn="l"/>
+                <a:tab pos="3082925" algn="l"/>
+                <a:tab pos="3540125" algn="l"/>
+                <a:tab pos="3997325" algn="l"/>
+                <a:tab pos="4454525" algn="l"/>
+                <a:tab pos="4911725" algn="l"/>
+                <a:tab pos="5368925" algn="l"/>
+                <a:tab pos="5826125" algn="l"/>
+                <a:tab pos="6283325" algn="l"/>
+                <a:tab pos="6740525" algn="l"/>
+                <a:tab pos="7197725" algn="l"/>
+                <a:tab pos="7654925" algn="l"/>
+                <a:tab pos="8112125" algn="l"/>
+                <a:tab pos="8569325" algn="l"/>
+                <a:tab pos="9026525" algn="l"/>
+                <a:tab pos="9483725" algn="l"/>
+              </a:tabLst>
+              <a:defRPr sz="2400">
+                <a:solidFill>
+                  <a:schemeClr val="bg1"/>
+                </a:solidFill>
+                <a:latin typeface="Times New Roman" charset="0"/>
+                <a:ea typeface="ＭＳ Ｐゴシック" charset="0"/>
+              </a:defRPr>
+            </a:lvl6pPr>
+            <a:lvl7pPr marL="2971800" indent="-228600" eaLnBrk="0" fontAlgn="base" hangingPunct="0">
+              <a:spcBef>
+                <a:spcPct val="0"/>
+              </a:spcBef>
+              <a:spcAft>
+                <a:spcPct val="0"/>
+              </a:spcAft>
+              <a:tabLst>
+                <a:tab pos="339725" algn="l"/>
+                <a:tab pos="796925" algn="l"/>
+                <a:tab pos="1254125" algn="l"/>
+                <a:tab pos="1711325" algn="l"/>
+                <a:tab pos="2168525" algn="l"/>
+                <a:tab pos="2625725" algn="l"/>
+                <a:tab pos="3082925" algn="l"/>
+                <a:tab pos="3540125" algn="l"/>
+                <a:tab pos="3997325" algn="l"/>
+                <a:tab pos="4454525" algn="l"/>
+                <a:tab pos="4911725" algn="l"/>
+                <a:tab pos="5368925" algn="l"/>
+                <a:tab pos="5826125" algn="l"/>
+                <a:tab pos="6283325" algn="l"/>
+                <a:tab pos="6740525" algn="l"/>
+                <a:tab pos="7197725" algn="l"/>
+                <a:tab pos="7654925" algn="l"/>
+                <a:tab pos="8112125" algn="l"/>
+                <a:tab pos="8569325" algn="l"/>
+                <a:tab pos="9026525" algn="l"/>
+                <a:tab pos="9483725" algn="l"/>
+              </a:tabLst>
+              <a:defRPr sz="2400">
+                <a:solidFill>
+                  <a:schemeClr val="bg1"/>
+                </a:solidFill>
+                <a:latin typeface="Times New Roman" charset="0"/>
+                <a:ea typeface="ＭＳ Ｐゴシック" charset="0"/>
+              </a:defRPr>
+            </a:lvl7pPr>
+            <a:lvl8pPr marL="3429000" indent="-228600" eaLnBrk="0" fontAlgn="base" hangingPunct="0">
+              <a:spcBef>
+                <a:spcPct val="0"/>
+              </a:spcBef>
+              <a:spcAft>
+                <a:spcPct val="0"/>
+              </a:spcAft>
+              <a:tabLst>
+                <a:tab pos="339725" algn="l"/>
+                <a:tab pos="796925" algn="l"/>
+                <a:tab pos="1254125" algn="l"/>
+                <a:tab pos="1711325" algn="l"/>
+                <a:tab pos="2168525" algn="l"/>
+                <a:tab pos="2625725" algn="l"/>
+                <a:tab pos="3082925" algn="l"/>
+                <a:tab pos="3540125" algn="l"/>
+                <a:tab pos="3997325" algn="l"/>
+                <a:tab pos="4454525" algn="l"/>
+                <a:tab pos="4911725" algn="l"/>
+                <a:tab pos="5368925" algn="l"/>
+                <a:tab pos="5826125" algn="l"/>
+                <a:tab pos="6283325" algn="l"/>
+                <a:tab pos="6740525" algn="l"/>
+                <a:tab pos="7197725" algn="l"/>
+                <a:tab pos="7654925" algn="l"/>
+                <a:tab pos="8112125" algn="l"/>
+                <a:tab pos="8569325" algn="l"/>
+                <a:tab pos="9026525" algn="l"/>
+                <a:tab pos="9483725" algn="l"/>
+              </a:tabLst>
+              <a:defRPr sz="2400">
+                <a:solidFill>
+                  <a:schemeClr val="bg1"/>
+                </a:solidFill>
+                <a:latin typeface="Times New Roman" charset="0"/>
+                <a:ea typeface="ＭＳ Ｐゴシック" charset="0"/>
+              </a:defRPr>
+            </a:lvl8pPr>
+            <a:lvl9pPr marL="3886200" indent="-228600" eaLnBrk="0" fontAlgn="base" hangingPunct="0">
+              <a:spcBef>
+                <a:spcPct val="0"/>
+              </a:spcBef>
+              <a:spcAft>
+                <a:spcPct val="0"/>
+              </a:spcAft>
+              <a:tabLst>
+                <a:tab pos="339725" algn="l"/>
+                <a:tab pos="796925" algn="l"/>
+                <a:tab pos="1254125" algn="l"/>
+                <a:tab pos="1711325" algn="l"/>
+                <a:tab pos="2168525" algn="l"/>
+                <a:tab pos="2625725" algn="l"/>
+                <a:tab pos="3082925" algn="l"/>
+                <a:tab pos="3540125" algn="l"/>
+                <a:tab pos="3997325" algn="l"/>
+                <a:tab pos="4454525" algn="l"/>
+                <a:tab pos="4911725" algn="l"/>
+                <a:tab pos="5368925" algn="l"/>
+                <a:tab pos="5826125" algn="l"/>
+                <a:tab pos="6283325" algn="l"/>
+                <a:tab pos="6740525" algn="l"/>
+                <a:tab pos="7197725" algn="l"/>
+                <a:tab pos="7654925" algn="l"/>
+                <a:tab pos="8112125" algn="l"/>
+                <a:tab pos="8569325" algn="l"/>
+                <a:tab pos="9026525" algn="l"/>
+                <a:tab pos="9483725" algn="l"/>
+              </a:tabLst>
+              <a:defRPr sz="2400">
+                <a:solidFill>
+                  <a:schemeClr val="bg1"/>
+                </a:solidFill>
+                <a:latin typeface="Times New Roman" charset="0"/>
+                <a:ea typeface="ＭＳ Ｐゴシック" charset="0"/>
+              </a:defRPr>
+            </a:lvl9pPr>
+          </a:lstStyle>
+          <a:p>
+            <a:pPr eaLnBrk="1" hangingPunct="1">
+              <a:spcBef>
+                <a:spcPts val="800"/>
+              </a:spcBef>
+              <a:buClr>
+                <a:srgbClr val="000000"/>
+              </a:buClr>
+              <a:buSzPct val="100000"/>
+              <a:buFont typeface="Times New Roman" charset="0"/>
+              <a:buChar char="•"/>
+            </a:pPr>
+            <a:r>
+              <a:rPr lang="en-US" sz="3200">
+                <a:solidFill>
+                  <a:srgbClr val="000000"/>
+                </a:solidFill>
+              </a:rPr>
+              <a:t>Min aggregate:</a:t>
+            </a:r>
+            <a:r>
+              <a:rPr lang="en-US" sz="3200" b="1">
+                <a:solidFill>
+                  <a:srgbClr val="000000"/>
+                </a:solidFill>
+              </a:rPr>
+              <a:t> </a:t>
+            </a:r>
+            <a:r>
+              <a:rPr lang="en-US" sz="3200">
+                <a:solidFill>
+                  <a:srgbClr val="000000"/>
+                </a:solidFill>
+              </a:rPr>
+              <a:t>a</a:t>
+            </a:r>
+            <a:r>
+              <a:rPr lang="en-US" sz="3200" b="1">
+                <a:solidFill>
+                  <a:srgbClr val="000000"/>
+                </a:solidFill>
+              </a:rPr>
+              <a:t> = </a:t>
+            </a:r>
+            <a:r>
+              <a:rPr lang="en-US" sz="3200">
+                <a:solidFill>
+                  <a:srgbClr val="000000"/>
+                </a:solidFill>
+              </a:rPr>
+              <a:t>min(</a:t>
+            </a:r>
+            <a:r>
+              <a:rPr lang="en-US" sz="3200" b="1">
+                <a:solidFill>
+                  <a:srgbClr val="000000"/>
+                </a:solidFill>
+              </a:rPr>
+              <a:t>A</a:t>
+            </a:r>
+            <a:r>
+              <a:rPr lang="en-US" sz="3200">
+                <a:solidFill>
+                  <a:srgbClr val="000000"/>
+                </a:solidFill>
+              </a:rPr>
+              <a:t>), where a∈</a:t>
+            </a:r>
+            <a:r>
+              <a:rPr lang="en-US" sz="3200" b="1">
+                <a:solidFill>
+                  <a:srgbClr val="000000"/>
+                </a:solidFill>
+              </a:rPr>
+              <a:t>A</a:t>
+            </a:r>
+            <a:endParaRPr lang="en-US" sz="3200">
+              <a:solidFill>
+                <a:srgbClr val="000000"/>
+              </a:solidFill>
+            </a:endParaRPr>
+          </a:p>
+          <a:p>
+            <a:pPr lvl="2" eaLnBrk="1" hangingPunct="1">
+              <a:spcBef>
+                <a:spcPts val="600"/>
+              </a:spcBef>
+              <a:buClr>
+                <a:srgbClr val="000000"/>
+              </a:buClr>
+              <a:buSzPct val="100000"/>
+              <a:buFont typeface="Times New Roman" charset="0"/>
+              <a:buChar char="•"/>
+            </a:pPr>
+            <a:r>
+              <a:rPr lang="en-US">
+                <a:solidFill>
+                  <a:srgbClr val="000000"/>
+                </a:solidFill>
+                <a:cs typeface="MS PGothic" charset="0"/>
+              </a:rPr>
+              <a:t>∀x∈</a:t>
+            </a:r>
+            <a:r>
+              <a:rPr lang="en-US" b="1">
+                <a:solidFill>
+                  <a:srgbClr val="000000"/>
+                </a:solidFill>
+                <a:cs typeface="MS PGothic" charset="0"/>
+              </a:rPr>
+              <a:t>A </a:t>
+            </a:r>
+            <a:r>
+              <a:rPr lang="en-US">
+                <a:solidFill>
+                  <a:srgbClr val="000000"/>
+                </a:solidFill>
+                <a:cs typeface="MS PGothic" charset="0"/>
+              </a:rPr>
+              <a:t>(a ≤ x</a:t>
+            </a:r>
+            <a:r>
+              <a:rPr lang="en-US" b="1">
+                <a:solidFill>
+                  <a:srgbClr val="000000"/>
+                </a:solidFill>
+                <a:cs typeface="MS PGothic" charset="0"/>
+              </a:rPr>
+              <a:t>)</a:t>
+            </a:r>
+            <a:r>
+              <a:rPr lang="en-US">
+                <a:solidFill>
+                  <a:srgbClr val="000000"/>
+                </a:solidFill>
+                <a:cs typeface="MS PGothic" charset="0"/>
+              </a:rPr>
+              <a:t> ⇔ ¬(∃x∈</a:t>
+            </a:r>
+            <a:r>
+              <a:rPr lang="en-US" b="1">
+                <a:solidFill>
+                  <a:srgbClr val="000000"/>
+                </a:solidFill>
+                <a:cs typeface="MS PGothic" charset="0"/>
+              </a:rPr>
+              <a:t>A </a:t>
+            </a:r>
+            <a:r>
+              <a:rPr lang="en-US">
+                <a:solidFill>
+                  <a:srgbClr val="000000"/>
+                </a:solidFill>
+                <a:cs typeface="MS PGothic" charset="0"/>
+              </a:rPr>
+              <a:t>(a &gt; x))</a:t>
+            </a:r>
+          </a:p>
+          <a:p>
+            <a:pPr eaLnBrk="1" hangingPunct="1">
+              <a:spcBef>
+                <a:spcPts val="600"/>
+              </a:spcBef>
+              <a:buClr>
+                <a:srgbClr val="000000"/>
+              </a:buClr>
+              <a:buSzPct val="100000"/>
+              <a:buFont typeface="Times New Roman" charset="0"/>
+              <a:buChar char="•"/>
+            </a:pPr>
+            <a:endParaRPr lang="en-US">
+              <a:solidFill>
+                <a:srgbClr val="000000"/>
+              </a:solidFill>
+            </a:endParaRPr>
+          </a:p>
+          <a:p>
+            <a:pPr eaLnBrk="1" hangingPunct="1">
+              <a:spcBef>
+                <a:spcPts val="800"/>
+              </a:spcBef>
+              <a:buClr>
+                <a:srgbClr val="000000"/>
+              </a:buClr>
+              <a:buSzPct val="100000"/>
+              <a:buFont typeface="Times New Roman" charset="0"/>
+              <a:buChar char="•"/>
+            </a:pPr>
+            <a:r>
+              <a:rPr lang="en-US" sz="3200">
+                <a:solidFill>
+                  <a:srgbClr val="000000"/>
+                </a:solidFill>
+              </a:rPr>
+              <a:t>Max aggregate:</a:t>
+            </a:r>
+            <a:r>
+              <a:rPr lang="en-US" sz="3200" b="1">
+                <a:solidFill>
+                  <a:srgbClr val="000000"/>
+                </a:solidFill>
+              </a:rPr>
+              <a:t> </a:t>
+            </a:r>
+            <a:r>
+              <a:rPr lang="en-US" sz="3200">
+                <a:solidFill>
+                  <a:srgbClr val="000000"/>
+                </a:solidFill>
+              </a:rPr>
+              <a:t>a</a:t>
+            </a:r>
+            <a:r>
+              <a:rPr lang="en-US" sz="3200" b="1">
+                <a:solidFill>
+                  <a:srgbClr val="000000"/>
+                </a:solidFill>
+              </a:rPr>
+              <a:t> = </a:t>
+            </a:r>
+            <a:r>
+              <a:rPr lang="en-US" sz="3200">
+                <a:solidFill>
+                  <a:srgbClr val="000000"/>
+                </a:solidFill>
+              </a:rPr>
+              <a:t>max(</a:t>
+            </a:r>
+            <a:r>
+              <a:rPr lang="en-US" sz="3200" b="1">
+                <a:solidFill>
+                  <a:srgbClr val="000000"/>
+                </a:solidFill>
+              </a:rPr>
+              <a:t>A</a:t>
+            </a:r>
+            <a:r>
+              <a:rPr lang="en-US" sz="3200">
+                <a:solidFill>
+                  <a:srgbClr val="000000"/>
+                </a:solidFill>
+              </a:rPr>
+              <a:t>), where a∈</a:t>
+            </a:r>
+            <a:r>
+              <a:rPr lang="en-US" sz="3200" b="1">
+                <a:solidFill>
+                  <a:srgbClr val="000000"/>
+                </a:solidFill>
+              </a:rPr>
+              <a:t>A</a:t>
+            </a:r>
+            <a:endParaRPr lang="en-US" sz="3200">
+              <a:solidFill>
+                <a:srgbClr val="000000"/>
+              </a:solidFill>
+            </a:endParaRPr>
+          </a:p>
+          <a:p>
+            <a:pPr lvl="2" eaLnBrk="1" hangingPunct="1">
+              <a:spcBef>
+                <a:spcPts val="600"/>
+              </a:spcBef>
+              <a:buClr>
+                <a:srgbClr val="000000"/>
+              </a:buClr>
+              <a:buSzPct val="100000"/>
+              <a:buFont typeface="Times New Roman" charset="0"/>
+              <a:buChar char="•"/>
+            </a:pPr>
+            <a:r>
+              <a:rPr lang="en-US">
+                <a:solidFill>
+                  <a:srgbClr val="000000"/>
+                </a:solidFill>
+                <a:cs typeface="MS PGothic" charset="0"/>
+              </a:rPr>
+              <a:t>∀x∈</a:t>
+            </a:r>
+            <a:r>
+              <a:rPr lang="en-US" b="1">
+                <a:solidFill>
+                  <a:srgbClr val="000000"/>
+                </a:solidFill>
+                <a:cs typeface="MS PGothic" charset="0"/>
+              </a:rPr>
+              <a:t>A </a:t>
+            </a:r>
+            <a:r>
+              <a:rPr lang="en-US">
+                <a:solidFill>
+                  <a:srgbClr val="000000"/>
+                </a:solidFill>
+                <a:cs typeface="MS PGothic" charset="0"/>
+              </a:rPr>
+              <a:t>(x ≤ a</a:t>
+            </a:r>
+            <a:r>
+              <a:rPr lang="en-US" b="1">
+                <a:solidFill>
+                  <a:srgbClr val="000000"/>
+                </a:solidFill>
+                <a:cs typeface="MS PGothic" charset="0"/>
+              </a:rPr>
+              <a:t>)</a:t>
+            </a:r>
+            <a:r>
+              <a:rPr lang="en-US">
+                <a:solidFill>
+                  <a:srgbClr val="000000"/>
+                </a:solidFill>
+                <a:cs typeface="MS PGothic" charset="0"/>
+              </a:rPr>
+              <a:t> ⇔ ¬(∃x∈</a:t>
+            </a:r>
+            <a:r>
+              <a:rPr lang="en-US" b="1">
+                <a:solidFill>
+                  <a:srgbClr val="000000"/>
+                </a:solidFill>
+                <a:cs typeface="MS PGothic" charset="0"/>
+              </a:rPr>
+              <a:t>A </a:t>
+            </a:r>
+            <a:r>
+              <a:rPr lang="en-US">
+                <a:solidFill>
+                  <a:srgbClr val="000000"/>
+                </a:solidFill>
+                <a:cs typeface="MS PGothic" charset="0"/>
+              </a:rPr>
+              <a:t>(x &gt; a))</a:t>
+            </a:r>
+          </a:p>
+        </p:txBody>
+      </p:sp>
+      <p:sp>
+        <p:nvSpPr>
+          <p:cNvPr id="11267" name="Text Box 2"/>
+          <p:cNvSpPr txBox="1">
+            <a:spLocks noChangeArrowheads="1"/>
+          </p:cNvSpPr>
+          <p:nvPr/>
+        </p:nvSpPr>
+        <p:spPr bwMode="auto">
+          <a:xfrm>
+            <a:off x="914400" y="609600"/>
+            <a:ext cx="10363200" cy="1143000"/>
+          </a:xfrm>
+          <a:prstGeom prst="rect">
+            <a:avLst/>
+          </a:prstGeom>
+          <a:noFill/>
+          <a:ln>
+            <a:noFill/>
+          </a:ln>
+          <a:effectLst/>
+          <a:extLst>
+            <a:ext uri="{909E8E84-426E-40dd-AFC4-6F175D3DCCD1}">
+              <a14:hiddenFill xmlns:a14="http://schemas.microsoft.com/office/drawing/2010/main">
+                <a:solidFill>
+                  <a:srgbClr val="FFFFFF"/>
+                </a:solidFill>
+              </a14:hiddenFill>
+            </a:ext>
+            <a:ext uri="{91240B29-F687-4f45-9708-019B960494DF}">
+              <a14:hiddenLine xmlns:a14="http://schemas.microsoft.com/office/drawing/2010/main" w="9525">
+                <a:solidFill>
+                  <a:srgbClr val="808080"/>
+                </a:solidFill>
+                <a:round/>
+                <a:headEnd/>
+                <a:tailEnd/>
+              </a14:hiddenLine>
+            </a:ext>
+            <a:ext uri="{AF507438-7753-43e0-B8FC-AC1667EBCBE1}">
+              <a14:hiddenEffects xmlns:a14="http://schemas.microsoft.com/office/drawing/2010/main">
+                <a:effectLst>
+                  <a:outerShdw blurRad="63500" dist="38099" dir="2700000" algn="ctr" rotWithShape="0">
+                    <a:srgbClr val="000000">
+                      <a:alpha val="74998"/>
+                    </a:srgbClr>
+                  </a:outerShdw>
+                </a:effectLst>
+              </a14:hiddenEffects>
+            </a:ext>
+          </a:extLst>
+        </p:spPr>
+        <p:txBody>
+          <a:bodyPr anchor="ctr"/>
+          <a:lstStyle>
+            <a:lvl1pPr>
+              <a:tabLst>
+                <a:tab pos="0" algn="l"/>
+                <a:tab pos="457200" algn="l"/>
+                <a:tab pos="914400" algn="l"/>
+                <a:tab pos="1371600" algn="l"/>
+                <a:tab pos="1828800" algn="l"/>
+                <a:tab pos="2286000" algn="l"/>
+                <a:tab pos="2743200" algn="l"/>
+                <a:tab pos="3200400" algn="l"/>
+                <a:tab pos="3657600" algn="l"/>
+                <a:tab pos="4114800" algn="l"/>
+                <a:tab pos="4572000" algn="l"/>
+                <a:tab pos="5029200" algn="l"/>
+                <a:tab pos="5486400" algn="l"/>
+                <a:tab pos="5943600" algn="l"/>
+                <a:tab pos="6400800" algn="l"/>
+                <a:tab pos="6858000" algn="l"/>
+                <a:tab pos="7315200" algn="l"/>
+                <a:tab pos="7772400" algn="l"/>
+                <a:tab pos="8229600" algn="l"/>
+                <a:tab pos="8686800" algn="l"/>
+                <a:tab pos="9144000" algn="l"/>
+              </a:tabLst>
+              <a:defRPr sz="3200">
+                <a:solidFill>
+                  <a:srgbClr val="000000"/>
+                </a:solidFill>
+                <a:latin typeface="Times New Roman" charset="0"/>
+                <a:ea typeface="ＭＳ Ｐゴシック" charset="0"/>
+                <a:cs typeface="MS PGothic" charset="0"/>
+              </a:defRPr>
+            </a:lvl1pPr>
+            <a:lvl2pPr>
+              <a:tabLst>
+                <a:tab pos="0" algn="l"/>
+                <a:tab pos="457200" algn="l"/>
+                <a:tab pos="914400" algn="l"/>
+                <a:tab pos="1371600" algn="l"/>
+                <a:tab pos="1828800" algn="l"/>
+                <a:tab pos="2286000" algn="l"/>
+                <a:tab pos="2743200" algn="l"/>
+                <a:tab pos="3200400" algn="l"/>
+                <a:tab pos="3657600" algn="l"/>
+                <a:tab pos="4114800" algn="l"/>
+                <a:tab pos="4572000" algn="l"/>
+                <a:tab pos="5029200" algn="l"/>
+                <a:tab pos="5486400" algn="l"/>
+                <a:tab pos="5943600" algn="l"/>
+                <a:tab pos="6400800" algn="l"/>
+                <a:tab pos="6858000" algn="l"/>
+                <a:tab pos="7315200" algn="l"/>
+                <a:tab pos="7772400" algn="l"/>
+                <a:tab pos="8229600" algn="l"/>
+                <a:tab pos="8686800" algn="l"/>
+                <a:tab pos="9144000" algn="l"/>
+              </a:tabLst>
+              <a:defRPr sz="2800">
+                <a:solidFill>
+                  <a:srgbClr val="000000"/>
+                </a:solidFill>
+                <a:latin typeface="Times New Roman" charset="0"/>
+                <a:ea typeface="MS PGothic" charset="0"/>
+                <a:cs typeface="MS PGothic" charset="0"/>
+              </a:defRPr>
+            </a:lvl2pPr>
+            <a:lvl3pPr>
+              <a:tabLst>
+                <a:tab pos="0" algn="l"/>
+                <a:tab pos="457200" algn="l"/>
+                <a:tab pos="914400" algn="l"/>
+                <a:tab pos="1371600" algn="l"/>
+                <a:tab pos="1828800" algn="l"/>
+                <a:tab pos="2286000" algn="l"/>
+                <a:tab pos="2743200" algn="l"/>
+                <a:tab pos="3200400" algn="l"/>
+                <a:tab pos="3657600" algn="l"/>
+                <a:tab pos="4114800" algn="l"/>
+                <a:tab pos="4572000" algn="l"/>
+                <a:tab pos="5029200" algn="l"/>
+                <a:tab pos="5486400" algn="l"/>
+                <a:tab pos="5943600" algn="l"/>
+                <a:tab pos="6400800" algn="l"/>
+                <a:tab pos="6858000" algn="l"/>
+                <a:tab pos="7315200" algn="l"/>
+                <a:tab pos="7772400" algn="l"/>
+                <a:tab pos="8229600" algn="l"/>
+                <a:tab pos="8686800" algn="l"/>
+                <a:tab pos="9144000" algn="l"/>
+              </a:tabLst>
+              <a:defRPr sz="2400">
+                <a:solidFill>
+                  <a:srgbClr val="000000"/>
+                </a:solidFill>
+                <a:latin typeface="Times New Roman" charset="0"/>
+                <a:ea typeface="MS PGothic" charset="0"/>
+                <a:cs typeface="MS PGothic" charset="0"/>
+              </a:defRPr>
+            </a:lvl3pPr>
+            <a:lvl4pPr>
+              <a:tabLst>
+                <a:tab pos="0" algn="l"/>
+                <a:tab pos="457200" algn="l"/>
+                <a:tab pos="914400" algn="l"/>
+                <a:tab pos="1371600" algn="l"/>
+                <a:tab pos="1828800" algn="l"/>
+                <a:tab pos="2286000" algn="l"/>
+                <a:tab pos="2743200" algn="l"/>
+                <a:tab pos="3200400" algn="l"/>
+                <a:tab pos="3657600" algn="l"/>
+                <a:tab pos="4114800" algn="l"/>
+                <a:tab pos="4572000" algn="l"/>
+                <a:tab pos="5029200" algn="l"/>
+                <a:tab pos="5486400" algn="l"/>
+                <a:tab pos="5943600" algn="l"/>
+                <a:tab pos="6400800" algn="l"/>
+                <a:tab pos="6858000" algn="l"/>
+                <a:tab pos="7315200" algn="l"/>
+                <a:tab pos="7772400" algn="l"/>
+                <a:tab pos="8229600" algn="l"/>
+                <a:tab pos="8686800" algn="l"/>
+                <a:tab pos="9144000" algn="l"/>
+              </a:tabLst>
+              <a:defRPr sz="2000">
+                <a:solidFill>
+                  <a:srgbClr val="000000"/>
+                </a:solidFill>
+                <a:latin typeface="Times New Roman" charset="0"/>
+                <a:ea typeface="MS PGothic" charset="0"/>
+                <a:cs typeface="MS PGothic" charset="0"/>
+              </a:defRPr>
+            </a:lvl4pPr>
+            <a:lvl5pPr>
+              <a:tabLst>
+                <a:tab pos="0" algn="l"/>
+                <a:tab pos="457200" algn="l"/>
+                <a:tab pos="914400" algn="l"/>
+                <a:tab pos="1371600" algn="l"/>
+                <a:tab pos="1828800" algn="l"/>
+                <a:tab pos="2286000" algn="l"/>
+                <a:tab pos="2743200" algn="l"/>
+                <a:tab pos="3200400" algn="l"/>
+                <a:tab pos="3657600" algn="l"/>
+                <a:tab pos="4114800" algn="l"/>
+                <a:tab pos="4572000" algn="l"/>
+                <a:tab pos="5029200" algn="l"/>
+                <a:tab pos="5486400" algn="l"/>
+                <a:tab pos="5943600" algn="l"/>
+                <a:tab pos="6400800" algn="l"/>
+                <a:tab pos="6858000" algn="l"/>
+                <a:tab pos="7315200" algn="l"/>
+                <a:tab pos="7772400" algn="l"/>
+                <a:tab pos="8229600" algn="l"/>
+                <a:tab pos="8686800" algn="l"/>
+                <a:tab pos="9144000" algn="l"/>
+              </a:tabLst>
+              <a:defRPr sz="2000">
+                <a:solidFill>
+                  <a:srgbClr val="000000"/>
+                </a:solidFill>
+                <a:latin typeface="Times New Roman" charset="0"/>
+                <a:ea typeface="MS PGothic" charset="0"/>
+                <a:cs typeface="MS PGothic" charset="0"/>
+              </a:defRPr>
+            </a:lvl5pPr>
+            <a:lvl6pPr defTabSz="457200" eaLnBrk="0" fontAlgn="base" hangingPunct="0">
+              <a:spcAft>
+                <a:spcPct val="0"/>
+              </a:spcAft>
+              <a:buClr>
+                <a:srgbClr val="000000"/>
+              </a:buClr>
+              <a:buSzPct val="100000"/>
+              <a:buFont typeface="Times New Roman" charset="0"/>
+              <a:tabLst>
+                <a:tab pos="0" algn="l"/>
+                <a:tab pos="457200" algn="l"/>
+                <a:tab pos="914400" algn="l"/>
+                <a:tab pos="1371600" algn="l"/>
+                <a:tab pos="1828800" algn="l"/>
+                <a:tab pos="2286000" algn="l"/>
+                <a:tab pos="2743200" algn="l"/>
+                <a:tab pos="3200400" algn="l"/>
+                <a:tab pos="3657600" algn="l"/>
+                <a:tab pos="4114800" algn="l"/>
+                <a:tab pos="4572000" algn="l"/>
+                <a:tab pos="5029200" algn="l"/>
+                <a:tab pos="5486400" algn="l"/>
+                <a:tab pos="5943600" algn="l"/>
+                <a:tab pos="6400800" algn="l"/>
+                <a:tab pos="6858000" algn="l"/>
+                <a:tab pos="7315200" algn="l"/>
+                <a:tab pos="7772400" algn="l"/>
+                <a:tab pos="8229600" algn="l"/>
+                <a:tab pos="8686800" algn="l"/>
+                <a:tab pos="9144000" algn="l"/>
+              </a:tabLst>
+              <a:defRPr sz="2000">
+                <a:solidFill>
+                  <a:srgbClr val="000000"/>
+                </a:solidFill>
+                <a:latin typeface="Times New Roman" charset="0"/>
+                <a:ea typeface="MS PGothic" charset="0"/>
+                <a:cs typeface="MS PGothic" charset="0"/>
+              </a:defRPr>
+            </a:lvl6pPr>
+            <a:lvl7pPr defTabSz="457200" eaLnBrk="0" fontAlgn="base" hangingPunct="0">
+              <a:spcAft>
+                <a:spcPct val="0"/>
+              </a:spcAft>
+              <a:buClr>
+                <a:srgbClr val="000000"/>
+              </a:buClr>
+              <a:buSzPct val="100000"/>
+              <a:buFont typeface="Times New Roman" charset="0"/>
+              <a:tabLst>
+                <a:tab pos="0" algn="l"/>
+                <a:tab pos="457200" algn="l"/>
+                <a:tab pos="914400" algn="l"/>
+                <a:tab pos="1371600" algn="l"/>
+                <a:tab pos="1828800" algn="l"/>
+                <a:tab pos="2286000" algn="l"/>
+                <a:tab pos="2743200" algn="l"/>
+                <a:tab pos="3200400" algn="l"/>
+                <a:tab pos="3657600" algn="l"/>
+                <a:tab pos="4114800" algn="l"/>
+                <a:tab pos="4572000" algn="l"/>
+                <a:tab pos="5029200" algn="l"/>
+                <a:tab pos="5486400" algn="l"/>
+                <a:tab pos="5943600" algn="l"/>
+                <a:tab pos="6400800" algn="l"/>
+                <a:tab pos="6858000" algn="l"/>
+                <a:tab pos="7315200" algn="l"/>
+                <a:tab pos="7772400" algn="l"/>
+                <a:tab pos="8229600" algn="l"/>
+                <a:tab pos="8686800" algn="l"/>
+                <a:tab pos="9144000" algn="l"/>
+              </a:tabLst>
+              <a:defRPr sz="2000">
+                <a:solidFill>
+                  <a:srgbClr val="000000"/>
+                </a:solidFill>
+                <a:latin typeface="Times New Roman" charset="0"/>
+                <a:ea typeface="MS PGothic" charset="0"/>
+                <a:cs typeface="MS PGothic" charset="0"/>
+              </a:defRPr>
+            </a:lvl7pPr>
+            <a:lvl8pPr defTabSz="457200" eaLnBrk="0" fontAlgn="base" hangingPunct="0">
+              <a:spcAft>
+                <a:spcPct val="0"/>
+              </a:spcAft>
+              <a:buClr>
+                <a:srgbClr val="000000"/>
+              </a:buClr>
+              <a:buSzPct val="100000"/>
+              <a:buFont typeface="Times New Roman" charset="0"/>
+              <a:tabLst>
+                <a:tab pos="0" algn="l"/>
+                <a:tab pos="457200" algn="l"/>
+                <a:tab pos="914400" algn="l"/>
+                <a:tab pos="1371600" algn="l"/>
+                <a:tab pos="1828800" algn="l"/>
+                <a:tab pos="2286000" algn="l"/>
+                <a:tab pos="2743200" algn="l"/>
+                <a:tab pos="3200400" algn="l"/>
+                <a:tab pos="3657600" algn="l"/>
+                <a:tab pos="4114800" algn="l"/>
+                <a:tab pos="4572000" algn="l"/>
+                <a:tab pos="5029200" algn="l"/>
+                <a:tab pos="5486400" algn="l"/>
+                <a:tab pos="5943600" algn="l"/>
+                <a:tab pos="6400800" algn="l"/>
+                <a:tab pos="6858000" algn="l"/>
+                <a:tab pos="7315200" algn="l"/>
+                <a:tab pos="7772400" algn="l"/>
+                <a:tab pos="8229600" algn="l"/>
+                <a:tab pos="8686800" algn="l"/>
+                <a:tab pos="9144000" algn="l"/>
+              </a:tabLst>
+              <a:defRPr sz="2000">
+                <a:solidFill>
+                  <a:srgbClr val="000000"/>
+                </a:solidFill>
+                <a:latin typeface="Times New Roman" charset="0"/>
+                <a:ea typeface="MS PGothic" charset="0"/>
+                <a:cs typeface="MS PGothic" charset="0"/>
+              </a:defRPr>
+            </a:lvl8pPr>
+            <a:lvl9pPr defTabSz="457200" eaLnBrk="0" fontAlgn="base" hangingPunct="0">
+              <a:spcAft>
+                <a:spcPct val="0"/>
+              </a:spcAft>
+              <a:buClr>
+                <a:srgbClr val="000000"/>
+              </a:buClr>
+              <a:buSzPct val="100000"/>
+              <a:buFont typeface="Times New Roman" charset="0"/>
+              <a:tabLst>
+                <a:tab pos="0" algn="l"/>
+                <a:tab pos="457200" algn="l"/>
+                <a:tab pos="914400" algn="l"/>
+                <a:tab pos="1371600" algn="l"/>
+                <a:tab pos="1828800" algn="l"/>
+                <a:tab pos="2286000" algn="l"/>
+                <a:tab pos="2743200" algn="l"/>
+                <a:tab pos="3200400" algn="l"/>
+                <a:tab pos="3657600" algn="l"/>
+                <a:tab pos="4114800" algn="l"/>
+                <a:tab pos="4572000" algn="l"/>
+                <a:tab pos="5029200" algn="l"/>
+                <a:tab pos="5486400" algn="l"/>
+                <a:tab pos="5943600" algn="l"/>
+                <a:tab pos="6400800" algn="l"/>
+                <a:tab pos="6858000" algn="l"/>
+                <a:tab pos="7315200" algn="l"/>
+                <a:tab pos="7772400" algn="l"/>
+                <a:tab pos="8229600" algn="l"/>
+                <a:tab pos="8686800" algn="l"/>
+                <a:tab pos="9144000" algn="l"/>
+              </a:tabLst>
+              <a:defRPr sz="2000">
+                <a:solidFill>
+                  <a:srgbClr val="000000"/>
+                </a:solidFill>
+                <a:latin typeface="Times New Roman" charset="0"/>
+                <a:ea typeface="MS PGothic" charset="0"/>
+                <a:cs typeface="MS PGothic" charset="0"/>
+              </a:defRPr>
+            </a:lvl9pPr>
+          </a:lstStyle>
+          <a:p>
+            <a:pPr algn="ctr" eaLnBrk="1" hangingPunct="1">
+              <a:buSzPct val="100000"/>
+              <a:defRPr/>
+            </a:pPr>
+            <a:r>
+              <a:rPr lang="en-US" sz="4400" smtClean="0"/>
+              <a:t>A little bit of logic</a:t>
+            </a:r>
+          </a:p>
+        </p:txBody>
+      </p:sp>
+    </p:spTree>
+    <p:extLst>
+      <p:ext uri="{BB962C8B-B14F-4D97-AF65-F5344CB8AC3E}">
+        <p14:creationId xmlns:p14="http://schemas.microsoft.com/office/powerpoint/2010/main" val="96801484"/>
+      </p:ext>
+    </p:extLst>
+  </p:cSld>
+  <p:clrMapOvr>
+    <a:masterClrMapping/>
+  </p:clrMapOvr>
+  <p:transition xmlns:p14="http://schemas.microsoft.com/office/powerpoint/2010/main" spd="med"/>
+  <p:timing>
+    <p:tnLst>
+      <p:par>
+        <p:cTn xmlns:p14="http://schemas.microsoft.com/office/powerpoint/2010/main" id="1" dur="indefinite" restart="never" nodeType="tmRoot">
+          <p:childTnLst>
+            <p:seq concurrent="1" nextAc="seek">
+              <p:cTn id="2" dur="indefinite" nodeType="mainSeq"/>
+              <p:prevCondLst>
+                <p:cond evt="onPrev" delay="0">
+                  <p:tgtEl>
+                    <p:sldTgt/>
+                  </p:tgtEl>
+                </p:cond>
+              </p:prevCondLst>
+              <p:nextCondLst>
+                <p:cond evt="onNext" delay="0">
+                  <p:tgtEl>
+                    <p:sldTgt/>
+                  </p:tgtEl>
+                </p:cond>
+              </p:nextCondLst>
+            </p:seq>
+          </p:childTnLst>
+        </p:cTn>
+      </p:par>
+    </p:tnLst>
+  </p:timing>
+</p:sld>
+</file>
+
+<file path=ppt/slides/slide3.xml><?xml version="1.0" encoding="utf-8"?>
+<p:sld xmlns:a="http://schemas.openxmlformats.org/drawingml/2006/main" xmlns:r="http://schemas.openxmlformats.org/officeDocument/2006/relationships" xmlns:p="http://schemas.openxmlformats.org/presentationml/2006/main">
+  <p:cSld>
+    <p:spTree>
+      <p:nvGrpSpPr>
+        <p:cNvPr id="1" name=""/>
+        <p:cNvGrpSpPr/>
+        <p:nvPr/>
+      </p:nvGrpSpPr>
+      <p:grpSpPr>
+        <a:xfrm>
+          <a:off x="0" y="0"/>
+          <a:ext cx="0" cy="0"/>
+          <a:chOff x="0" y="0"/>
+          <a:chExt cx="0" cy="0"/>
+        </a:xfrm>
+      </p:grpSpPr>
+      <p:sp>
+        <p:nvSpPr>
+          <p:cNvPr id="2" name="Title 1"/>
+          <p:cNvSpPr>
+            <a:spLocks noGrp="1"/>
+          </p:cNvSpPr>
+          <p:nvPr>
+            <p:ph type="title"/>
+          </p:nvPr>
+        </p:nvSpPr>
+        <p:spPr/>
+        <p:txBody>
+          <a:bodyPr/>
+          <a:lstStyle/>
+          <a:p>
+            <a:r>
+              <a:rPr lang="en-US" dirty="0"/>
+              <a:t>1</a:t>
+            </a:r>
+            <a:r>
+              <a:rPr lang="en-US" dirty="0" smtClean="0"/>
+              <a:t>. </a:t>
+            </a:r>
+            <a:r>
+              <a:rPr lang="en-US" dirty="0"/>
+              <a:t>Aggregation &amp; GROUP BY</a:t>
+            </a:r>
+          </a:p>
+        </p:txBody>
+      </p:sp>
+      <p:sp>
+        <p:nvSpPr>
+          <p:cNvPr id="4" name="Slide Number Placeholder 3"/>
+          <p:cNvSpPr>
+            <a:spLocks noGrp="1"/>
+          </p:cNvSpPr>
+          <p:nvPr>
+            <p:ph type="sldNum" sz="quarter" idx="12"/>
+          </p:nvPr>
+        </p:nvSpPr>
+        <p:spPr/>
+        <p:txBody>
+          <a:bodyPr/>
+          <a:lstStyle/>
+          <a:p>
+            <a:fld id="{40A01959-B587-3B45-A9B3-C17F42F09305}" type="slidenum">
+              <a:rPr lang="en-US" smtClean="0"/>
+              <a:t>3</a:t>
+            </a:fld>
+            <a:endParaRPr lang="en-US"/>
+          </a:p>
+        </p:txBody>
+      </p:sp>
+      <p:grpSp>
+        <p:nvGrpSpPr>
+          <p:cNvPr id="5" name="Group 4"/>
+          <p:cNvGrpSpPr/>
+          <p:nvPr/>
+        </p:nvGrpSpPr>
+        <p:grpSpPr>
+          <a:xfrm>
+            <a:off x="0" y="-22510"/>
+            <a:ext cx="12192000" cy="307777"/>
+            <a:chOff x="0" y="-22510"/>
+            <a:chExt cx="12192000" cy="307777"/>
+          </a:xfrm>
+        </p:grpSpPr>
+        <p:sp>
+          <p:nvSpPr>
+            <p:cNvPr id="6" name="Rectangle 5"/>
+            <p:cNvSpPr/>
+            <p:nvPr/>
+          </p:nvSpPr>
+          <p:spPr>
+            <a:xfrm>
+              <a:off x="0" y="0"/>
+              <a:ext cx="12192000" cy="262759"/>
+            </a:xfrm>
+            <a:prstGeom prst="rect">
+              <a:avLst/>
+            </a:prstGeom>
+            <a:solidFill>
+              <a:schemeClr val="bg2"/>
+            </a:solidFill>
+            <a:ln>
+              <a:noFill/>
+            </a:ln>
+          </p:spPr>
+          <p:style>
+            <a:lnRef idx="2">
+              <a:schemeClr val="accent1">
+                <a:shade val="50000"/>
+              </a:schemeClr>
+            </a:lnRef>
+            <a:fillRef idx="1">
+              <a:schemeClr val="accent1"/>
+            </a:fillRef>
+            <a:effectRef idx="0">
+              <a:schemeClr val="accent1"/>
+            </a:effectRef>
+            <a:fontRef idx="minor">
+              <a:schemeClr val="lt1"/>
+            </a:fontRef>
+          </p:style>
+          <p:txBody>
+            <a:bodyPr rtlCol="0" anchor="ctr"/>
+            <a:lstStyle/>
+            <a:p>
+              <a:pPr algn="r"/>
+              <a:endParaRPr lang="en-US" sz="1400" b="1" i="1" dirty="0">
+                <a:solidFill>
+                  <a:schemeClr val="tx1">
+                    <a:lumMod val="65000"/>
+                    <a:lumOff val="35000"/>
+                  </a:schemeClr>
+                </a:solidFill>
+                <a:latin typeface="+mj-lt"/>
+              </a:endParaRPr>
+            </a:p>
+          </p:txBody>
+        </p:sp>
+        <p:sp>
+          <p:nvSpPr>
+            <p:cNvPr id="7" name="TextBox 6"/>
+            <p:cNvSpPr txBox="1"/>
+            <p:nvPr/>
+          </p:nvSpPr>
+          <p:spPr>
+            <a:xfrm>
+              <a:off x="188780" y="-22510"/>
+              <a:ext cx="1829710" cy="307777"/>
+            </a:xfrm>
+            <a:prstGeom prst="rect">
+              <a:avLst/>
+            </a:prstGeom>
+            <a:noFill/>
+          </p:spPr>
+          <p:txBody>
+            <a:bodyPr wrap="none" rtlCol="0">
+              <a:spAutoFit/>
+            </a:bodyPr>
+            <a:lstStyle/>
+            <a:p>
+              <a:r>
+                <a:rPr lang="en-US" sz="1400" b="1" i="1" dirty="0" smtClean="0">
+                  <a:solidFill>
+                    <a:schemeClr val="tx1">
+                      <a:lumMod val="65000"/>
+                      <a:lumOff val="35000"/>
+                    </a:schemeClr>
+                  </a:solidFill>
+                  <a:latin typeface="+mj-lt"/>
+                </a:rPr>
+                <a:t>Lecture 5  &gt;  Section 1</a:t>
+              </a:r>
+              <a:endParaRPr lang="en-US" sz="1400" b="1" i="1" dirty="0">
+                <a:solidFill>
+                  <a:schemeClr val="tx1">
+                    <a:lumMod val="65000"/>
+                    <a:lumOff val="35000"/>
+                  </a:schemeClr>
+                </a:solidFill>
+                <a:latin typeface="+mj-lt"/>
+              </a:endParaRPr>
+            </a:p>
+          </p:txBody>
+        </p:sp>
+      </p:grpSp>
+    </p:spTree>
+    <p:extLst>
+      <p:ext uri="{BB962C8B-B14F-4D97-AF65-F5344CB8AC3E}">
+        <p14:creationId xmlns:p14="http://schemas.microsoft.com/office/powerpoint/2010/main" val="1035823276"/>
+      </p:ext>
+    </p:extLst>
+  </p:cSld>
+  <p:clrMapOvr>
+    <a:masterClrMapping/>
+  </p:clrMapOvr>
+  <p:timing>
+    <p:tnLst>
+      <p:par>
+        <p:cTn xmlns:p14="http://schemas.microsoft.com/office/powerpoint/2010/main" id="1" dur="indefinite" restart="never" nodeType="tmRoot"/>
+      </p:par>
+    </p:tnLst>
+  </p:timing>
+</p:sld>
+</file>
+
+<file path=ppt/slides/slide30.xml><?xml version="1.0" encoding="utf-8"?>
+<p:sld xmlns:a="http://schemas.openxmlformats.org/drawingml/2006/main" xmlns:r="http://schemas.openxmlformats.org/officeDocument/2006/relationships" xmlns:p="http://schemas.openxmlformats.org/presentationml/2006/main">
+  <p:cSld>
+    <p:spTree>
+      <p:nvGrpSpPr>
+        <p:cNvPr id="1" name=""/>
+        <p:cNvGrpSpPr/>
+        <p:nvPr/>
+      </p:nvGrpSpPr>
+      <p:grpSpPr>
+        <a:xfrm>
+          <a:off x="0" y="0"/>
+          <a:ext cx="0" cy="0"/>
+          <a:chOff x="0" y="0"/>
+          <a:chExt cx="0" cy="0"/>
+        </a:xfrm>
+      </p:grpSpPr>
+      <p:sp>
+        <p:nvSpPr>
           <p:cNvPr id="5" name="Slide Number Placeholder 5"/>
           <p:cNvSpPr>
             <a:spLocks noGrp="1"/>
@@ -26061,7 +31637,7 @@
             <a:fld id="{3867F7A8-BC20-4EFA-AF7D-2BE46B5803AB}" type="slidenum">
               <a:rPr lang="en-US"/>
               <a:pPr/>
-              <a:t>26</a:t>
+              <a:t>30</a:t>
             </a:fld>
             <a:endParaRPr lang="en-US"/>
           </a:p>
@@ -26676,7 +32252,7 @@
 </p:sld>
 </file>
 
-<file path=ppt/slides/slide27.xml><?xml version="1.0" encoding="utf-8"?>
+<file path=ppt/slides/slide31.xml><?xml version="1.0" encoding="utf-8"?>
 <p:sld xmlns:a="http://schemas.openxmlformats.org/drawingml/2006/main" xmlns:r="http://schemas.openxmlformats.org/officeDocument/2006/relationships" xmlns:p="http://schemas.openxmlformats.org/presentationml/2006/main">
   <p:cSld>
     <p:spTree>
@@ -26711,7 +32287,7 @@
             <a:fld id="{1CAB3F50-4467-4A37-BA73-98C64D7E28FF}" type="slidenum">
               <a:rPr lang="en-US"/>
               <a:pPr/>
-              <a:t>27</a:t>
+              <a:t>31</a:t>
             </a:fld>
             <a:endParaRPr lang="en-US"/>
           </a:p>
@@ -27307,7 +32883,7 @@
 </p:sld>
 </file>
 
-<file path=ppt/slides/slide28.xml><?xml version="1.0" encoding="utf-8"?>
+<file path=ppt/slides/slide32.xml><?xml version="1.0" encoding="utf-8"?>
 <p:sld xmlns:a="http://schemas.openxmlformats.org/drawingml/2006/main" xmlns:r="http://schemas.openxmlformats.org/officeDocument/2006/relationships" xmlns:p="http://schemas.openxmlformats.org/presentationml/2006/main">
   <p:cSld>
     <p:spTree>
@@ -27342,7 +32918,7 @@
             <a:fld id="{293C33BD-9F88-4F66-8FF8-5370184D3722}" type="slidenum">
               <a:rPr lang="en-US"/>
               <a:pPr/>
-              <a:t>28</a:t>
+              <a:t>32</a:t>
             </a:fld>
             <a:endParaRPr lang="en-US" dirty="0"/>
           </a:p>
@@ -28252,7 +33828,7 @@
 </p:sld>
 </file>
 
-<file path=ppt/slides/slide29.xml><?xml version="1.0" encoding="utf-8"?>
+<file path=ppt/slides/slide33.xml><?xml version="1.0" encoding="utf-8"?>
 <p:sld xmlns:a="http://schemas.openxmlformats.org/drawingml/2006/main" xmlns:r="http://schemas.openxmlformats.org/officeDocument/2006/relationships" xmlns:p="http://schemas.openxmlformats.org/presentationml/2006/main">
   <p:cSld>
     <p:spTree>
@@ -28287,7 +33863,7 @@
             <a:fld id="{99972907-1C6D-41FA-AAF1-1B0777B84EE1}" type="slidenum">
               <a:rPr lang="en-US"/>
               <a:pPr/>
-              <a:t>29</a:t>
+              <a:t>33</a:t>
             </a:fld>
             <a:endParaRPr lang="en-US"/>
           </a:p>
@@ -28849,212 +34425,7 @@
 </p:sld>
 </file>
 
-<file path=ppt/slides/slide3.xml><?xml version="1.0" encoding="utf-8"?>
-<p:sld xmlns:a="http://schemas.openxmlformats.org/drawingml/2006/main" xmlns:r="http://schemas.openxmlformats.org/officeDocument/2006/relationships" xmlns:p="http://schemas.openxmlformats.org/presentationml/2006/main">
-  <p:cSld>
-    <p:spTree>
-      <p:nvGrpSpPr>
-        <p:cNvPr id="1" name=""/>
-        <p:cNvGrpSpPr/>
-        <p:nvPr/>
-      </p:nvGrpSpPr>
-      <p:grpSpPr>
-        <a:xfrm>
-          <a:off x="0" y="0"/>
-          <a:ext cx="0" cy="0"/>
-          <a:chOff x="0" y="0"/>
-          <a:chExt cx="0" cy="0"/>
-        </a:xfrm>
-      </p:grpSpPr>
-      <p:sp>
-        <p:nvSpPr>
-          <p:cNvPr id="2" name="Title 1"/>
-          <p:cNvSpPr>
-            <a:spLocks noGrp="1"/>
-          </p:cNvSpPr>
-          <p:nvPr>
-            <p:ph type="title"/>
-          </p:nvPr>
-        </p:nvSpPr>
-        <p:spPr/>
-        <p:txBody>
-          <a:bodyPr/>
-          <a:lstStyle/>
-          <a:p>
-            <a:r>
-              <a:rPr lang="en-US" dirty="0"/>
-              <a:t>1</a:t>
-            </a:r>
-            <a:r>
-              <a:rPr lang="en-US" dirty="0" smtClean="0"/>
-              <a:t>. </a:t>
-            </a:r>
-            <a:r>
-              <a:rPr lang="en-US" dirty="0"/>
-              <a:t>Aggregation &amp; GROUP BY</a:t>
-            </a:r>
-          </a:p>
-        </p:txBody>
-      </p:sp>
-      <p:sp>
-        <p:nvSpPr>
-          <p:cNvPr id="4" name="Slide Number Placeholder 3"/>
-          <p:cNvSpPr>
-            <a:spLocks noGrp="1"/>
-          </p:cNvSpPr>
-          <p:nvPr>
-            <p:ph type="sldNum" sz="quarter" idx="12"/>
-          </p:nvPr>
-        </p:nvSpPr>
-        <p:spPr/>
-        <p:txBody>
-          <a:bodyPr/>
-          <a:lstStyle/>
-          <a:p>
-            <a:fld id="{40A01959-B587-3B45-A9B3-C17F42F09305}" type="slidenum">
-              <a:rPr lang="en-US" smtClean="0"/>
-              <a:t>3</a:t>
-            </a:fld>
-            <a:endParaRPr lang="en-US"/>
-          </a:p>
-        </p:txBody>
-      </p:sp>
-      <p:grpSp>
-        <p:nvGrpSpPr>
-          <p:cNvPr id="5" name="Group 4"/>
-          <p:cNvGrpSpPr/>
-          <p:nvPr/>
-        </p:nvGrpSpPr>
-        <p:grpSpPr>
-          <a:xfrm>
-            <a:off x="0" y="-22510"/>
-            <a:ext cx="12192000" cy="307777"/>
-            <a:chOff x="0" y="-22510"/>
-            <a:chExt cx="12192000" cy="307777"/>
-          </a:xfrm>
-        </p:grpSpPr>
-        <p:sp>
-          <p:nvSpPr>
-            <p:cNvPr id="6" name="Rectangle 5"/>
-            <p:cNvSpPr/>
-            <p:nvPr/>
-          </p:nvSpPr>
-          <p:spPr>
-            <a:xfrm>
-              <a:off x="0" y="0"/>
-              <a:ext cx="12192000" cy="262759"/>
-            </a:xfrm>
-            <a:prstGeom prst="rect">
-              <a:avLst/>
-            </a:prstGeom>
-            <a:solidFill>
-              <a:schemeClr val="bg2"/>
-            </a:solidFill>
-            <a:ln>
-              <a:noFill/>
-            </a:ln>
-          </p:spPr>
-          <p:style>
-            <a:lnRef idx="2">
-              <a:schemeClr val="accent1">
-                <a:shade val="50000"/>
-              </a:schemeClr>
-            </a:lnRef>
-            <a:fillRef idx="1">
-              <a:schemeClr val="accent1"/>
-            </a:fillRef>
-            <a:effectRef idx="0">
-              <a:schemeClr val="accent1"/>
-            </a:effectRef>
-            <a:fontRef idx="minor">
-              <a:schemeClr val="lt1"/>
-            </a:fontRef>
-          </p:style>
-          <p:txBody>
-            <a:bodyPr rtlCol="0" anchor="ctr"/>
-            <a:lstStyle/>
-            <a:p>
-              <a:pPr algn="r"/>
-              <a:endParaRPr lang="en-US" sz="1400" b="1" i="1" dirty="0">
-                <a:solidFill>
-                  <a:schemeClr val="tx1">
-                    <a:lumMod val="65000"/>
-                    <a:lumOff val="35000"/>
-                  </a:schemeClr>
-                </a:solidFill>
-                <a:latin typeface="+mj-lt"/>
-              </a:endParaRPr>
-            </a:p>
-          </p:txBody>
-        </p:sp>
-        <p:sp>
-          <p:nvSpPr>
-            <p:cNvPr id="7" name="TextBox 6"/>
-            <p:cNvSpPr txBox="1"/>
-            <p:nvPr/>
-          </p:nvSpPr>
-          <p:spPr>
-            <a:xfrm>
-              <a:off x="188780" y="-22510"/>
-              <a:ext cx="1829710" cy="307777"/>
-            </a:xfrm>
-            <a:prstGeom prst="rect">
-              <a:avLst/>
-            </a:prstGeom>
-            <a:noFill/>
-          </p:spPr>
-          <p:txBody>
-            <a:bodyPr wrap="none" rtlCol="0">
-              <a:spAutoFit/>
-            </a:bodyPr>
-            <a:lstStyle/>
-            <a:p>
-              <a:r>
-                <a:rPr lang="en-US" sz="1400" b="1" i="1" dirty="0" smtClean="0">
-                  <a:solidFill>
-                    <a:schemeClr val="tx1">
-                      <a:lumMod val="65000"/>
-                      <a:lumOff val="35000"/>
-                    </a:schemeClr>
-                  </a:solidFill>
-                  <a:latin typeface="+mj-lt"/>
-                </a:rPr>
-                <a:t>Lecture 5  &gt;  Section 1</a:t>
-              </a:r>
-              <a:endParaRPr lang="en-US" sz="1400" b="1" i="1" dirty="0">
-                <a:solidFill>
-                  <a:schemeClr val="tx1">
-                    <a:lumMod val="65000"/>
-                    <a:lumOff val="35000"/>
-                  </a:schemeClr>
-                </a:solidFill>
-                <a:latin typeface="+mj-lt"/>
-              </a:endParaRPr>
-            </a:p>
-          </p:txBody>
-        </p:sp>
-      </p:grpSp>
-    </p:spTree>
-    <p:extLst>
-      <p:ext uri="{BB962C8B-B14F-4D97-AF65-F5344CB8AC3E}">
-        <p14:creationId xmlns:p14="http://schemas.microsoft.com/office/powerpoint/2010/main" val="1035823276"/>
-      </p:ext>
-    </p:extLst>
-  </p:cSld>
-  <p:clrMapOvr>
-    <a:masterClrMapping/>
-  </p:clrMapOvr>
-  <p:timing>
-    <p:tnLst>
-      <p:par>
-        <p:cTn xmlns:p14="http://schemas.microsoft.com/office/powerpoint/2010/main" id="1" dur="indefinite" restart="never" nodeType="tmRoot"/>
-      </p:par>
-    </p:tnLst>
-  </p:timing>
-</p:sld>
-</file>
-
-<file path=ppt/slides/slide30.xml><?xml version="1.0" encoding="utf-8"?>
+<file path=ppt/slides/slide34.xml><?xml version="1.0" encoding="utf-8"?>
 <p:sld xmlns:a="http://schemas.openxmlformats.org/drawingml/2006/main" xmlns:r="http://schemas.openxmlformats.org/officeDocument/2006/relationships" xmlns:p="http://schemas.openxmlformats.org/presentationml/2006/main">
   <p:cSld>
     <p:spTree>
@@ -29089,7 +34460,7 @@
             <a:fld id="{9BE9F5DF-F5ED-4687-AAE7-F03980B72BA6}" type="slidenum">
               <a:rPr lang="en-US"/>
               <a:pPr/>
-              <a:t>30</a:t>
+              <a:t>34</a:t>
             </a:fld>
             <a:endParaRPr lang="en-US"/>
           </a:p>
@@ -29833,7 +35204,7 @@
 </p:sld>
 </file>
 
-<file path=ppt/slides/slide31.xml><?xml version="1.0" encoding="utf-8"?>
+<file path=ppt/slides/slide35.xml><?xml version="1.0" encoding="utf-8"?>
 <p:sld xmlns:a="http://schemas.openxmlformats.org/drawingml/2006/main" xmlns:r="http://schemas.openxmlformats.org/officeDocument/2006/relationships" xmlns:p="http://schemas.openxmlformats.org/presentationml/2006/main">
   <p:cSld>
     <p:spTree>
@@ -29868,7 +35239,7 @@
             <a:fld id="{05DB0800-3CE4-4806-8E29-034BECC3698A}" type="slidenum">
               <a:rPr lang="en-US"/>
               <a:pPr/>
-              <a:t>31</a:t>
+              <a:t>35</a:t>
             </a:fld>
             <a:endParaRPr lang="en-US"/>
           </a:p>
@@ -31079,7 +36450,7 @@
 </p:sld>
 </file>
 
-<file path=ppt/slides/slide32.xml><?xml version="1.0" encoding="utf-8"?>
+<file path=ppt/slides/slide36.xml><?xml version="1.0" encoding="utf-8"?>
 <p:sld xmlns:a="http://schemas.openxmlformats.org/drawingml/2006/main" xmlns:r="http://schemas.openxmlformats.org/officeDocument/2006/relationships" xmlns:p="http://schemas.openxmlformats.org/presentationml/2006/main">
   <p:cSld>
     <p:spTree>
@@ -31114,7 +36485,7 @@
             <a:fld id="{05DB0800-3CE4-4806-8E29-034BECC3698A}" type="slidenum">
               <a:rPr lang="en-US"/>
               <a:pPr/>
-              <a:t>32</a:t>
+              <a:t>36</a:t>
             </a:fld>
             <a:endParaRPr lang="en-US"/>
           </a:p>
@@ -32146,7 +37517,7 @@
 </p:sld>
 </file>
 
-<file path=ppt/slides/slide33.xml><?xml version="1.0" encoding="utf-8"?>
+<file path=ppt/slides/slide37.xml><?xml version="1.0" encoding="utf-8"?>
 <p:sld xmlns:a="http://schemas.openxmlformats.org/drawingml/2006/main" xmlns:r="http://schemas.openxmlformats.org/officeDocument/2006/relationships" xmlns:p="http://schemas.openxmlformats.org/presentationml/2006/main">
   <p:cSld>
     <p:spTree>
@@ -32181,7 +37552,7 @@
             <a:fld id="{17A94F4A-C74E-4167-A38B-CC16B6F5BB20}" type="slidenum">
               <a:rPr lang="en-US"/>
               <a:pPr/>
-              <a:t>33</a:t>
+              <a:t>37</a:t>
             </a:fld>
             <a:endParaRPr lang="en-US"/>
           </a:p>
@@ -33048,7 +38419,7 @@
 </p:sld>
 </file>
 
-<file path=ppt/slides/slide34.xml><?xml version="1.0" encoding="utf-8"?>
+<file path=ppt/slides/slide38.xml><?xml version="1.0" encoding="utf-8"?>
 <p:sld xmlns:a="http://schemas.openxmlformats.org/drawingml/2006/main" xmlns:r="http://schemas.openxmlformats.org/officeDocument/2006/relationships" xmlns:p="http://schemas.openxmlformats.org/presentationml/2006/main">
   <p:cSld>
     <p:spTree>
@@ -33083,7 +38454,7 @@
             <a:fld id="{CC637351-EFAE-48B2-8CF8-756A43F9162D}" type="slidenum">
               <a:rPr lang="en-US"/>
               <a:pPr/>
-              <a:t>34</a:t>
+              <a:t>38</a:t>
             </a:fld>
             <a:endParaRPr lang="en-US"/>
           </a:p>
@@ -35972,7 +41343,7 @@
 </p:sld>
 </file>
 
-<file path=ppt/slides/slide35.xml><?xml version="1.0" encoding="utf-8"?>
+<file path=ppt/slides/slide39.xml><?xml version="1.0" encoding="utf-8"?>
 <p:sld xmlns:a="http://schemas.openxmlformats.org/drawingml/2006/main" xmlns:r="http://schemas.openxmlformats.org/officeDocument/2006/relationships" xmlns:p="http://schemas.openxmlformats.org/presentationml/2006/main">
   <p:cSld>
     <p:spTree>
@@ -36007,7 +41378,7 @@
             <a:fld id="{CC637351-EFAE-48B2-8CF8-756A43F9162D}" type="slidenum">
               <a:rPr lang="en-US"/>
               <a:pPr/>
-              <a:t>35</a:t>
+              <a:t>39</a:t>
             </a:fld>
             <a:endParaRPr lang="en-US"/>
           </a:p>
@@ -38979,7 +44350,352 @@
 </p:sld>
 </file>
 
-<file path=ppt/slides/slide36.xml><?xml version="1.0" encoding="utf-8"?>
+<file path=ppt/slides/slide4.xml><?xml version="1.0" encoding="utf-8"?>
+<p:sld xmlns:a="http://schemas.openxmlformats.org/drawingml/2006/main" xmlns:r="http://schemas.openxmlformats.org/officeDocument/2006/relationships" xmlns:p="http://schemas.openxmlformats.org/presentationml/2006/main">
+  <p:cSld>
+    <p:spTree>
+      <p:nvGrpSpPr>
+        <p:cNvPr id="1" name=""/>
+        <p:cNvGrpSpPr/>
+        <p:nvPr/>
+      </p:nvGrpSpPr>
+      <p:grpSpPr>
+        <a:xfrm>
+          <a:off x="0" y="0"/>
+          <a:ext cx="0" cy="0"/>
+          <a:chOff x="0" y="0"/>
+          <a:chExt cx="0" cy="0"/>
+        </a:xfrm>
+      </p:grpSpPr>
+      <p:sp>
+        <p:nvSpPr>
+          <p:cNvPr id="10" name="Rectangle 9"/>
+          <p:cNvSpPr/>
+          <p:nvPr/>
+        </p:nvSpPr>
+        <p:spPr>
+          <a:xfrm>
+            <a:off x="0" y="4661338"/>
+            <a:ext cx="8610600" cy="882869"/>
+          </a:xfrm>
+          <a:prstGeom prst="rect">
+            <a:avLst/>
+          </a:prstGeom>
+          <a:solidFill>
+            <a:schemeClr val="bg2"/>
+          </a:solidFill>
+          <a:ln>
+            <a:noFill/>
+          </a:ln>
+        </p:spPr>
+        <p:style>
+          <a:lnRef idx="2">
+            <a:schemeClr val="accent1">
+              <a:shade val="50000"/>
+            </a:schemeClr>
+          </a:lnRef>
+          <a:fillRef idx="1">
+            <a:schemeClr val="accent1"/>
+          </a:fillRef>
+          <a:effectRef idx="0">
+            <a:schemeClr val="accent1"/>
+          </a:effectRef>
+          <a:fontRef idx="minor">
+            <a:schemeClr val="lt1"/>
+          </a:fontRef>
+        </p:style>
+        <p:txBody>
+          <a:bodyPr rtlCol="0" anchor="ctr"/>
+          <a:lstStyle/>
+          <a:p>
+            <a:pPr algn="ctr"/>
+            <a:endParaRPr lang="en-US"/>
+          </a:p>
+        </p:txBody>
+      </p:sp>
+      <p:sp>
+        <p:nvSpPr>
+          <p:cNvPr id="2" name="Title 1"/>
+          <p:cNvSpPr>
+            <a:spLocks noGrp="1"/>
+          </p:cNvSpPr>
+          <p:nvPr>
+            <p:ph type="title"/>
+          </p:nvPr>
+        </p:nvSpPr>
+        <p:spPr/>
+        <p:txBody>
+          <a:bodyPr/>
+          <a:lstStyle/>
+          <a:p>
+            <a:r>
+              <a:rPr lang="en-US" dirty="0" smtClean="0"/>
+              <a:t>What you will learn about in this section</a:t>
+            </a:r>
+            <a:endParaRPr lang="en-US" dirty="0"/>
+          </a:p>
+        </p:txBody>
+      </p:sp>
+      <p:sp>
+        <p:nvSpPr>
+          <p:cNvPr id="3" name="Content Placeholder 2"/>
+          <p:cNvSpPr>
+            <a:spLocks noGrp="1"/>
+          </p:cNvSpPr>
+          <p:nvPr>
+            <p:ph idx="1"/>
+          </p:nvPr>
+        </p:nvSpPr>
+        <p:spPr>
+          <a:xfrm>
+            <a:off x="838200" y="1825624"/>
+            <a:ext cx="10515600" cy="4175783"/>
+          </a:xfrm>
+        </p:spPr>
+        <p:txBody>
+          <a:bodyPr>
+            <a:normAutofit/>
+          </a:bodyPr>
+          <a:lstStyle/>
+          <a:p>
+            <a:pPr marL="514350" indent="-514350">
+              <a:buAutoNum type="arabicPeriod"/>
+            </a:pPr>
+            <a:r>
+              <a:rPr lang="en-US" dirty="0" smtClean="0">
+                <a:latin typeface="+mj-lt"/>
+              </a:rPr>
+              <a:t>Aggregation operators</a:t>
+            </a:r>
+          </a:p>
+          <a:p>
+            <a:pPr marL="514350" indent="-514350">
+              <a:buAutoNum type="arabicPeriod"/>
+            </a:pPr>
+            <a:endParaRPr lang="en-US" dirty="0" smtClean="0">
+              <a:latin typeface="+mj-lt"/>
+            </a:endParaRPr>
+          </a:p>
+          <a:p>
+            <a:pPr marL="514350" indent="-514350">
+              <a:buAutoNum type="arabicPeriod"/>
+            </a:pPr>
+            <a:r>
+              <a:rPr lang="en-US" dirty="0" smtClean="0">
+                <a:latin typeface="+mj-lt"/>
+              </a:rPr>
+              <a:t>GROUP BY</a:t>
+            </a:r>
+          </a:p>
+          <a:p>
+            <a:pPr marL="514350" indent="-514350">
+              <a:buAutoNum type="arabicPeriod"/>
+            </a:pPr>
+            <a:endParaRPr lang="en-US" dirty="0" smtClean="0">
+              <a:latin typeface="+mj-lt"/>
+            </a:endParaRPr>
+          </a:p>
+          <a:p>
+            <a:pPr marL="514350" indent="-514350">
+              <a:buAutoNum type="arabicPeriod"/>
+            </a:pPr>
+            <a:r>
+              <a:rPr lang="en-US" dirty="0" smtClean="0">
+                <a:latin typeface="+mj-lt"/>
+              </a:rPr>
+              <a:t>GROUP BY: with HAVING, semantics</a:t>
+            </a:r>
+            <a:endParaRPr lang="en-US" dirty="0">
+              <a:latin typeface="+mj-lt"/>
+            </a:endParaRPr>
+          </a:p>
+          <a:p>
+            <a:pPr marL="514350" indent="-514350">
+              <a:buAutoNum type="arabicPeriod"/>
+            </a:pPr>
+            <a:endParaRPr lang="en-US" dirty="0" smtClean="0">
+              <a:latin typeface="+mj-lt"/>
+            </a:endParaRPr>
+          </a:p>
+          <a:p>
+            <a:pPr marL="514350" indent="-514350">
+              <a:buAutoNum type="arabicPeriod"/>
+            </a:pPr>
+            <a:r>
+              <a:rPr lang="en-US" dirty="0" smtClean="0">
+                <a:latin typeface="+mj-lt"/>
+              </a:rPr>
+              <a:t>ACTIVITY: Fancy SQL Pt. </a:t>
+            </a:r>
+            <a:r>
+              <a:rPr lang="en-US" dirty="0">
+                <a:latin typeface="+mj-lt"/>
+              </a:rPr>
+              <a:t>I</a:t>
+            </a:r>
+          </a:p>
+        </p:txBody>
+      </p:sp>
+      <p:sp>
+        <p:nvSpPr>
+          <p:cNvPr id="4" name="Slide Number Placeholder 3"/>
+          <p:cNvSpPr>
+            <a:spLocks noGrp="1"/>
+          </p:cNvSpPr>
+          <p:nvPr>
+            <p:ph type="sldNum" sz="quarter" idx="12"/>
+          </p:nvPr>
+        </p:nvSpPr>
+        <p:spPr/>
+        <p:txBody>
+          <a:bodyPr/>
+          <a:lstStyle/>
+          <a:p>
+            <a:fld id="{DF92A6B5-0D7C-48A8-B49A-953CF10F77E3}" type="slidenum">
+              <a:rPr lang="en-US" smtClean="0"/>
+              <a:pPr/>
+              <a:t>4</a:t>
+            </a:fld>
+            <a:endParaRPr lang="en-US" dirty="0"/>
+          </a:p>
+        </p:txBody>
+      </p:sp>
+      <p:grpSp>
+        <p:nvGrpSpPr>
+          <p:cNvPr id="11" name="Group 10"/>
+          <p:cNvGrpSpPr/>
+          <p:nvPr/>
+        </p:nvGrpSpPr>
+        <p:grpSpPr>
+          <a:xfrm>
+            <a:off x="0" y="-22510"/>
+            <a:ext cx="12192000" cy="307777"/>
+            <a:chOff x="0" y="-22510"/>
+            <a:chExt cx="12192000" cy="307777"/>
+          </a:xfrm>
+        </p:grpSpPr>
+        <p:sp>
+          <p:nvSpPr>
+            <p:cNvPr id="12" name="Rectangle 11"/>
+            <p:cNvSpPr/>
+            <p:nvPr/>
+          </p:nvSpPr>
+          <p:spPr>
+            <a:xfrm>
+              <a:off x="0" y="0"/>
+              <a:ext cx="12192000" cy="262759"/>
+            </a:xfrm>
+            <a:prstGeom prst="rect">
+              <a:avLst/>
+            </a:prstGeom>
+            <a:solidFill>
+              <a:schemeClr val="bg2"/>
+            </a:solidFill>
+            <a:ln>
+              <a:noFill/>
+            </a:ln>
+          </p:spPr>
+          <p:style>
+            <a:lnRef idx="2">
+              <a:schemeClr val="accent1">
+                <a:shade val="50000"/>
+              </a:schemeClr>
+            </a:lnRef>
+            <a:fillRef idx="1">
+              <a:schemeClr val="accent1"/>
+            </a:fillRef>
+            <a:effectRef idx="0">
+              <a:schemeClr val="accent1"/>
+            </a:effectRef>
+            <a:fontRef idx="minor">
+              <a:schemeClr val="lt1"/>
+            </a:fontRef>
+          </p:style>
+          <p:txBody>
+            <a:bodyPr rtlCol="0" anchor="ctr"/>
+            <a:lstStyle/>
+            <a:p>
+              <a:pPr algn="r"/>
+              <a:endParaRPr lang="en-US" sz="1400" b="1" i="1" dirty="0">
+                <a:solidFill>
+                  <a:schemeClr val="tx1">
+                    <a:lumMod val="65000"/>
+                    <a:lumOff val="35000"/>
+                  </a:schemeClr>
+                </a:solidFill>
+                <a:latin typeface="+mj-lt"/>
+              </a:endParaRPr>
+            </a:p>
+          </p:txBody>
+        </p:sp>
+        <p:sp>
+          <p:nvSpPr>
+            <p:cNvPr id="13" name="TextBox 12"/>
+            <p:cNvSpPr txBox="1"/>
+            <p:nvPr/>
+          </p:nvSpPr>
+          <p:spPr>
+            <a:xfrm>
+              <a:off x="188780" y="-22510"/>
+              <a:ext cx="1829710" cy="307777"/>
+            </a:xfrm>
+            <a:prstGeom prst="rect">
+              <a:avLst/>
+            </a:prstGeom>
+            <a:noFill/>
+          </p:spPr>
+          <p:txBody>
+            <a:bodyPr wrap="none" rtlCol="0">
+              <a:spAutoFit/>
+            </a:bodyPr>
+            <a:lstStyle/>
+            <a:p>
+              <a:r>
+                <a:rPr lang="en-US" sz="1400" b="1" i="1" dirty="0" smtClean="0">
+                  <a:solidFill>
+                    <a:schemeClr val="tx1">
+                      <a:lumMod val="65000"/>
+                      <a:lumOff val="35000"/>
+                    </a:schemeClr>
+                  </a:solidFill>
+                  <a:latin typeface="+mj-lt"/>
+                </a:rPr>
+                <a:t>Lecture 5  &gt;  Section 1</a:t>
+              </a:r>
+              <a:endParaRPr lang="en-US" sz="1400" b="1" i="1" dirty="0">
+                <a:solidFill>
+                  <a:schemeClr val="tx1">
+                    <a:lumMod val="65000"/>
+                    <a:lumOff val="35000"/>
+                  </a:schemeClr>
+                </a:solidFill>
+                <a:latin typeface="+mj-lt"/>
+              </a:endParaRPr>
+            </a:p>
+          </p:txBody>
+        </p:sp>
+      </p:grpSp>
+    </p:spTree>
+    <p:extLst>
+      <p:ext uri="{BB962C8B-B14F-4D97-AF65-F5344CB8AC3E}">
+        <p14:creationId xmlns:p14="http://schemas.microsoft.com/office/powerpoint/2010/main" val="1820001307"/>
+      </p:ext>
+    </p:extLst>
+  </p:cSld>
+  <p:clrMapOvr>
+    <a:masterClrMapping/>
+  </p:clrMapOvr>
+  <p:timing>
+    <p:tnLst>
+      <p:par>
+        <p:cTn xmlns:p14="http://schemas.microsoft.com/office/powerpoint/2010/main" id="1" dur="indefinite" restart="never" nodeType="tmRoot"/>
+      </p:par>
+    </p:tnLst>
+  </p:timing>
+</p:sld>
+</file>
+
+<file path=ppt/slides/slide40.xml><?xml version="1.0" encoding="utf-8"?>
 <p:sld xmlns:a="http://schemas.openxmlformats.org/drawingml/2006/main" xmlns:r="http://schemas.openxmlformats.org/officeDocument/2006/relationships" xmlns:p="http://schemas.openxmlformats.org/presentationml/2006/main">
   <p:cSld>
     <p:spTree>
@@ -39014,7 +44730,7 @@
             <a:fld id="{79503A44-8036-4F30-B425-DDD86CBC5C88}" type="slidenum">
               <a:rPr lang="en-US"/>
               <a:pPr/>
-              <a:t>36</a:t>
+              <a:t>40</a:t>
             </a:fld>
             <a:endParaRPr lang="en-US"/>
           </a:p>
@@ -39564,7 +45280,7 @@
 </p:sld>
 </file>
 
-<file path=ppt/slides/slide37.xml><?xml version="1.0" encoding="utf-8"?>
+<file path=ppt/slides/slide41.xml><?xml version="1.0" encoding="utf-8"?>
 <p:sld xmlns:a="http://schemas.openxmlformats.org/drawingml/2006/main" xmlns:r="http://schemas.openxmlformats.org/officeDocument/2006/relationships" xmlns:p="http://schemas.openxmlformats.org/presentationml/2006/main">
   <p:cSld>
     <p:spTree>
@@ -39635,7 +45351,7 @@
           <a:p>
             <a:fld id="{40A01959-B587-3B45-A9B3-C17F42F09305}" type="slidenum">
               <a:rPr lang="en-US" smtClean="0"/>
-              <a:t>37</a:t>
+              <a:t>41</a:t>
             </a:fld>
             <a:endParaRPr lang="en-US"/>
           </a:p>
@@ -39779,7 +45495,7 @@
 </p:sld>
 </file>
 
-<file path=ppt/slides/slide38.xml><?xml version="1.0" encoding="utf-8"?>
+<file path=ppt/slides/slide42.xml><?xml version="1.0" encoding="utf-8"?>
 <p:sld xmlns:a="http://schemas.openxmlformats.org/drawingml/2006/main" xmlns:r="http://schemas.openxmlformats.org/officeDocument/2006/relationships" xmlns:p="http://schemas.openxmlformats.org/presentationml/2006/main">
   <p:cSld>
     <p:spTree>
@@ -39880,7 +45596,7 @@
             <a:fld id="{87B59F4F-503A-4A35-BDFA-CB903A9A9F13}" type="slidenum">
               <a:rPr lang="en-US" smtClean="0"/>
               <a:pPr/>
-              <a:t>38</a:t>
+              <a:t>42</a:t>
             </a:fld>
             <a:endParaRPr lang="en-US"/>
           </a:p>
@@ -40026,351 +45742,6 @@
         </p:sp>
       </p:grpSp>
     </p:spTree>
-  </p:cSld>
-  <p:clrMapOvr>
-    <a:masterClrMapping/>
-  </p:clrMapOvr>
-  <p:timing>
-    <p:tnLst>
-      <p:par>
-        <p:cTn xmlns:p14="http://schemas.microsoft.com/office/powerpoint/2010/main" id="1" dur="indefinite" restart="never" nodeType="tmRoot"/>
-      </p:par>
-    </p:tnLst>
-  </p:timing>
-</p:sld>
-</file>
-
-<file path=ppt/slides/slide4.xml><?xml version="1.0" encoding="utf-8"?>
-<p:sld xmlns:a="http://schemas.openxmlformats.org/drawingml/2006/main" xmlns:r="http://schemas.openxmlformats.org/officeDocument/2006/relationships" xmlns:p="http://schemas.openxmlformats.org/presentationml/2006/main">
-  <p:cSld>
-    <p:spTree>
-      <p:nvGrpSpPr>
-        <p:cNvPr id="1" name=""/>
-        <p:cNvGrpSpPr/>
-        <p:nvPr/>
-      </p:nvGrpSpPr>
-      <p:grpSpPr>
-        <a:xfrm>
-          <a:off x="0" y="0"/>
-          <a:ext cx="0" cy="0"/>
-          <a:chOff x="0" y="0"/>
-          <a:chExt cx="0" cy="0"/>
-        </a:xfrm>
-      </p:grpSpPr>
-      <p:sp>
-        <p:nvSpPr>
-          <p:cNvPr id="10" name="Rectangle 9"/>
-          <p:cNvSpPr/>
-          <p:nvPr/>
-        </p:nvSpPr>
-        <p:spPr>
-          <a:xfrm>
-            <a:off x="0" y="4661338"/>
-            <a:ext cx="8610600" cy="882869"/>
-          </a:xfrm>
-          <a:prstGeom prst="rect">
-            <a:avLst/>
-          </a:prstGeom>
-          <a:solidFill>
-            <a:schemeClr val="bg2"/>
-          </a:solidFill>
-          <a:ln>
-            <a:noFill/>
-          </a:ln>
-        </p:spPr>
-        <p:style>
-          <a:lnRef idx="2">
-            <a:schemeClr val="accent1">
-              <a:shade val="50000"/>
-            </a:schemeClr>
-          </a:lnRef>
-          <a:fillRef idx="1">
-            <a:schemeClr val="accent1"/>
-          </a:fillRef>
-          <a:effectRef idx="0">
-            <a:schemeClr val="accent1"/>
-          </a:effectRef>
-          <a:fontRef idx="minor">
-            <a:schemeClr val="lt1"/>
-          </a:fontRef>
-        </p:style>
-        <p:txBody>
-          <a:bodyPr rtlCol="0" anchor="ctr"/>
-          <a:lstStyle/>
-          <a:p>
-            <a:pPr algn="ctr"/>
-            <a:endParaRPr lang="en-US"/>
-          </a:p>
-        </p:txBody>
-      </p:sp>
-      <p:sp>
-        <p:nvSpPr>
-          <p:cNvPr id="2" name="Title 1"/>
-          <p:cNvSpPr>
-            <a:spLocks noGrp="1"/>
-          </p:cNvSpPr>
-          <p:nvPr>
-            <p:ph type="title"/>
-          </p:nvPr>
-        </p:nvSpPr>
-        <p:spPr/>
-        <p:txBody>
-          <a:bodyPr/>
-          <a:lstStyle/>
-          <a:p>
-            <a:r>
-              <a:rPr lang="en-US" dirty="0" smtClean="0"/>
-              <a:t>What you will learn about in this section</a:t>
-            </a:r>
-            <a:endParaRPr lang="en-US" dirty="0"/>
-          </a:p>
-        </p:txBody>
-      </p:sp>
-      <p:sp>
-        <p:nvSpPr>
-          <p:cNvPr id="3" name="Content Placeholder 2"/>
-          <p:cNvSpPr>
-            <a:spLocks noGrp="1"/>
-          </p:cNvSpPr>
-          <p:nvPr>
-            <p:ph idx="1"/>
-          </p:nvPr>
-        </p:nvSpPr>
-        <p:spPr>
-          <a:xfrm>
-            <a:off x="838200" y="1825624"/>
-            <a:ext cx="10515600" cy="4175783"/>
-          </a:xfrm>
-        </p:spPr>
-        <p:txBody>
-          <a:bodyPr>
-            <a:normAutofit/>
-          </a:bodyPr>
-          <a:lstStyle/>
-          <a:p>
-            <a:pPr marL="514350" indent="-514350">
-              <a:buAutoNum type="arabicPeriod"/>
-            </a:pPr>
-            <a:r>
-              <a:rPr lang="en-US" dirty="0" smtClean="0">
-                <a:latin typeface="+mj-lt"/>
-              </a:rPr>
-              <a:t>Aggregation operators</a:t>
-            </a:r>
-          </a:p>
-          <a:p>
-            <a:pPr marL="514350" indent="-514350">
-              <a:buAutoNum type="arabicPeriod"/>
-            </a:pPr>
-            <a:endParaRPr lang="en-US" dirty="0" smtClean="0">
-              <a:latin typeface="+mj-lt"/>
-            </a:endParaRPr>
-          </a:p>
-          <a:p>
-            <a:pPr marL="514350" indent="-514350">
-              <a:buAutoNum type="arabicPeriod"/>
-            </a:pPr>
-            <a:r>
-              <a:rPr lang="en-US" dirty="0" smtClean="0">
-                <a:latin typeface="+mj-lt"/>
-              </a:rPr>
-              <a:t>GROUP BY</a:t>
-            </a:r>
-          </a:p>
-          <a:p>
-            <a:pPr marL="514350" indent="-514350">
-              <a:buAutoNum type="arabicPeriod"/>
-            </a:pPr>
-            <a:endParaRPr lang="en-US" dirty="0" smtClean="0">
-              <a:latin typeface="+mj-lt"/>
-            </a:endParaRPr>
-          </a:p>
-          <a:p>
-            <a:pPr marL="514350" indent="-514350">
-              <a:buAutoNum type="arabicPeriod"/>
-            </a:pPr>
-            <a:r>
-              <a:rPr lang="en-US" dirty="0" smtClean="0">
-                <a:latin typeface="+mj-lt"/>
-              </a:rPr>
-              <a:t>GROUP BY: with HAVING, semantics</a:t>
-            </a:r>
-            <a:endParaRPr lang="en-US" dirty="0">
-              <a:latin typeface="+mj-lt"/>
-            </a:endParaRPr>
-          </a:p>
-          <a:p>
-            <a:pPr marL="514350" indent="-514350">
-              <a:buAutoNum type="arabicPeriod"/>
-            </a:pPr>
-            <a:endParaRPr lang="en-US" dirty="0" smtClean="0">
-              <a:latin typeface="+mj-lt"/>
-            </a:endParaRPr>
-          </a:p>
-          <a:p>
-            <a:pPr marL="514350" indent="-514350">
-              <a:buAutoNum type="arabicPeriod"/>
-            </a:pPr>
-            <a:r>
-              <a:rPr lang="en-US" dirty="0" smtClean="0">
-                <a:latin typeface="+mj-lt"/>
-              </a:rPr>
-              <a:t>ACTIVITY: Fancy SQL Pt. </a:t>
-            </a:r>
-            <a:r>
-              <a:rPr lang="en-US" dirty="0">
-                <a:latin typeface="+mj-lt"/>
-              </a:rPr>
-              <a:t>I</a:t>
-            </a:r>
-          </a:p>
-        </p:txBody>
-      </p:sp>
-      <p:sp>
-        <p:nvSpPr>
-          <p:cNvPr id="4" name="Slide Number Placeholder 3"/>
-          <p:cNvSpPr>
-            <a:spLocks noGrp="1"/>
-          </p:cNvSpPr>
-          <p:nvPr>
-            <p:ph type="sldNum" sz="quarter" idx="12"/>
-          </p:nvPr>
-        </p:nvSpPr>
-        <p:spPr/>
-        <p:txBody>
-          <a:bodyPr/>
-          <a:lstStyle/>
-          <a:p>
-            <a:fld id="{DF92A6B5-0D7C-48A8-B49A-953CF10F77E3}" type="slidenum">
-              <a:rPr lang="en-US" smtClean="0"/>
-              <a:pPr/>
-              <a:t>4</a:t>
-            </a:fld>
-            <a:endParaRPr lang="en-US" dirty="0"/>
-          </a:p>
-        </p:txBody>
-      </p:sp>
-      <p:grpSp>
-        <p:nvGrpSpPr>
-          <p:cNvPr id="11" name="Group 10"/>
-          <p:cNvGrpSpPr/>
-          <p:nvPr/>
-        </p:nvGrpSpPr>
-        <p:grpSpPr>
-          <a:xfrm>
-            <a:off x="0" y="-22510"/>
-            <a:ext cx="12192000" cy="307777"/>
-            <a:chOff x="0" y="-22510"/>
-            <a:chExt cx="12192000" cy="307777"/>
-          </a:xfrm>
-        </p:grpSpPr>
-        <p:sp>
-          <p:nvSpPr>
-            <p:cNvPr id="12" name="Rectangle 11"/>
-            <p:cNvSpPr/>
-            <p:nvPr/>
-          </p:nvSpPr>
-          <p:spPr>
-            <a:xfrm>
-              <a:off x="0" y="0"/>
-              <a:ext cx="12192000" cy="262759"/>
-            </a:xfrm>
-            <a:prstGeom prst="rect">
-              <a:avLst/>
-            </a:prstGeom>
-            <a:solidFill>
-              <a:schemeClr val="bg2"/>
-            </a:solidFill>
-            <a:ln>
-              <a:noFill/>
-            </a:ln>
-          </p:spPr>
-          <p:style>
-            <a:lnRef idx="2">
-              <a:schemeClr val="accent1">
-                <a:shade val="50000"/>
-              </a:schemeClr>
-            </a:lnRef>
-            <a:fillRef idx="1">
-              <a:schemeClr val="accent1"/>
-            </a:fillRef>
-            <a:effectRef idx="0">
-              <a:schemeClr val="accent1"/>
-            </a:effectRef>
-            <a:fontRef idx="minor">
-              <a:schemeClr val="lt1"/>
-            </a:fontRef>
-          </p:style>
-          <p:txBody>
-            <a:bodyPr rtlCol="0" anchor="ctr"/>
-            <a:lstStyle/>
-            <a:p>
-              <a:pPr algn="r"/>
-              <a:endParaRPr lang="en-US" sz="1400" b="1" i="1" dirty="0">
-                <a:solidFill>
-                  <a:schemeClr val="tx1">
-                    <a:lumMod val="65000"/>
-                    <a:lumOff val="35000"/>
-                  </a:schemeClr>
-                </a:solidFill>
-                <a:latin typeface="+mj-lt"/>
-              </a:endParaRPr>
-            </a:p>
-          </p:txBody>
-        </p:sp>
-        <p:sp>
-          <p:nvSpPr>
-            <p:cNvPr id="13" name="TextBox 12"/>
-            <p:cNvSpPr txBox="1"/>
-            <p:nvPr/>
-          </p:nvSpPr>
-          <p:spPr>
-            <a:xfrm>
-              <a:off x="188780" y="-22510"/>
-              <a:ext cx="1829710" cy="307777"/>
-            </a:xfrm>
-            <a:prstGeom prst="rect">
-              <a:avLst/>
-            </a:prstGeom>
-            <a:noFill/>
-          </p:spPr>
-          <p:txBody>
-            <a:bodyPr wrap="none" rtlCol="0">
-              <a:spAutoFit/>
-            </a:bodyPr>
-            <a:lstStyle/>
-            <a:p>
-              <a:r>
-                <a:rPr lang="en-US" sz="1400" b="1" i="1" dirty="0" smtClean="0">
-                  <a:solidFill>
-                    <a:schemeClr val="tx1">
-                      <a:lumMod val="65000"/>
-                      <a:lumOff val="35000"/>
-                    </a:schemeClr>
-                  </a:solidFill>
-                  <a:latin typeface="+mj-lt"/>
-                </a:rPr>
-                <a:t>Lecture 5  &gt;  Section 1</a:t>
-              </a:r>
-              <a:endParaRPr lang="en-US" sz="1400" b="1" i="1" dirty="0">
-                <a:solidFill>
-                  <a:schemeClr val="tx1">
-                    <a:lumMod val="65000"/>
-                    <a:lumOff val="35000"/>
-                  </a:schemeClr>
-                </a:solidFill>
-                <a:latin typeface="+mj-lt"/>
-              </a:endParaRPr>
-            </a:p>
-          </p:txBody>
-        </p:sp>
-      </p:grpSp>
-    </p:spTree>
-    <p:extLst>
-      <p:ext uri="{BB962C8B-B14F-4D97-AF65-F5344CB8AC3E}">
-        <p14:creationId xmlns:p14="http://schemas.microsoft.com/office/powerpoint/2010/main" val="1820001307"/>
-      </p:ext>
-    </p:extLst>
   </p:cSld>
   <p:clrMapOvr>
     <a:masterClrMapping/>
